--- a/CSMAG.pptx
+++ b/CSMAG.pptx
@@ -273,7 +273,7 @@
           <a:p>
             <a:fld id="{A7B2F81D-AA53-4D53-AF13-F41C52A18755}" type="datetimeFigureOut">
               <a:rPr lang="es-ES" smtClean="0"/>
-              <a:t>30/11/2022</a:t>
+              <a:t>01/12/2022</a:t>
             </a:fld>
             <a:endParaRPr lang="es-ES"/>
           </a:p>
@@ -471,7 +471,7 @@
           <a:p>
             <a:fld id="{A7B2F81D-AA53-4D53-AF13-F41C52A18755}" type="datetimeFigureOut">
               <a:rPr lang="es-ES" smtClean="0"/>
-              <a:t>30/11/2022</a:t>
+              <a:t>01/12/2022</a:t>
             </a:fld>
             <a:endParaRPr lang="es-ES"/>
           </a:p>
@@ -679,7 +679,7 @@
           <a:p>
             <a:fld id="{A7B2F81D-AA53-4D53-AF13-F41C52A18755}" type="datetimeFigureOut">
               <a:rPr lang="es-ES" smtClean="0"/>
-              <a:t>30/11/2022</a:t>
+              <a:t>01/12/2022</a:t>
             </a:fld>
             <a:endParaRPr lang="es-ES"/>
           </a:p>
@@ -877,7 +877,7 @@
           <a:p>
             <a:fld id="{A7B2F81D-AA53-4D53-AF13-F41C52A18755}" type="datetimeFigureOut">
               <a:rPr lang="es-ES" smtClean="0"/>
-              <a:t>30/11/2022</a:t>
+              <a:t>01/12/2022</a:t>
             </a:fld>
             <a:endParaRPr lang="es-ES"/>
           </a:p>
@@ -1152,7 +1152,7 @@
           <a:p>
             <a:fld id="{A7B2F81D-AA53-4D53-AF13-F41C52A18755}" type="datetimeFigureOut">
               <a:rPr lang="es-ES" smtClean="0"/>
-              <a:t>30/11/2022</a:t>
+              <a:t>01/12/2022</a:t>
             </a:fld>
             <a:endParaRPr lang="es-ES"/>
           </a:p>
@@ -1417,7 +1417,7 @@
           <a:p>
             <a:fld id="{A7B2F81D-AA53-4D53-AF13-F41C52A18755}" type="datetimeFigureOut">
               <a:rPr lang="es-ES" smtClean="0"/>
-              <a:t>30/11/2022</a:t>
+              <a:t>01/12/2022</a:t>
             </a:fld>
             <a:endParaRPr lang="es-ES"/>
           </a:p>
@@ -1829,7 +1829,7 @@
           <a:p>
             <a:fld id="{A7B2F81D-AA53-4D53-AF13-F41C52A18755}" type="datetimeFigureOut">
               <a:rPr lang="es-ES" smtClean="0"/>
-              <a:t>30/11/2022</a:t>
+              <a:t>01/12/2022</a:t>
             </a:fld>
             <a:endParaRPr lang="es-ES"/>
           </a:p>
@@ -1970,7 +1970,7 @@
           <a:p>
             <a:fld id="{A7B2F81D-AA53-4D53-AF13-F41C52A18755}" type="datetimeFigureOut">
               <a:rPr lang="es-ES" smtClean="0"/>
-              <a:t>30/11/2022</a:t>
+              <a:t>01/12/2022</a:t>
             </a:fld>
             <a:endParaRPr lang="es-ES"/>
           </a:p>
@@ -2083,7 +2083,7 @@
           <a:p>
             <a:fld id="{A7B2F81D-AA53-4D53-AF13-F41C52A18755}" type="datetimeFigureOut">
               <a:rPr lang="es-ES" smtClean="0"/>
-              <a:t>30/11/2022</a:t>
+              <a:t>01/12/2022</a:t>
             </a:fld>
             <a:endParaRPr lang="es-ES"/>
           </a:p>
@@ -2394,7 +2394,7 @@
           <a:p>
             <a:fld id="{A7B2F81D-AA53-4D53-AF13-F41C52A18755}" type="datetimeFigureOut">
               <a:rPr lang="es-ES" smtClean="0"/>
-              <a:t>30/11/2022</a:t>
+              <a:t>01/12/2022</a:t>
             </a:fld>
             <a:endParaRPr lang="es-ES"/>
           </a:p>
@@ -2682,7 +2682,7 @@
           <a:p>
             <a:fld id="{A7B2F81D-AA53-4D53-AF13-F41C52A18755}" type="datetimeFigureOut">
               <a:rPr lang="es-ES" smtClean="0"/>
-              <a:t>30/11/2022</a:t>
+              <a:t>01/12/2022</a:t>
             </a:fld>
             <a:endParaRPr lang="es-ES"/>
           </a:p>
@@ -2923,7 +2923,7 @@
           <a:p>
             <a:fld id="{A7B2F81D-AA53-4D53-AF13-F41C52A18755}" type="datetimeFigureOut">
               <a:rPr lang="es-ES" smtClean="0"/>
-              <a:t>30/11/2022</a:t>
+              <a:t>01/12/2022</a:t>
             </a:fld>
             <a:endParaRPr lang="es-ES"/>
           </a:p>
@@ -3356,7 +3356,12 @@
             <p:ph type="ctrTitle"/>
           </p:nvPr>
         </p:nvSpPr>
-        <p:spPr/>
+        <p:spPr>
+          <a:xfrm>
+            <a:off x="1524000" y="2123379"/>
+            <a:ext cx="9144000" cy="2387600"/>
+          </a:xfrm>
+        </p:spPr>
         <p:txBody>
           <a:bodyPr>
             <a:normAutofit/>
@@ -3364,9 +3369,10 @@
           <a:lstStyle/>
           <a:p>
             <a:r>
-              <a:rPr lang="es-ES" sz="7200" b="1" dirty="0"/>
-              <a:t>CSMAG</a:t>
-            </a:r>
+              <a:rPr lang="es-ES" sz="4000" b="1" i="0" u="none" strike="noStrike" baseline="0" dirty="0"/>
+              <a:t>OPTIMIZACIÓN DE GENERACIÓN ENERGÉTICA EN SALTOS DE AGUA TURBINADOS UTILIZANDO MACHINE LEARNING</a:t>
+            </a:r>
+            <a:endParaRPr lang="es-ES" sz="4000" b="1" dirty="0"/>
           </a:p>
         </p:txBody>
       </p:sp>
@@ -3388,7 +3394,7 @@
         </p:nvSpPr>
         <p:spPr>
           <a:xfrm>
-            <a:off x="7121236" y="4174692"/>
+            <a:off x="7121236" y="4747346"/>
             <a:ext cx="3546764" cy="1655762"/>
           </a:xfrm>
         </p:spPr>
@@ -3490,7 +3496,7 @@
         </p:blipFill>
         <p:spPr>
           <a:xfrm>
-            <a:off x="607580" y="620280"/>
+            <a:off x="450562" y="417985"/>
             <a:ext cx="3429399" cy="1929037"/>
           </a:xfrm>
           <a:prstGeom prst="rect">

--- a/CSMAG.pptx
+++ b/CSMAG.pptx
@@ -8,18 +8,19 @@
     <p:sldId id="256" r:id="rId2"/>
     <p:sldId id="266" r:id="rId3"/>
     <p:sldId id="268" r:id="rId4"/>
-    <p:sldId id="269" r:id="rId5"/>
-    <p:sldId id="257" r:id="rId6"/>
-    <p:sldId id="264" r:id="rId7"/>
-    <p:sldId id="265" r:id="rId8"/>
-    <p:sldId id="263" r:id="rId9"/>
-    <p:sldId id="258" r:id="rId10"/>
-    <p:sldId id="259" r:id="rId11"/>
-    <p:sldId id="270" r:id="rId12"/>
-    <p:sldId id="261" r:id="rId13"/>
-    <p:sldId id="260" r:id="rId14"/>
-    <p:sldId id="262" r:id="rId15"/>
-    <p:sldId id="271" r:id="rId16"/>
+    <p:sldId id="272" r:id="rId5"/>
+    <p:sldId id="269" r:id="rId6"/>
+    <p:sldId id="257" r:id="rId7"/>
+    <p:sldId id="264" r:id="rId8"/>
+    <p:sldId id="265" r:id="rId9"/>
+    <p:sldId id="263" r:id="rId10"/>
+    <p:sldId id="258" r:id="rId11"/>
+    <p:sldId id="259" r:id="rId12"/>
+    <p:sldId id="270" r:id="rId13"/>
+    <p:sldId id="261" r:id="rId14"/>
+    <p:sldId id="260" r:id="rId15"/>
+    <p:sldId id="262" r:id="rId16"/>
+    <p:sldId id="271" r:id="rId17"/>
   </p:sldIdLst>
   <p:sldSz cx="12192000" cy="6858000"/>
   <p:notesSz cx="6858000" cy="9144000"/>
@@ -273,7 +274,7 @@
           <a:p>
             <a:fld id="{A7B2F81D-AA53-4D53-AF13-F41C52A18755}" type="datetimeFigureOut">
               <a:rPr lang="es-ES" smtClean="0"/>
-              <a:t>01/12/2022</a:t>
+              <a:t>04/12/2022</a:t>
             </a:fld>
             <a:endParaRPr lang="es-ES"/>
           </a:p>
@@ -471,7 +472,7 @@
           <a:p>
             <a:fld id="{A7B2F81D-AA53-4D53-AF13-F41C52A18755}" type="datetimeFigureOut">
               <a:rPr lang="es-ES" smtClean="0"/>
-              <a:t>01/12/2022</a:t>
+              <a:t>04/12/2022</a:t>
             </a:fld>
             <a:endParaRPr lang="es-ES"/>
           </a:p>
@@ -679,7 +680,7 @@
           <a:p>
             <a:fld id="{A7B2F81D-AA53-4D53-AF13-F41C52A18755}" type="datetimeFigureOut">
               <a:rPr lang="es-ES" smtClean="0"/>
-              <a:t>01/12/2022</a:t>
+              <a:t>04/12/2022</a:t>
             </a:fld>
             <a:endParaRPr lang="es-ES"/>
           </a:p>
@@ -877,7 +878,7 @@
           <a:p>
             <a:fld id="{A7B2F81D-AA53-4D53-AF13-F41C52A18755}" type="datetimeFigureOut">
               <a:rPr lang="es-ES" smtClean="0"/>
-              <a:t>01/12/2022</a:t>
+              <a:t>04/12/2022</a:t>
             </a:fld>
             <a:endParaRPr lang="es-ES"/>
           </a:p>
@@ -1152,7 +1153,7 @@
           <a:p>
             <a:fld id="{A7B2F81D-AA53-4D53-AF13-F41C52A18755}" type="datetimeFigureOut">
               <a:rPr lang="es-ES" smtClean="0"/>
-              <a:t>01/12/2022</a:t>
+              <a:t>04/12/2022</a:t>
             </a:fld>
             <a:endParaRPr lang="es-ES"/>
           </a:p>
@@ -1417,7 +1418,7 @@
           <a:p>
             <a:fld id="{A7B2F81D-AA53-4D53-AF13-F41C52A18755}" type="datetimeFigureOut">
               <a:rPr lang="es-ES" smtClean="0"/>
-              <a:t>01/12/2022</a:t>
+              <a:t>04/12/2022</a:t>
             </a:fld>
             <a:endParaRPr lang="es-ES"/>
           </a:p>
@@ -1829,7 +1830,7 @@
           <a:p>
             <a:fld id="{A7B2F81D-AA53-4D53-AF13-F41C52A18755}" type="datetimeFigureOut">
               <a:rPr lang="es-ES" smtClean="0"/>
-              <a:t>01/12/2022</a:t>
+              <a:t>04/12/2022</a:t>
             </a:fld>
             <a:endParaRPr lang="es-ES"/>
           </a:p>
@@ -1970,7 +1971,7 @@
           <a:p>
             <a:fld id="{A7B2F81D-AA53-4D53-AF13-F41C52A18755}" type="datetimeFigureOut">
               <a:rPr lang="es-ES" smtClean="0"/>
-              <a:t>01/12/2022</a:t>
+              <a:t>04/12/2022</a:t>
             </a:fld>
             <a:endParaRPr lang="es-ES"/>
           </a:p>
@@ -2083,7 +2084,7 @@
           <a:p>
             <a:fld id="{A7B2F81D-AA53-4D53-AF13-F41C52A18755}" type="datetimeFigureOut">
               <a:rPr lang="es-ES" smtClean="0"/>
-              <a:t>01/12/2022</a:t>
+              <a:t>04/12/2022</a:t>
             </a:fld>
             <a:endParaRPr lang="es-ES"/>
           </a:p>
@@ -2394,7 +2395,7 @@
           <a:p>
             <a:fld id="{A7B2F81D-AA53-4D53-AF13-F41C52A18755}" type="datetimeFigureOut">
               <a:rPr lang="es-ES" smtClean="0"/>
-              <a:t>01/12/2022</a:t>
+              <a:t>04/12/2022</a:t>
             </a:fld>
             <a:endParaRPr lang="es-ES"/>
           </a:p>
@@ -2682,7 +2683,7 @@
           <a:p>
             <a:fld id="{A7B2F81D-AA53-4D53-AF13-F41C52A18755}" type="datetimeFigureOut">
               <a:rPr lang="es-ES" smtClean="0"/>
-              <a:t>01/12/2022</a:t>
+              <a:t>04/12/2022</a:t>
             </a:fld>
             <a:endParaRPr lang="es-ES"/>
           </a:p>
@@ -2923,7 +2924,7 @@
           <a:p>
             <a:fld id="{A7B2F81D-AA53-4D53-AF13-F41C52A18755}" type="datetimeFigureOut">
               <a:rPr lang="es-ES" smtClean="0"/>
-              <a:t>01/12/2022</a:t>
+              <a:t>04/12/2022</a:t>
             </a:fld>
             <a:endParaRPr lang="es-ES"/>
           </a:p>
@@ -3539,6 +3540,93 @@
           <p:cNvPr id="2" name="Título 1">
             <a:extLst>
               <a:ext uri="{FF2B5EF4-FFF2-40B4-BE49-F238E27FC236}">
+                <a16:creationId xmlns:a16="http://schemas.microsoft.com/office/drawing/2014/main" id="{1C545C17-B69F-137B-EB6A-3F880160D0B8}"/>
+              </a:ext>
+            </a:extLst>
+          </p:cNvPr>
+          <p:cNvSpPr>
+            <a:spLocks noGrp="1"/>
+          </p:cNvSpPr>
+          <p:nvPr>
+            <p:ph type="title"/>
+          </p:nvPr>
+        </p:nvSpPr>
+        <p:spPr/>
+        <p:txBody>
+          <a:bodyPr/>
+          <a:lstStyle/>
+          <a:p>
+            <a:pPr algn="ctr"/>
+            <a:r>
+              <a:rPr lang="es-ES" b="1" dirty="0"/>
+              <a:t>DIAGRAMA DE GANTT DEL PROYECTO</a:t>
+            </a:r>
+          </a:p>
+        </p:txBody>
+      </p:sp>
+      <p:sp>
+        <p:nvSpPr>
+          <p:cNvPr id="3" name="Marcador de contenido 2">
+            <a:extLst>
+              <a:ext uri="{FF2B5EF4-FFF2-40B4-BE49-F238E27FC236}">
+                <a16:creationId xmlns:a16="http://schemas.microsoft.com/office/drawing/2014/main" id="{DA0BA2F2-F268-9C00-ECC1-6DB7437702B3}"/>
+              </a:ext>
+            </a:extLst>
+          </p:cNvPr>
+          <p:cNvSpPr>
+            <a:spLocks noGrp="1"/>
+          </p:cNvSpPr>
+          <p:nvPr>
+            <p:ph idx="1"/>
+          </p:nvPr>
+        </p:nvSpPr>
+        <p:spPr/>
+        <p:txBody>
+          <a:bodyPr/>
+          <a:lstStyle/>
+          <a:p>
+            <a:r>
+              <a:rPr lang="es-ES" dirty="0"/>
+              <a:t>Capturas del Diagrama de Gantt</a:t>
+            </a:r>
+          </a:p>
+        </p:txBody>
+      </p:sp>
+    </p:spTree>
+    <p:extLst>
+      <p:ext uri="{BB962C8B-B14F-4D97-AF65-F5344CB8AC3E}">
+        <p14:creationId xmlns:p14="http://schemas.microsoft.com/office/powerpoint/2010/main" val="693208022"/>
+      </p:ext>
+    </p:extLst>
+  </p:cSld>
+  <p:clrMapOvr>
+    <a:masterClrMapping/>
+  </p:clrMapOvr>
+</p:sld>
+</file>
+
+<file path=ppt/slides/slide11.xml><?xml version="1.0" encoding="utf-8"?>
+<p:sld xmlns:a="http://schemas.openxmlformats.org/drawingml/2006/main" xmlns:r="http://schemas.openxmlformats.org/officeDocument/2006/relationships" xmlns:p="http://schemas.openxmlformats.org/presentationml/2006/main">
+  <p:cSld>
+    <p:spTree>
+      <p:nvGrpSpPr>
+        <p:cNvPr id="1" name=""/>
+        <p:cNvGrpSpPr/>
+        <p:nvPr/>
+      </p:nvGrpSpPr>
+      <p:grpSpPr>
+        <a:xfrm>
+          <a:off x="0" y="0"/>
+          <a:ext cx="0" cy="0"/>
+          <a:chOff x="0" y="0"/>
+          <a:chExt cx="0" cy="0"/>
+        </a:xfrm>
+      </p:grpSpPr>
+      <p:sp>
+        <p:nvSpPr>
+          <p:cNvPr id="2" name="Título 1">
+            <a:extLst>
+              <a:ext uri="{FF2B5EF4-FFF2-40B4-BE49-F238E27FC236}">
                 <a16:creationId xmlns:a16="http://schemas.microsoft.com/office/drawing/2014/main" id="{A39664C5-7C88-8239-9218-B20EBE8FE185}"/>
               </a:ext>
             </a:extLst>
@@ -3609,7 +3697,7 @@
 </p:sld>
 </file>
 
-<file path=ppt/slides/slide11.xml><?xml version="1.0" encoding="utf-8"?>
+<file path=ppt/slides/slide12.xml><?xml version="1.0" encoding="utf-8"?>
 <p:sld xmlns:a="http://schemas.openxmlformats.org/drawingml/2006/main" xmlns:r="http://schemas.openxmlformats.org/officeDocument/2006/relationships" xmlns:p="http://schemas.openxmlformats.org/presentationml/2006/main">
   <p:cSld>
     <p:spTree>
@@ -3697,7 +3785,7 @@
 </p:sld>
 </file>
 
-<file path=ppt/slides/slide12.xml><?xml version="1.0" encoding="utf-8"?>
+<file path=ppt/slides/slide13.xml><?xml version="1.0" encoding="utf-8"?>
 <p:sld xmlns:a="http://schemas.openxmlformats.org/drawingml/2006/main" xmlns:r="http://schemas.openxmlformats.org/officeDocument/2006/relationships" xmlns:p="http://schemas.openxmlformats.org/presentationml/2006/main">
   <p:cSld>
     <p:spTree>
@@ -3784,7 +3872,7 @@
 </p:sld>
 </file>
 
-<file path=ppt/slides/slide13.xml><?xml version="1.0" encoding="utf-8"?>
+<file path=ppt/slides/slide14.xml><?xml version="1.0" encoding="utf-8"?>
 <p:sld xmlns:a="http://schemas.openxmlformats.org/drawingml/2006/main" xmlns:r="http://schemas.openxmlformats.org/officeDocument/2006/relationships" xmlns:p="http://schemas.openxmlformats.org/presentationml/2006/main">
   <p:cSld>
     <p:spTree>
@@ -4304,7 +4392,7 @@
 </p:sld>
 </file>
 
-<file path=ppt/slides/slide14.xml><?xml version="1.0" encoding="utf-8"?>
+<file path=ppt/slides/slide15.xml><?xml version="1.0" encoding="utf-8"?>
 <p:sld xmlns:a="http://schemas.openxmlformats.org/drawingml/2006/main" xmlns:r="http://schemas.openxmlformats.org/officeDocument/2006/relationships" xmlns:p="http://schemas.openxmlformats.org/presentationml/2006/main">
   <p:cSld>
     <p:spTree>
@@ -4391,7 +4479,7 @@
 </p:sld>
 </file>
 
-<file path=ppt/slides/slide15.xml><?xml version="1.0" encoding="utf-8"?>
+<file path=ppt/slides/slide16.xml><?xml version="1.0" encoding="utf-8"?>
 <p:sld xmlns:a="http://schemas.openxmlformats.org/drawingml/2006/main" xmlns:r="http://schemas.openxmlformats.org/officeDocument/2006/relationships" xmlns:p="http://schemas.openxmlformats.org/presentationml/2006/main">
   <p:cSld>
     <p:spTree>
@@ -4622,7 +4710,7 @@
         </p:nvSpPr>
         <p:spPr>
           <a:xfrm>
-            <a:off x="4152900" y="5635181"/>
+            <a:off x="8400075" y="607162"/>
             <a:ext cx="3886200" cy="923330"/>
           </a:xfrm>
           <a:prstGeom prst="rect">
@@ -4657,7 +4745,7 @@
         </p:nvSpPr>
         <p:spPr>
           <a:xfrm>
-            <a:off x="8804635" y="5825765"/>
+            <a:off x="230651" y="422496"/>
             <a:ext cx="3077081" cy="646331"/>
           </a:xfrm>
           <a:prstGeom prst="rect">
@@ -4694,15 +4782,534 @@
             <p:ph idx="1"/>
           </p:nvPr>
         </p:nvSpPr>
-        <p:spPr/>
-        <p:txBody>
-          <a:bodyPr/>
-          <a:lstStyle/>
-          <a:p>
-            <a:endParaRPr lang="es-ES"/>
-          </a:p>
-        </p:txBody>
-      </p:sp>
+        <p:spPr>
+          <a:xfrm>
+            <a:off x="230650" y="1596565"/>
+            <a:ext cx="11799053" cy="1431644"/>
+          </a:xfrm>
+        </p:spPr>
+        <p:txBody>
+          <a:bodyPr>
+            <a:normAutofit/>
+          </a:bodyPr>
+          <a:lstStyle/>
+          <a:p>
+            <a:pPr marL="0" indent="0" algn="just">
+              <a:buNone/>
+            </a:pPr>
+            <a:r>
+              <a:rPr lang="es-ES" sz="2200" dirty="0"/>
+              <a:t>Nuestro proyecto se encuentra enfocado a un sector empresarial dedicado al desarrollo energético basado en saltos de agua, por lo que nuestros clientes serán empresas que posean saltos de agua turbinados o susceptibles de turbinar. </a:t>
+            </a:r>
+          </a:p>
+          <a:p>
+            <a:pPr marL="0" indent="0" algn="just">
+              <a:buNone/>
+            </a:pPr>
+            <a:r>
+              <a:rPr lang="es-ES" sz="2200" dirty="0"/>
+              <a:t>Estos son algunos de nuestros principales clientes potenciales:</a:t>
+            </a:r>
+          </a:p>
+        </p:txBody>
+      </p:sp>
+      <p:sp>
+        <p:nvSpPr>
+          <p:cNvPr id="3" name="CuadroTexto 2">
+            <a:extLst>
+              <a:ext uri="{FF2B5EF4-FFF2-40B4-BE49-F238E27FC236}">
+                <a16:creationId xmlns:a16="http://schemas.microsoft.com/office/drawing/2014/main" id="{BFC4FB12-8958-CBE5-A436-154142B6D64C}"/>
+              </a:ext>
+            </a:extLst>
+          </p:cNvPr>
+          <p:cNvSpPr txBox="1"/>
+          <p:nvPr/>
+        </p:nvSpPr>
+        <p:spPr>
+          <a:xfrm>
+            <a:off x="248150" y="3660553"/>
+            <a:ext cx="1050512" cy="369332"/>
+          </a:xfrm>
+          <a:prstGeom prst="rect">
+            <a:avLst/>
+          </a:prstGeom>
+          <a:noFill/>
+        </p:spPr>
+        <p:txBody>
+          <a:bodyPr wrap="square" rtlCol="0">
+            <a:spAutoFit/>
+          </a:bodyPr>
+          <a:lstStyle/>
+          <a:p>
+            <a:r>
+              <a:rPr lang="es-ES" dirty="0"/>
+              <a:t>EMEFESA</a:t>
+            </a:r>
+          </a:p>
+        </p:txBody>
+      </p:sp>
+      <p:sp>
+        <p:nvSpPr>
+          <p:cNvPr id="5" name="CuadroTexto 4">
+            <a:extLst>
+              <a:ext uri="{FF2B5EF4-FFF2-40B4-BE49-F238E27FC236}">
+                <a16:creationId xmlns:a16="http://schemas.microsoft.com/office/drawing/2014/main" id="{B49D7FDF-3BC7-0C9C-3EC3-DC1C9C98B5F6}"/>
+              </a:ext>
+            </a:extLst>
+          </p:cNvPr>
+          <p:cNvSpPr txBox="1"/>
+          <p:nvPr/>
+        </p:nvSpPr>
+        <p:spPr>
+          <a:xfrm>
+            <a:off x="230650" y="5502304"/>
+            <a:ext cx="1175657" cy="369332"/>
+          </a:xfrm>
+          <a:prstGeom prst="rect">
+            <a:avLst/>
+          </a:prstGeom>
+          <a:noFill/>
+        </p:spPr>
+        <p:txBody>
+          <a:bodyPr wrap="square" rtlCol="0">
+            <a:spAutoFit/>
+          </a:bodyPr>
+          <a:lstStyle/>
+          <a:p>
+            <a:r>
+              <a:rPr lang="es-ES" dirty="0"/>
+              <a:t>EMALCSA</a:t>
+            </a:r>
+          </a:p>
+        </p:txBody>
+      </p:sp>
+      <p:sp>
+        <p:nvSpPr>
+          <p:cNvPr id="6" name="CuadroTexto 5">
+            <a:extLst>
+              <a:ext uri="{FF2B5EF4-FFF2-40B4-BE49-F238E27FC236}">
+                <a16:creationId xmlns:a16="http://schemas.microsoft.com/office/drawing/2014/main" id="{2C2EA64B-03A5-7DBB-5517-311A110A0355}"/>
+              </a:ext>
+            </a:extLst>
+          </p:cNvPr>
+          <p:cNvSpPr txBox="1"/>
+          <p:nvPr/>
+        </p:nvSpPr>
+        <p:spPr>
+          <a:xfrm>
+            <a:off x="3661084" y="3660553"/>
+            <a:ext cx="1270660" cy="369332"/>
+          </a:xfrm>
+          <a:prstGeom prst="rect">
+            <a:avLst/>
+          </a:prstGeom>
+          <a:noFill/>
+        </p:spPr>
+        <p:txBody>
+          <a:bodyPr wrap="square" rtlCol="0">
+            <a:spAutoFit/>
+          </a:bodyPr>
+          <a:lstStyle/>
+          <a:p>
+            <a:r>
+              <a:rPr lang="es-ES" dirty="0"/>
+              <a:t>GESTAGUA</a:t>
+            </a:r>
+          </a:p>
+        </p:txBody>
+      </p:sp>
+      <p:sp>
+        <p:nvSpPr>
+          <p:cNvPr id="8" name="CuadroTexto 7">
+            <a:extLst>
+              <a:ext uri="{FF2B5EF4-FFF2-40B4-BE49-F238E27FC236}">
+                <a16:creationId xmlns:a16="http://schemas.microsoft.com/office/drawing/2014/main" id="{CF354380-CA43-A297-180A-A94E3352B0B5}"/>
+              </a:ext>
+            </a:extLst>
+          </p:cNvPr>
+          <p:cNvSpPr txBox="1"/>
+          <p:nvPr/>
+        </p:nvSpPr>
+        <p:spPr>
+          <a:xfrm>
+            <a:off x="3643584" y="5502304"/>
+            <a:ext cx="952005" cy="369332"/>
+          </a:xfrm>
+          <a:prstGeom prst="rect">
+            <a:avLst/>
+          </a:prstGeom>
+          <a:noFill/>
+        </p:spPr>
+        <p:txBody>
+          <a:bodyPr wrap="square" rtlCol="0">
+            <a:spAutoFit/>
+          </a:bodyPr>
+          <a:lstStyle/>
+          <a:p>
+            <a:r>
+              <a:rPr lang="es-ES" dirty="0"/>
+              <a:t>VIAQUA</a:t>
+            </a:r>
+          </a:p>
+        </p:txBody>
+      </p:sp>
+      <p:sp>
+        <p:nvSpPr>
+          <p:cNvPr id="9" name="CuadroTexto 8">
+            <a:extLst>
+              <a:ext uri="{FF2B5EF4-FFF2-40B4-BE49-F238E27FC236}">
+                <a16:creationId xmlns:a16="http://schemas.microsoft.com/office/drawing/2014/main" id="{E4F62433-9EA0-5FBC-95B1-31BD0619C0C1}"/>
+              </a:ext>
+            </a:extLst>
+          </p:cNvPr>
+          <p:cNvSpPr txBox="1"/>
+          <p:nvPr/>
+        </p:nvSpPr>
+        <p:spPr>
+          <a:xfrm>
+            <a:off x="7283481" y="3663116"/>
+            <a:ext cx="2268187" cy="369332"/>
+          </a:xfrm>
+          <a:prstGeom prst="rect">
+            <a:avLst/>
+          </a:prstGeom>
+          <a:noFill/>
+        </p:spPr>
+        <p:txBody>
+          <a:bodyPr wrap="square" rtlCol="0">
+            <a:spAutoFit/>
+          </a:bodyPr>
+          <a:lstStyle/>
+          <a:p>
+            <a:r>
+              <a:rPr lang="es-ES" dirty="0"/>
+              <a:t>ALUMINIOS CORTIZO</a:t>
+            </a:r>
+          </a:p>
+        </p:txBody>
+      </p:sp>
+      <p:sp>
+        <p:nvSpPr>
+          <p:cNvPr id="10" name="CuadroTexto 9">
+            <a:extLst>
+              <a:ext uri="{FF2B5EF4-FFF2-40B4-BE49-F238E27FC236}">
+                <a16:creationId xmlns:a16="http://schemas.microsoft.com/office/drawing/2014/main" id="{B31D7A68-D96D-D014-479E-22DCB1E99FEF}"/>
+              </a:ext>
+            </a:extLst>
+          </p:cNvPr>
+          <p:cNvSpPr txBox="1"/>
+          <p:nvPr/>
+        </p:nvSpPr>
+        <p:spPr>
+          <a:xfrm>
+            <a:off x="7265981" y="5502304"/>
+            <a:ext cx="2030680" cy="369332"/>
+          </a:xfrm>
+          <a:prstGeom prst="rect">
+            <a:avLst/>
+          </a:prstGeom>
+          <a:noFill/>
+        </p:spPr>
+        <p:txBody>
+          <a:bodyPr wrap="square" rtlCol="0">
+            <a:spAutoFit/>
+          </a:bodyPr>
+          <a:lstStyle/>
+          <a:p>
+            <a:r>
+              <a:rPr lang="es-ES" dirty="0"/>
+              <a:t>XUNTA DE GALICIA</a:t>
+            </a:r>
+          </a:p>
+        </p:txBody>
+      </p:sp>
+      <p:pic>
+        <p:nvPicPr>
+          <p:cNvPr id="12" name="Imagen 11">
+            <a:extLst>
+              <a:ext uri="{FF2B5EF4-FFF2-40B4-BE49-F238E27FC236}">
+                <a16:creationId xmlns:a16="http://schemas.microsoft.com/office/drawing/2014/main" id="{C7664931-ABAA-57F1-36C3-D9DA4BE7660F}"/>
+              </a:ext>
+            </a:extLst>
+          </p:cNvPr>
+          <p:cNvPicPr>
+            <a:picLocks noChangeAspect="1"/>
+          </p:cNvPicPr>
+          <p:nvPr/>
+        </p:nvPicPr>
+        <p:blipFill>
+          <a:blip r:embed="rId2">
+            <a:extLst>
+              <a:ext uri="{28A0092B-C50C-407E-A947-70E740481C1C}">
+                <a14:useLocalDpi xmlns:a14="http://schemas.microsoft.com/office/drawing/2010/main" val="0"/>
+              </a:ext>
+            </a:extLst>
+          </a:blip>
+          <a:stretch>
+            <a:fillRect/>
+          </a:stretch>
+        </p:blipFill>
+        <p:spPr>
+          <a:xfrm>
+            <a:off x="9534168" y="5071732"/>
+            <a:ext cx="1968760" cy="1230475"/>
+          </a:xfrm>
+          <a:prstGeom prst="rect">
+            <a:avLst/>
+          </a:prstGeom>
+        </p:spPr>
+      </p:pic>
+      <p:pic>
+        <p:nvPicPr>
+          <p:cNvPr id="15" name="Imagen 14">
+            <a:extLst>
+              <a:ext uri="{FF2B5EF4-FFF2-40B4-BE49-F238E27FC236}">
+                <a16:creationId xmlns:a16="http://schemas.microsoft.com/office/drawing/2014/main" id="{20E0885A-6DDF-DC16-B306-C745E17821C7}"/>
+              </a:ext>
+            </a:extLst>
+          </p:cNvPr>
+          <p:cNvPicPr>
+            <a:picLocks noChangeAspect="1"/>
+          </p:cNvPicPr>
+          <p:nvPr/>
+        </p:nvPicPr>
+        <p:blipFill>
+          <a:blip r:embed="rId3">
+            <a:extLst>
+              <a:ext uri="{28A0092B-C50C-407E-A947-70E740481C1C}">
+                <a14:useLocalDpi xmlns:a14="http://schemas.microsoft.com/office/drawing/2010/main" val="0"/>
+              </a:ext>
+            </a:extLst>
+          </a:blip>
+          <a:stretch>
+            <a:fillRect/>
+          </a:stretch>
+        </p:blipFill>
+        <p:spPr>
+          <a:xfrm>
+            <a:off x="1238385" y="5104089"/>
+            <a:ext cx="2331524" cy="1165762"/>
+          </a:xfrm>
+          <a:prstGeom prst="rect">
+            <a:avLst/>
+          </a:prstGeom>
+        </p:spPr>
+      </p:pic>
+      <p:pic>
+        <p:nvPicPr>
+          <p:cNvPr id="18" name="Imagen 17">
+            <a:extLst>
+              <a:ext uri="{FF2B5EF4-FFF2-40B4-BE49-F238E27FC236}">
+                <a16:creationId xmlns:a16="http://schemas.microsoft.com/office/drawing/2014/main" id="{7241DE0B-5814-74B0-3A82-68C0BEE8892F}"/>
+              </a:ext>
+            </a:extLst>
+          </p:cNvPr>
+          <p:cNvPicPr>
+            <a:picLocks noChangeAspect="1"/>
+          </p:cNvPicPr>
+          <p:nvPr/>
+        </p:nvPicPr>
+        <p:blipFill>
+          <a:blip r:embed="rId4">
+            <a:extLst>
+              <a:ext uri="{28A0092B-C50C-407E-A947-70E740481C1C}">
+                <a14:useLocalDpi xmlns:a14="http://schemas.microsoft.com/office/drawing/2010/main" val="0"/>
+              </a:ext>
+            </a:extLst>
+          </a:blip>
+          <a:stretch>
+            <a:fillRect/>
+          </a:stretch>
+        </p:blipFill>
+        <p:spPr>
+          <a:xfrm>
+            <a:off x="4822179" y="5172317"/>
+            <a:ext cx="1977213" cy="1161163"/>
+          </a:xfrm>
+          <a:prstGeom prst="rect">
+            <a:avLst/>
+          </a:prstGeom>
+        </p:spPr>
+      </p:pic>
+      <p:pic>
+        <p:nvPicPr>
+          <p:cNvPr id="20" name="Imagen 19">
+            <a:extLst>
+              <a:ext uri="{FF2B5EF4-FFF2-40B4-BE49-F238E27FC236}">
+                <a16:creationId xmlns:a16="http://schemas.microsoft.com/office/drawing/2014/main" id="{60B3D45B-4C7B-C768-2817-16DB7D7B92CE}"/>
+              </a:ext>
+            </a:extLst>
+          </p:cNvPr>
+          <p:cNvPicPr>
+            <a:picLocks noChangeAspect="1"/>
+          </p:cNvPicPr>
+          <p:nvPr/>
+        </p:nvPicPr>
+        <p:blipFill>
+          <a:blip r:embed="rId5">
+            <a:extLst>
+              <a:ext uri="{28A0092B-C50C-407E-A947-70E740481C1C}">
+                <a14:useLocalDpi xmlns:a14="http://schemas.microsoft.com/office/drawing/2010/main" val="0"/>
+              </a:ext>
+            </a:extLst>
+          </a:blip>
+          <a:stretch>
+            <a:fillRect/>
+          </a:stretch>
+        </p:blipFill>
+        <p:spPr>
+          <a:xfrm>
+            <a:off x="9551668" y="3493368"/>
+            <a:ext cx="2358432" cy="586987"/>
+          </a:xfrm>
+          <a:prstGeom prst="rect">
+            <a:avLst/>
+          </a:prstGeom>
+        </p:spPr>
+      </p:pic>
+      <p:pic>
+        <p:nvPicPr>
+          <p:cNvPr id="22" name="Imagen 21">
+            <a:extLst>
+              <a:ext uri="{FF2B5EF4-FFF2-40B4-BE49-F238E27FC236}">
+                <a16:creationId xmlns:a16="http://schemas.microsoft.com/office/drawing/2014/main" id="{013D752F-098B-01D6-B751-E70B0DB97F8C}"/>
+              </a:ext>
+            </a:extLst>
+          </p:cNvPr>
+          <p:cNvPicPr>
+            <a:picLocks noChangeAspect="1"/>
+          </p:cNvPicPr>
+          <p:nvPr/>
+        </p:nvPicPr>
+        <p:blipFill rotWithShape="1">
+          <a:blip r:embed="rId6">
+            <a:extLst>
+              <a:ext uri="{28A0092B-C50C-407E-A947-70E740481C1C}">
+                <a14:useLocalDpi xmlns:a14="http://schemas.microsoft.com/office/drawing/2010/main" val="0"/>
+              </a:ext>
+            </a:extLst>
+          </a:blip>
+          <a:srcRect l="21756" t="32746" r="14064" b="33893"/>
+          <a:stretch/>
+        </p:blipFill>
+        <p:spPr>
+          <a:xfrm>
+            <a:off x="1406307" y="3493368"/>
+            <a:ext cx="2030680" cy="703702"/>
+          </a:xfrm>
+          <a:prstGeom prst="rect">
+            <a:avLst/>
+          </a:prstGeom>
+        </p:spPr>
+      </p:pic>
+      <p:pic>
+        <p:nvPicPr>
+          <p:cNvPr id="25" name="Imagen 24">
+            <a:extLst>
+              <a:ext uri="{FF2B5EF4-FFF2-40B4-BE49-F238E27FC236}">
+                <a16:creationId xmlns:a16="http://schemas.microsoft.com/office/drawing/2014/main" id="{BF3C78D9-C91B-FF9C-2E8B-112B06B7D168}"/>
+              </a:ext>
+            </a:extLst>
+          </p:cNvPr>
+          <p:cNvPicPr>
+            <a:picLocks noChangeAspect="1"/>
+          </p:cNvPicPr>
+          <p:nvPr/>
+        </p:nvPicPr>
+        <p:blipFill>
+          <a:blip r:embed="rId7">
+            <a:extLst>
+              <a:ext uri="{28A0092B-C50C-407E-A947-70E740481C1C}">
+                <a14:useLocalDpi xmlns:a14="http://schemas.microsoft.com/office/drawing/2010/main" val="0"/>
+              </a:ext>
+            </a:extLst>
+          </a:blip>
+          <a:stretch>
+            <a:fillRect/>
+          </a:stretch>
+        </p:blipFill>
+        <p:spPr>
+          <a:xfrm>
+            <a:off x="5240799" y="3449723"/>
+            <a:ext cx="1576093" cy="735510"/>
+          </a:xfrm>
+          <a:prstGeom prst="rect">
+            <a:avLst/>
+          </a:prstGeom>
+        </p:spPr>
+      </p:pic>
+      <p:cxnSp>
+        <p:nvCxnSpPr>
+          <p:cNvPr id="27" name="Conector recto 26">
+            <a:extLst>
+              <a:ext uri="{FF2B5EF4-FFF2-40B4-BE49-F238E27FC236}">
+                <a16:creationId xmlns:a16="http://schemas.microsoft.com/office/drawing/2014/main" id="{0346ABDA-D6A6-4EF5-B3D2-A3810E7B04C2}"/>
+              </a:ext>
+            </a:extLst>
+          </p:cNvPr>
+          <p:cNvCxnSpPr/>
+          <p:nvPr/>
+        </p:nvCxnSpPr>
+        <p:spPr>
+          <a:xfrm>
+            <a:off x="3569909" y="3186615"/>
+            <a:ext cx="0" cy="2952928"/>
+          </a:xfrm>
+          <a:prstGeom prst="line">
+            <a:avLst/>
+          </a:prstGeom>
+        </p:spPr>
+        <p:style>
+          <a:lnRef idx="1">
+            <a:schemeClr val="accent1"/>
+          </a:lnRef>
+          <a:fillRef idx="0">
+            <a:schemeClr val="accent1"/>
+          </a:fillRef>
+          <a:effectRef idx="0">
+            <a:schemeClr val="accent1"/>
+          </a:effectRef>
+          <a:fontRef idx="minor">
+            <a:schemeClr val="tx1"/>
+          </a:fontRef>
+        </p:style>
+      </p:cxnSp>
+      <p:cxnSp>
+        <p:nvCxnSpPr>
+          <p:cNvPr id="28" name="Conector recto 27">
+            <a:extLst>
+              <a:ext uri="{FF2B5EF4-FFF2-40B4-BE49-F238E27FC236}">
+                <a16:creationId xmlns:a16="http://schemas.microsoft.com/office/drawing/2014/main" id="{5A1FBF55-0E5F-55A0-4610-91C14E9C324A}"/>
+              </a:ext>
+            </a:extLst>
+          </p:cNvPr>
+          <p:cNvCxnSpPr/>
+          <p:nvPr/>
+        </p:nvCxnSpPr>
+        <p:spPr>
+          <a:xfrm>
+            <a:off x="7142402" y="3186615"/>
+            <a:ext cx="0" cy="2952928"/>
+          </a:xfrm>
+          <a:prstGeom prst="line">
+            <a:avLst/>
+          </a:prstGeom>
+        </p:spPr>
+        <p:style>
+          <a:lnRef idx="1">
+            <a:schemeClr val="accent1"/>
+          </a:lnRef>
+          <a:fillRef idx="0">
+            <a:schemeClr val="accent1"/>
+          </a:fillRef>
+          <a:effectRef idx="0">
+            <a:schemeClr val="accent1"/>
+          </a:effectRef>
+          <a:fontRef idx="minor">
+            <a:schemeClr val="tx1"/>
+          </a:fontRef>
+        </p:style>
+      </p:cxnSp>
     </p:spTree>
     <p:extLst>
       <p:ext uri="{BB962C8B-B14F-4D97-AF65-F5344CB8AC3E}">
@@ -4738,6 +5345,140 @@
           <p:cNvPr id="2" name="Título 1">
             <a:extLst>
               <a:ext uri="{FF2B5EF4-FFF2-40B4-BE49-F238E27FC236}">
+                <a16:creationId xmlns:a16="http://schemas.microsoft.com/office/drawing/2014/main" id="{409DFCBD-A5B9-D1D7-5F25-7E88F2D85342}"/>
+              </a:ext>
+            </a:extLst>
+          </p:cNvPr>
+          <p:cNvSpPr>
+            <a:spLocks noGrp="1"/>
+          </p:cNvSpPr>
+          <p:nvPr>
+            <p:ph type="title"/>
+          </p:nvPr>
+        </p:nvSpPr>
+        <p:spPr/>
+        <p:txBody>
+          <a:bodyPr/>
+          <a:lstStyle/>
+          <a:p>
+            <a:pPr algn="ctr"/>
+            <a:r>
+              <a:rPr lang="es-ES" b="1" dirty="0"/>
+              <a:t>Nuestro cliente</a:t>
+            </a:r>
+            <a:endParaRPr lang="es-ES" dirty="0"/>
+          </a:p>
+        </p:txBody>
+      </p:sp>
+      <p:sp>
+        <p:nvSpPr>
+          <p:cNvPr id="3" name="Marcador de contenido 2">
+            <a:extLst>
+              <a:ext uri="{FF2B5EF4-FFF2-40B4-BE49-F238E27FC236}">
+                <a16:creationId xmlns:a16="http://schemas.microsoft.com/office/drawing/2014/main" id="{70A1E06D-744A-BC6A-2A46-FF047E0E155E}"/>
+              </a:ext>
+            </a:extLst>
+          </p:cNvPr>
+          <p:cNvSpPr>
+            <a:spLocks noGrp="1"/>
+          </p:cNvSpPr>
+          <p:nvPr>
+            <p:ph idx="1"/>
+          </p:nvPr>
+        </p:nvSpPr>
+        <p:spPr>
+          <a:xfrm>
+            <a:off x="356260" y="1825625"/>
+            <a:ext cx="10997540" cy="1603375"/>
+          </a:xfrm>
+        </p:spPr>
+        <p:txBody>
+          <a:bodyPr>
+            <a:normAutofit/>
+          </a:bodyPr>
+          <a:lstStyle/>
+          <a:p>
+            <a:pPr marL="0" indent="0" algn="just">
+              <a:buNone/>
+            </a:pPr>
+            <a:r>
+              <a:rPr lang="es-ES" sz="2200" dirty="0"/>
+              <a:t>Por otro lado tenemos nuestro cliente objetivo: Mancomunidad do Salnés. Se trata de un proyecto acordado por una serie de ayuntamientos de Galicia, más concretamente de la provincia de Pontevedra, el cual tiene por finalidad la mejora de la eficiencia energética en las instalaciones de bombeo de la ETAP (Estación de Tratamiento de Agua Potable).</a:t>
+            </a:r>
+          </a:p>
+        </p:txBody>
+      </p:sp>
+      <p:pic>
+        <p:nvPicPr>
+          <p:cNvPr id="5" name="Imagen 4">
+            <a:extLst>
+              <a:ext uri="{FF2B5EF4-FFF2-40B4-BE49-F238E27FC236}">
+                <a16:creationId xmlns:a16="http://schemas.microsoft.com/office/drawing/2014/main" id="{874086A9-97FC-94E3-82DF-8BFD23C8EE72}"/>
+              </a:ext>
+            </a:extLst>
+          </p:cNvPr>
+          <p:cNvPicPr>
+            <a:picLocks noChangeAspect="1"/>
+          </p:cNvPicPr>
+          <p:nvPr/>
+        </p:nvPicPr>
+        <p:blipFill>
+          <a:blip r:embed="rId2">
+            <a:extLst>
+              <a:ext uri="{28A0092B-C50C-407E-A947-70E740481C1C}">
+                <a14:useLocalDpi xmlns:a14="http://schemas.microsoft.com/office/drawing/2010/main" val="0"/>
+              </a:ext>
+            </a:extLst>
+          </a:blip>
+          <a:stretch>
+            <a:fillRect/>
+          </a:stretch>
+        </p:blipFill>
+        <p:spPr>
+          <a:xfrm>
+            <a:off x="3728202" y="3694566"/>
+            <a:ext cx="4253655" cy="1997723"/>
+          </a:xfrm>
+          <a:prstGeom prst="rect">
+            <a:avLst/>
+          </a:prstGeom>
+        </p:spPr>
+      </p:pic>
+    </p:spTree>
+    <p:extLst>
+      <p:ext uri="{BB962C8B-B14F-4D97-AF65-F5344CB8AC3E}">
+        <p14:creationId xmlns:p14="http://schemas.microsoft.com/office/powerpoint/2010/main" val="3327678642"/>
+      </p:ext>
+    </p:extLst>
+  </p:cSld>
+  <p:clrMapOvr>
+    <a:masterClrMapping/>
+  </p:clrMapOvr>
+</p:sld>
+</file>
+
+<file path=ppt/slides/slide5.xml><?xml version="1.0" encoding="utf-8"?>
+<p:sld xmlns:a="http://schemas.openxmlformats.org/drawingml/2006/main" xmlns:r="http://schemas.openxmlformats.org/officeDocument/2006/relationships" xmlns:p="http://schemas.openxmlformats.org/presentationml/2006/main">
+  <p:cSld>
+    <p:spTree>
+      <p:nvGrpSpPr>
+        <p:cNvPr id="1" name=""/>
+        <p:cNvGrpSpPr/>
+        <p:nvPr/>
+      </p:nvGrpSpPr>
+      <p:grpSpPr>
+        <a:xfrm>
+          <a:off x="0" y="0"/>
+          <a:ext cx="0" cy="0"/>
+          <a:chOff x="0" y="0"/>
+          <a:chExt cx="0" cy="0"/>
+        </a:xfrm>
+      </p:grpSpPr>
+      <p:sp>
+        <p:nvSpPr>
+          <p:cNvPr id="2" name="Título 1">
+            <a:extLst>
+              <a:ext uri="{FF2B5EF4-FFF2-40B4-BE49-F238E27FC236}">
                 <a16:creationId xmlns:a16="http://schemas.microsoft.com/office/drawing/2014/main" id="{BF48173F-1374-E4DA-2402-B19034C391F7}"/>
               </a:ext>
             </a:extLst>
@@ -4803,7 +5544,7 @@
 </p:sld>
 </file>
 
-<file path=ppt/slides/slide5.xml><?xml version="1.0" encoding="utf-8"?>
+<file path=ppt/slides/slide6.xml><?xml version="1.0" encoding="utf-8"?>
 <p:sld xmlns:a="http://schemas.openxmlformats.org/drawingml/2006/main" xmlns:r="http://schemas.openxmlformats.org/officeDocument/2006/relationships" xmlns:p="http://schemas.openxmlformats.org/presentationml/2006/main">
   <p:cSld>
     <p:spTree>
@@ -4920,7 +5661,7 @@
 </p:sld>
 </file>
 
-<file path=ppt/slides/slide6.xml><?xml version="1.0" encoding="utf-8"?>
+<file path=ppt/slides/slide7.xml><?xml version="1.0" encoding="utf-8"?>
 <p:sld xmlns:a="http://schemas.openxmlformats.org/drawingml/2006/main" xmlns:r="http://schemas.openxmlformats.org/officeDocument/2006/relationships" xmlns:p="http://schemas.openxmlformats.org/presentationml/2006/main">
   <p:cSld>
     <p:spTree>
@@ -5036,100 +5777,6 @@
 </p:sld>
 </file>
 
-<file path=ppt/slides/slide7.xml><?xml version="1.0" encoding="utf-8"?>
-<p:sld xmlns:a="http://schemas.openxmlformats.org/drawingml/2006/main" xmlns:r="http://schemas.openxmlformats.org/officeDocument/2006/relationships" xmlns:p="http://schemas.openxmlformats.org/presentationml/2006/main">
-  <p:cSld>
-    <p:spTree>
-      <p:nvGrpSpPr>
-        <p:cNvPr id="1" name=""/>
-        <p:cNvGrpSpPr/>
-        <p:nvPr/>
-      </p:nvGrpSpPr>
-      <p:grpSpPr>
-        <a:xfrm>
-          <a:off x="0" y="0"/>
-          <a:ext cx="0" cy="0"/>
-          <a:chOff x="0" y="0"/>
-          <a:chExt cx="0" cy="0"/>
-        </a:xfrm>
-      </p:grpSpPr>
-      <p:sp>
-        <p:nvSpPr>
-          <p:cNvPr id="8" name="Título 7">
-            <a:extLst>
-              <a:ext uri="{FF2B5EF4-FFF2-40B4-BE49-F238E27FC236}">
-                <a16:creationId xmlns:a16="http://schemas.microsoft.com/office/drawing/2014/main" id="{C8312206-5D26-4D4D-3756-17365D583599}"/>
-              </a:ext>
-            </a:extLst>
-          </p:cNvPr>
-          <p:cNvSpPr>
-            <a:spLocks noGrp="1"/>
-          </p:cNvSpPr>
-          <p:nvPr>
-            <p:ph type="title"/>
-          </p:nvPr>
-        </p:nvSpPr>
-        <p:spPr/>
-        <p:txBody>
-          <a:bodyPr/>
-          <a:lstStyle/>
-          <a:p>
-            <a:pPr algn="ctr"/>
-            <a:r>
-              <a:rPr lang="es-ES" dirty="0"/>
-              <a:t>EDT</a:t>
-            </a:r>
-          </a:p>
-        </p:txBody>
-      </p:sp>
-      <p:pic>
-        <p:nvPicPr>
-          <p:cNvPr id="11" name="Marcador de contenido 10" descr="Diagrama&#10;&#10;Descripción generada automáticamente">
-            <a:extLst>
-              <a:ext uri="{FF2B5EF4-FFF2-40B4-BE49-F238E27FC236}">
-                <a16:creationId xmlns:a16="http://schemas.microsoft.com/office/drawing/2014/main" id="{7AC88EA7-BD1C-4166-D578-D12F7C9E4E11}"/>
-              </a:ext>
-            </a:extLst>
-          </p:cNvPr>
-          <p:cNvPicPr>
-            <a:picLocks noGrp="1" noChangeAspect="1"/>
-          </p:cNvPicPr>
-          <p:nvPr>
-            <p:ph idx="1"/>
-          </p:nvPr>
-        </p:nvPicPr>
-        <p:blipFill>
-          <a:blip r:embed="rId2">
-            <a:extLst>
-              <a:ext uri="{28A0092B-C50C-407E-A947-70E740481C1C}">
-                <a14:useLocalDpi xmlns:a14="http://schemas.microsoft.com/office/drawing/2010/main" val="0"/>
-              </a:ext>
-            </a:extLst>
-          </a:blip>
-          <a:stretch>
-            <a:fillRect/>
-          </a:stretch>
-        </p:blipFill>
-        <p:spPr>
-          <a:xfrm>
-            <a:off x="2763624" y="1690688"/>
-            <a:ext cx="6664751" cy="4667250"/>
-          </a:xfrm>
-        </p:spPr>
-      </p:pic>
-    </p:spTree>
-    <p:extLst>
-      <p:ext uri="{BB962C8B-B14F-4D97-AF65-F5344CB8AC3E}">
-        <p14:creationId xmlns:p14="http://schemas.microsoft.com/office/powerpoint/2010/main" val="3998050004"/>
-      </p:ext>
-    </p:extLst>
-  </p:cSld>
-  <p:clrMapOvr>
-    <a:masterClrMapping/>
-  </p:clrMapOvr>
-</p:sld>
-</file>
-
 <file path=ppt/slides/slide8.xml><?xml version="1.0" encoding="utf-8"?>
 <p:sld xmlns:a="http://schemas.openxmlformats.org/drawingml/2006/main" xmlns:r="http://schemas.openxmlformats.org/officeDocument/2006/relationships" xmlns:p="http://schemas.openxmlformats.org/presentationml/2006/main">
   <p:cSld>
@@ -5149,10 +5796,10 @@
       </p:grpSpPr>
       <p:sp>
         <p:nvSpPr>
-          <p:cNvPr id="2" name="Título 1">
-            <a:extLst>
-              <a:ext uri="{FF2B5EF4-FFF2-40B4-BE49-F238E27FC236}">
-                <a16:creationId xmlns:a16="http://schemas.microsoft.com/office/drawing/2014/main" id="{BB22BAAC-FD8A-40FA-EDD9-83C7D5DED642}"/>
+          <p:cNvPr id="8" name="Título 7">
+            <a:extLst>
+              <a:ext uri="{FF2B5EF4-FFF2-40B4-BE49-F238E27FC236}">
+                <a16:creationId xmlns:a16="http://schemas.microsoft.com/office/drawing/2014/main" id="{C8312206-5D26-4D4D-3756-17365D583599}"/>
               </a:ext>
             </a:extLst>
           </p:cNvPr>
@@ -5170,44 +5817,51 @@
           <a:p>
             <a:pPr algn="ctr"/>
             <a:r>
-              <a:rPr lang="es-ES" b="1" dirty="0"/>
-              <a:t>INTERESADOS Y COMUNICACIONES</a:t>
-            </a:r>
-          </a:p>
-        </p:txBody>
-      </p:sp>
-      <p:sp>
-        <p:nvSpPr>
-          <p:cNvPr id="3" name="Marcador de contenido 2">
-            <a:extLst>
-              <a:ext uri="{FF2B5EF4-FFF2-40B4-BE49-F238E27FC236}">
-                <a16:creationId xmlns:a16="http://schemas.microsoft.com/office/drawing/2014/main" id="{957D3C03-5DB3-2964-5179-05E21AA5B285}"/>
-              </a:ext>
-            </a:extLst>
-          </p:cNvPr>
-          <p:cNvSpPr>
-            <a:spLocks noGrp="1"/>
-          </p:cNvSpPr>
+              <a:rPr lang="es-ES" dirty="0"/>
+              <a:t>EDT</a:t>
+            </a:r>
+          </a:p>
+        </p:txBody>
+      </p:sp>
+      <p:pic>
+        <p:nvPicPr>
+          <p:cNvPr id="11" name="Marcador de contenido 10" descr="Diagrama&#10;&#10;Descripción generada automáticamente">
+            <a:extLst>
+              <a:ext uri="{FF2B5EF4-FFF2-40B4-BE49-F238E27FC236}">
+                <a16:creationId xmlns:a16="http://schemas.microsoft.com/office/drawing/2014/main" id="{7AC88EA7-BD1C-4166-D578-D12F7C9E4E11}"/>
+              </a:ext>
+            </a:extLst>
+          </p:cNvPr>
+          <p:cNvPicPr>
+            <a:picLocks noGrp="1" noChangeAspect="1"/>
+          </p:cNvPicPr>
           <p:nvPr>
             <p:ph idx="1"/>
           </p:nvPr>
-        </p:nvSpPr>
-        <p:spPr/>
-        <p:txBody>
-          <a:bodyPr/>
-          <a:lstStyle/>
-          <a:p>
-            <a:r>
-              <a:rPr lang="es-ES" dirty="0"/>
-              <a:t>Incluimos la tabla de interesados y comunicaciones</a:t>
-            </a:r>
-          </a:p>
-        </p:txBody>
-      </p:sp>
+        </p:nvPicPr>
+        <p:blipFill>
+          <a:blip r:embed="rId2">
+            <a:extLst>
+              <a:ext uri="{28A0092B-C50C-407E-A947-70E740481C1C}">
+                <a14:useLocalDpi xmlns:a14="http://schemas.microsoft.com/office/drawing/2010/main" val="0"/>
+              </a:ext>
+            </a:extLst>
+          </a:blip>
+          <a:stretch>
+            <a:fillRect/>
+          </a:stretch>
+        </p:blipFill>
+        <p:spPr>
+          <a:xfrm>
+            <a:off x="2763624" y="1690688"/>
+            <a:ext cx="6664751" cy="4667250"/>
+          </a:xfrm>
+        </p:spPr>
+      </p:pic>
     </p:spTree>
     <p:extLst>
       <p:ext uri="{BB962C8B-B14F-4D97-AF65-F5344CB8AC3E}">
-        <p14:creationId xmlns:p14="http://schemas.microsoft.com/office/powerpoint/2010/main" val="2359861581"/>
+        <p14:creationId xmlns:p14="http://schemas.microsoft.com/office/powerpoint/2010/main" val="3998050004"/>
       </p:ext>
     </p:extLst>
   </p:cSld>
@@ -5239,7 +5893,7 @@
           <p:cNvPr id="2" name="Título 1">
             <a:extLst>
               <a:ext uri="{FF2B5EF4-FFF2-40B4-BE49-F238E27FC236}">
-                <a16:creationId xmlns:a16="http://schemas.microsoft.com/office/drawing/2014/main" id="{1C545C17-B69F-137B-EB6A-3F880160D0B8}"/>
+                <a16:creationId xmlns:a16="http://schemas.microsoft.com/office/drawing/2014/main" id="{BB22BAAC-FD8A-40FA-EDD9-83C7D5DED642}"/>
               </a:ext>
             </a:extLst>
           </p:cNvPr>
@@ -5258,7 +5912,7 @@
             <a:pPr algn="ctr"/>
             <a:r>
               <a:rPr lang="es-ES" b="1" dirty="0"/>
-              <a:t>DIAGRAMA DE GANTT DEL PROYECTO</a:t>
+              <a:t>INTERESADOS Y COMUNICACIONES</a:t>
             </a:r>
           </a:p>
         </p:txBody>
@@ -5268,7 +5922,7 @@
           <p:cNvPr id="3" name="Marcador de contenido 2">
             <a:extLst>
               <a:ext uri="{FF2B5EF4-FFF2-40B4-BE49-F238E27FC236}">
-                <a16:creationId xmlns:a16="http://schemas.microsoft.com/office/drawing/2014/main" id="{DA0BA2F2-F268-9C00-ECC1-6DB7437702B3}"/>
+                <a16:creationId xmlns:a16="http://schemas.microsoft.com/office/drawing/2014/main" id="{957D3C03-5DB3-2964-5179-05E21AA5B285}"/>
               </a:ext>
             </a:extLst>
           </p:cNvPr>
@@ -5286,7 +5940,7 @@
           <a:p>
             <a:r>
               <a:rPr lang="es-ES" dirty="0"/>
-              <a:t>Capturas del Diagrama de Gantt</a:t>
+              <a:t>Incluimos la tabla de interesados y comunicaciones</a:t>
             </a:r>
           </a:p>
         </p:txBody>
@@ -5294,7 +5948,7 @@
     </p:spTree>
     <p:extLst>
       <p:ext uri="{BB962C8B-B14F-4D97-AF65-F5344CB8AC3E}">
-        <p14:creationId xmlns:p14="http://schemas.microsoft.com/office/powerpoint/2010/main" val="693208022"/>
+        <p14:creationId xmlns:p14="http://schemas.microsoft.com/office/powerpoint/2010/main" val="2359861581"/>
       </p:ext>
     </p:extLst>
   </p:cSld>

--- a/CSMAG.pptx
+++ b/CSMAG.pptx
@@ -274,7 +274,7 @@
           <a:p>
             <a:fld id="{A7B2F81D-AA53-4D53-AF13-F41C52A18755}" type="datetimeFigureOut">
               <a:rPr lang="es-ES" smtClean="0"/>
-              <a:t>04/12/2022</a:t>
+              <a:t>12/12/2022</a:t>
             </a:fld>
             <a:endParaRPr lang="es-ES"/>
           </a:p>
@@ -472,7 +472,7 @@
           <a:p>
             <a:fld id="{A7B2F81D-AA53-4D53-AF13-F41C52A18755}" type="datetimeFigureOut">
               <a:rPr lang="es-ES" smtClean="0"/>
-              <a:t>04/12/2022</a:t>
+              <a:t>12/12/2022</a:t>
             </a:fld>
             <a:endParaRPr lang="es-ES"/>
           </a:p>
@@ -680,7 +680,7 @@
           <a:p>
             <a:fld id="{A7B2F81D-AA53-4D53-AF13-F41C52A18755}" type="datetimeFigureOut">
               <a:rPr lang="es-ES" smtClean="0"/>
-              <a:t>04/12/2022</a:t>
+              <a:t>12/12/2022</a:t>
             </a:fld>
             <a:endParaRPr lang="es-ES"/>
           </a:p>
@@ -878,7 +878,7 @@
           <a:p>
             <a:fld id="{A7B2F81D-AA53-4D53-AF13-F41C52A18755}" type="datetimeFigureOut">
               <a:rPr lang="es-ES" smtClean="0"/>
-              <a:t>04/12/2022</a:t>
+              <a:t>12/12/2022</a:t>
             </a:fld>
             <a:endParaRPr lang="es-ES"/>
           </a:p>
@@ -1153,7 +1153,7 @@
           <a:p>
             <a:fld id="{A7B2F81D-AA53-4D53-AF13-F41C52A18755}" type="datetimeFigureOut">
               <a:rPr lang="es-ES" smtClean="0"/>
-              <a:t>04/12/2022</a:t>
+              <a:t>12/12/2022</a:t>
             </a:fld>
             <a:endParaRPr lang="es-ES"/>
           </a:p>
@@ -1418,7 +1418,7 @@
           <a:p>
             <a:fld id="{A7B2F81D-AA53-4D53-AF13-F41C52A18755}" type="datetimeFigureOut">
               <a:rPr lang="es-ES" smtClean="0"/>
-              <a:t>04/12/2022</a:t>
+              <a:t>12/12/2022</a:t>
             </a:fld>
             <a:endParaRPr lang="es-ES"/>
           </a:p>
@@ -1830,7 +1830,7 @@
           <a:p>
             <a:fld id="{A7B2F81D-AA53-4D53-AF13-F41C52A18755}" type="datetimeFigureOut">
               <a:rPr lang="es-ES" smtClean="0"/>
-              <a:t>04/12/2022</a:t>
+              <a:t>12/12/2022</a:t>
             </a:fld>
             <a:endParaRPr lang="es-ES"/>
           </a:p>
@@ -1971,7 +1971,7 @@
           <a:p>
             <a:fld id="{A7B2F81D-AA53-4D53-AF13-F41C52A18755}" type="datetimeFigureOut">
               <a:rPr lang="es-ES" smtClean="0"/>
-              <a:t>04/12/2022</a:t>
+              <a:t>12/12/2022</a:t>
             </a:fld>
             <a:endParaRPr lang="es-ES"/>
           </a:p>
@@ -2084,7 +2084,7 @@
           <a:p>
             <a:fld id="{A7B2F81D-AA53-4D53-AF13-F41C52A18755}" type="datetimeFigureOut">
               <a:rPr lang="es-ES" smtClean="0"/>
-              <a:t>04/12/2022</a:t>
+              <a:t>12/12/2022</a:t>
             </a:fld>
             <a:endParaRPr lang="es-ES"/>
           </a:p>
@@ -2395,7 +2395,7 @@
           <a:p>
             <a:fld id="{A7B2F81D-AA53-4D53-AF13-F41C52A18755}" type="datetimeFigureOut">
               <a:rPr lang="es-ES" smtClean="0"/>
-              <a:t>04/12/2022</a:t>
+              <a:t>12/12/2022</a:t>
             </a:fld>
             <a:endParaRPr lang="es-ES"/>
           </a:p>
@@ -2683,7 +2683,7 @@
           <a:p>
             <a:fld id="{A7B2F81D-AA53-4D53-AF13-F41C52A18755}" type="datetimeFigureOut">
               <a:rPr lang="es-ES" smtClean="0"/>
-              <a:t>04/12/2022</a:t>
+              <a:t>12/12/2022</a:t>
             </a:fld>
             <a:endParaRPr lang="es-ES"/>
           </a:p>
@@ -2924,7 +2924,7 @@
           <a:p>
             <a:fld id="{A7B2F81D-AA53-4D53-AF13-F41C52A18755}" type="datetimeFigureOut">
               <a:rPr lang="es-ES" smtClean="0"/>
-              <a:t>04/12/2022</a:t>
+              <a:t>12/12/2022</a:t>
             </a:fld>
             <a:endParaRPr lang="es-ES"/>
           </a:p>
@@ -3395,7 +3395,7 @@
         </p:nvSpPr>
         <p:spPr>
           <a:xfrm>
-            <a:off x="7121236" y="4747346"/>
+            <a:off x="7949372" y="4885368"/>
             <a:ext cx="3546764" cy="1655762"/>
           </a:xfrm>
         </p:spPr>
@@ -3405,18 +3405,30 @@
           </a:bodyPr>
           <a:lstStyle/>
           <a:p>
+            <a:pPr marL="285750" indent="-285750" algn="just">
+              <a:buFont typeface="Arial" panose="020B0604020202020204" pitchFamily="34" charset="0"/>
+              <a:buChar char="•"/>
+            </a:pPr>
             <a:r>
               <a:rPr lang="es-ES" sz="1800" dirty="0"/>
               <a:t>Alberto Fernández Sánchez</a:t>
             </a:r>
           </a:p>
           <a:p>
+            <a:pPr marL="285750" indent="-285750" algn="just">
+              <a:buFont typeface="Arial" panose="020B0604020202020204" pitchFamily="34" charset="0"/>
+              <a:buChar char="•"/>
+            </a:pPr>
             <a:r>
               <a:rPr lang="es-ES" sz="1800" dirty="0"/>
               <a:t>Sofía Flores García</a:t>
             </a:r>
           </a:p>
           <a:p>
+            <a:pPr marL="285750" indent="-285750" algn="just">
+              <a:buFont typeface="Arial" panose="020B0604020202020204" pitchFamily="34" charset="0"/>
+              <a:buChar char="•"/>
+            </a:pPr>
             <a:r>
               <a:rPr lang="es-ES" sz="1800" dirty="0" err="1"/>
               <a:t>Meryem</a:t>
@@ -3448,12 +3460,20 @@
             </a:endParaRPr>
           </a:p>
           <a:p>
+            <a:pPr marL="285750" indent="-285750" algn="just">
+              <a:buFont typeface="Arial" panose="020B0604020202020204" pitchFamily="34" charset="0"/>
+              <a:buChar char="•"/>
+            </a:pPr>
             <a:r>
               <a:rPr lang="es-ES" sz="1800" dirty="0"/>
               <a:t>Adrián Canosa Pérez</a:t>
             </a:r>
           </a:p>
           <a:p>
+            <a:pPr marL="285750" indent="-285750" algn="just">
+              <a:buFont typeface="Arial" panose="020B0604020202020204" pitchFamily="34" charset="0"/>
+              <a:buChar char="•"/>
+            </a:pPr>
             <a:r>
               <a:rPr lang="es-ES" sz="1800" dirty="0"/>
               <a:t>Guillermo José </a:t>
@@ -3826,7 +3846,7 @@
             <a:pPr algn="ctr"/>
             <a:r>
               <a:rPr lang="es-ES" b="1" dirty="0"/>
-              <a:t>Fecha de inicio y fin del proyecto (duración)</a:t>
+              <a:t>Fecha de inicio y fin del proyecto </a:t>
             </a:r>
           </a:p>
         </p:txBody>
@@ -3847,15 +3867,38 @@
             <p:ph idx="1"/>
           </p:nvPr>
         </p:nvSpPr>
-        <p:spPr/>
-        <p:txBody>
-          <a:bodyPr/>
-          <a:lstStyle/>
-          <a:p>
-            <a:r>
-              <a:rPr lang="es-ES" dirty="0"/>
-              <a:t>Situación del proyecto en el tiempo, ¿es una duración razonable/realista?</a:t>
-            </a:r>
+        <p:spPr>
+          <a:xfrm>
+            <a:off x="838200" y="1825625"/>
+            <a:ext cx="10515600" cy="3246707"/>
+          </a:xfrm>
+        </p:spPr>
+        <p:txBody>
+          <a:bodyPr/>
+          <a:lstStyle/>
+          <a:p>
+            <a:pPr marL="0" indent="0">
+              <a:buNone/>
+            </a:pPr>
+            <a:r>
+              <a:rPr lang="es-ES" sz="2200" dirty="0"/>
+              <a:t>El proyecto empieza el día 26/10/22 y termina el día 20/01/23, es una duración de 3 meses donde contemplamos un retraso de hasta 3 meses si los datos no son lo suficientemente variable, el cual no supone un aumento en los costes.</a:t>
+            </a:r>
+          </a:p>
+          <a:p>
+            <a:pPr marL="0" indent="0">
+              <a:buNone/>
+            </a:pPr>
+            <a:r>
+              <a:rPr lang="es-ES" sz="2200" dirty="0"/>
+              <a:t>El proyecto no tiene una duración realista ya que es una suposición muy optimista.</a:t>
+            </a:r>
+          </a:p>
+          <a:p>
+            <a:pPr marL="0" indent="0">
+              <a:buNone/>
+            </a:pPr>
+            <a:endParaRPr lang="es-ES" dirty="0"/>
           </a:p>
         </p:txBody>
       </p:sp>
@@ -4358,8 +4401,8 @@
         </p:nvSpPr>
         <p:spPr>
           <a:xfrm>
-            <a:off x="4072379" y="5854045"/>
-            <a:ext cx="3242821" cy="369332"/>
+            <a:off x="838200" y="5181185"/>
+            <a:ext cx="3242821" cy="646331"/>
           </a:xfrm>
           <a:prstGeom prst="rect">
             <a:avLst/>
@@ -4373,8 +4416,12 @@
           <a:lstStyle/>
           <a:p>
             <a:r>
+              <a:rPr lang="es-ES" b="1" dirty="0"/>
+              <a:t>PRESUPUESTO FINAL:</a:t>
+            </a:r>
+            <a:r>
               <a:rPr lang="es-ES" dirty="0"/>
-              <a:t>PRESUPUESTO FINAL</a:t>
+              <a:t> 250.000 € (mirarlo bien)</a:t>
             </a:r>
           </a:p>
         </p:txBody>
@@ -4627,13 +4674,183 @@
         </p:nvSpPr>
         <p:spPr/>
         <p:txBody>
-          <a:bodyPr/>
-          <a:lstStyle/>
-          <a:p>
-            <a:r>
-              <a:rPr lang="es-ES" dirty="0"/>
-              <a:t>Breve introducción a la empresa, equipo, etc.</a:t>
-            </a:r>
+          <a:bodyPr>
+            <a:normAutofit/>
+          </a:bodyPr>
+          <a:lstStyle/>
+          <a:p>
+            <a:pPr marL="0" indent="0">
+              <a:buNone/>
+            </a:pPr>
+            <a:r>
+              <a:rPr lang="es-ES" sz="2400" dirty="0"/>
+              <a:t>Somos una empresa de ingeniería de software que desarrolla soluciones software con inteligencia artificial.</a:t>
+            </a:r>
+          </a:p>
+          <a:p>
+            <a:pPr marL="0" indent="0">
+              <a:buNone/>
+            </a:pPr>
+            <a:r>
+              <a:rPr lang="es-ES" sz="2400" dirty="0"/>
+              <a:t>El equipo se conforma por:</a:t>
+            </a:r>
+          </a:p>
+          <a:p>
+            <a:pPr marL="0" indent="0">
+              <a:buNone/>
+            </a:pPr>
+            <a:r>
+              <a:rPr lang="es-ES" sz="2400" b="1" dirty="0"/>
+              <a:t>Jefe de Proyecto:</a:t>
+            </a:r>
+            <a:r>
+              <a:rPr lang="es-ES" sz="2400" dirty="0"/>
+              <a:t> Alberto Fernández Sánchez</a:t>
+            </a:r>
+          </a:p>
+          <a:p>
+            <a:pPr marL="0" indent="0">
+              <a:buNone/>
+            </a:pPr>
+            <a:r>
+              <a:rPr lang="es-ES" sz="2400" b="1" dirty="0"/>
+              <a:t>Tres desarrolladores </a:t>
+            </a:r>
+            <a:r>
+              <a:rPr lang="es-ES" sz="2400" b="1" dirty="0" err="1"/>
+              <a:t>front-end</a:t>
+            </a:r>
+            <a:r>
+              <a:rPr lang="es-ES" sz="2400" b="1" dirty="0"/>
+              <a:t>:</a:t>
+            </a:r>
+            <a:r>
+              <a:rPr lang="es-ES" sz="2400" dirty="0"/>
+              <a:t> Sofía Flores García, Alberto Fernández Sánchez y Guillermo Cobelo García.</a:t>
+            </a:r>
+          </a:p>
+          <a:p>
+            <a:pPr marL="0" indent="0">
+              <a:buNone/>
+            </a:pPr>
+            <a:r>
+              <a:rPr lang="es-ES" sz="2400" b="1" dirty="0"/>
+              <a:t>Tres desarrolladores back-</a:t>
+            </a:r>
+            <a:r>
+              <a:rPr lang="es-ES" sz="2400" b="1" dirty="0" err="1"/>
+              <a:t>end</a:t>
+            </a:r>
+            <a:r>
+              <a:rPr lang="es-ES" sz="2400" b="1" dirty="0"/>
+              <a:t>:</a:t>
+            </a:r>
+            <a:r>
+              <a:rPr lang="es-ES" sz="2400" dirty="0"/>
+              <a:t> </a:t>
+            </a:r>
+            <a:r>
+              <a:rPr lang="es-ES" sz="2400" dirty="0" err="1"/>
+              <a:t>Meryem</a:t>
+            </a:r>
+            <a:r>
+              <a:rPr lang="es-ES" sz="2400" dirty="0"/>
+              <a:t> </a:t>
+            </a:r>
+            <a:r>
+              <a:rPr lang="es-ES" sz="2400" dirty="0" err="1"/>
+              <a:t>Ezzekaoui</a:t>
+            </a:r>
+            <a:r>
+              <a:rPr lang="es-ES" sz="2400" dirty="0"/>
+              <a:t> </a:t>
+            </a:r>
+            <a:r>
+              <a:rPr lang="es-ES" sz="2400" dirty="0" err="1"/>
+              <a:t>Ezzekaoui</a:t>
+            </a:r>
+            <a:r>
+              <a:rPr lang="es-ES" sz="2400" dirty="0"/>
+              <a:t>, Adrián Canosa Pérez, Guillermo Cobelo García.</a:t>
+            </a:r>
+          </a:p>
+          <a:p>
+            <a:pPr marL="0" indent="0">
+              <a:buNone/>
+            </a:pPr>
+            <a:r>
+              <a:rPr lang="es-ES" sz="2400" b="1" dirty="0"/>
+              <a:t>Bases de datos:</a:t>
+            </a:r>
+            <a:r>
+              <a:rPr lang="es-ES" sz="2400" dirty="0"/>
+              <a:t> </a:t>
+            </a:r>
+            <a:r>
+              <a:rPr lang="es-ES" sz="2400" dirty="0" err="1"/>
+              <a:t>Meryem</a:t>
+            </a:r>
+            <a:r>
+              <a:rPr lang="es-ES" sz="2400" dirty="0"/>
+              <a:t> </a:t>
+            </a:r>
+            <a:r>
+              <a:rPr lang="es-ES" sz="2400" dirty="0" err="1"/>
+              <a:t>Ezzekaoui</a:t>
+            </a:r>
+            <a:r>
+              <a:rPr lang="es-ES" sz="2400" dirty="0"/>
+              <a:t> </a:t>
+            </a:r>
+            <a:r>
+              <a:rPr lang="es-ES" sz="2400" dirty="0" err="1"/>
+              <a:t>Ezzekaoui</a:t>
+            </a:r>
+            <a:r>
+              <a:rPr lang="es-ES" sz="2400" dirty="0"/>
+              <a:t>, Adrián Canosa Pérez</a:t>
+            </a:r>
+          </a:p>
+          <a:p>
+            <a:pPr marL="0" indent="0">
+              <a:buNone/>
+            </a:pPr>
+            <a:r>
+              <a:rPr lang="es-ES" sz="2400" b="1" dirty="0"/>
+              <a:t>Departamento de Seguridad:</a:t>
+            </a:r>
+            <a:r>
+              <a:rPr lang="es-ES" sz="2400" dirty="0"/>
+              <a:t> Sofía Flores García, </a:t>
+            </a:r>
+            <a:r>
+              <a:rPr lang="es-ES" sz="2400" dirty="0" err="1"/>
+              <a:t>Meryem</a:t>
+            </a:r>
+            <a:r>
+              <a:rPr lang="es-ES" sz="2400" dirty="0"/>
+              <a:t> </a:t>
+            </a:r>
+            <a:r>
+              <a:rPr lang="es-ES" sz="2400" dirty="0" err="1"/>
+              <a:t>Ezzekaoui</a:t>
+            </a:r>
+            <a:r>
+              <a:rPr lang="es-ES" sz="2400" dirty="0"/>
+              <a:t> </a:t>
+            </a:r>
+            <a:r>
+              <a:rPr lang="es-ES" sz="2400" dirty="0" err="1"/>
+              <a:t>Ezzekaoui</a:t>
+            </a:r>
+            <a:endParaRPr lang="es-ES" sz="2400" dirty="0"/>
+          </a:p>
+          <a:p>
+            <a:pPr marL="0" indent="0">
+              <a:buNone/>
+            </a:pPr>
+            <a:endParaRPr lang="es-ES" dirty="0"/>
           </a:p>
         </p:txBody>
       </p:sp>
@@ -4698,10 +4915,57 @@
       </p:sp>
       <p:sp>
         <p:nvSpPr>
-          <p:cNvPr id="14" name="CuadroTexto 13">
-            <a:extLst>
-              <a:ext uri="{FF2B5EF4-FFF2-40B4-BE49-F238E27FC236}">
-                <a16:creationId xmlns:a16="http://schemas.microsoft.com/office/drawing/2014/main" id="{AD93043F-B9A8-18B5-1E31-C2CED8C65910}"/>
+          <p:cNvPr id="23" name="Marcador de contenido 22">
+            <a:extLst>
+              <a:ext uri="{FF2B5EF4-FFF2-40B4-BE49-F238E27FC236}">
+                <a16:creationId xmlns:a16="http://schemas.microsoft.com/office/drawing/2014/main" id="{F1D298B7-094D-5D02-2ADE-5E06BE6AEB30}"/>
+              </a:ext>
+            </a:extLst>
+          </p:cNvPr>
+          <p:cNvSpPr>
+            <a:spLocks noGrp="1"/>
+          </p:cNvSpPr>
+          <p:nvPr>
+            <p:ph idx="1"/>
+          </p:nvPr>
+        </p:nvSpPr>
+        <p:spPr>
+          <a:xfrm>
+            <a:off x="230650" y="1596565"/>
+            <a:ext cx="11799053" cy="1431644"/>
+          </a:xfrm>
+        </p:spPr>
+        <p:txBody>
+          <a:bodyPr>
+            <a:normAutofit/>
+          </a:bodyPr>
+          <a:lstStyle/>
+          <a:p>
+            <a:pPr marL="0" indent="0" algn="just">
+              <a:buNone/>
+            </a:pPr>
+            <a:r>
+              <a:rPr lang="es-ES" sz="2200" dirty="0"/>
+              <a:t>Nuestro proyecto se encuentra enfocado a un sector empresarial dedicado al desarrollo energético basado en saltos de agua, por lo que nuestros clientes serán empresas que posean saltos de agua turbinados o susceptibles de turbinar. </a:t>
+            </a:r>
+          </a:p>
+          <a:p>
+            <a:pPr marL="0" indent="0" algn="just">
+              <a:buNone/>
+            </a:pPr>
+            <a:r>
+              <a:rPr lang="es-ES" sz="2200" dirty="0"/>
+              <a:t>Estos son algunos de nuestros principales clientes potenciales:</a:t>
+            </a:r>
+          </a:p>
+        </p:txBody>
+      </p:sp>
+      <p:sp>
+        <p:nvSpPr>
+          <p:cNvPr id="3" name="CuadroTexto 2">
+            <a:extLst>
+              <a:ext uri="{FF2B5EF4-FFF2-40B4-BE49-F238E27FC236}">
+                <a16:creationId xmlns:a16="http://schemas.microsoft.com/office/drawing/2014/main" id="{BFC4FB12-8958-CBE5-A436-154142B6D64C}"/>
               </a:ext>
             </a:extLst>
           </p:cNvPr>
@@ -4710,8 +4974,8 @@
         </p:nvSpPr>
         <p:spPr>
           <a:xfrm>
-            <a:off x="8400075" y="607162"/>
-            <a:ext cx="3886200" cy="923330"/>
+            <a:off x="248149" y="3660553"/>
+            <a:ext cx="1158157" cy="369332"/>
           </a:xfrm>
           <a:prstGeom prst="rect">
             <a:avLst/>
@@ -4726,124 +4990,7 @@
           <a:p>
             <a:r>
               <a:rPr lang="es-ES" dirty="0"/>
-              <a:t>Aquí incluimos una descripción de quién es nuestro cliente, a qué se dedica, logo y qué es lo que quiere.</a:t>
-            </a:r>
-          </a:p>
-        </p:txBody>
-      </p:sp>
-      <p:sp>
-        <p:nvSpPr>
-          <p:cNvPr id="16" name="CuadroTexto 15">
-            <a:extLst>
-              <a:ext uri="{FF2B5EF4-FFF2-40B4-BE49-F238E27FC236}">
-                <a16:creationId xmlns:a16="http://schemas.microsoft.com/office/drawing/2014/main" id="{BA19E4C7-6E08-C828-C7D6-A2500458653A}"/>
-              </a:ext>
-            </a:extLst>
-          </p:cNvPr>
-          <p:cNvSpPr txBox="1"/>
-          <p:nvPr/>
-        </p:nvSpPr>
-        <p:spPr>
-          <a:xfrm>
-            <a:off x="230651" y="422496"/>
-            <a:ext cx="3077081" cy="646331"/>
-          </a:xfrm>
-          <a:prstGeom prst="rect">
-            <a:avLst/>
-          </a:prstGeom>
-          <a:noFill/>
-        </p:spPr>
-        <p:txBody>
-          <a:bodyPr wrap="square" rtlCol="0">
-            <a:spAutoFit/>
-          </a:bodyPr>
-          <a:lstStyle/>
-          <a:p>
-            <a:r>
-              <a:rPr lang="es-ES" dirty="0"/>
-              <a:t>Diferenciar cliente objetivo de clientes potenciales</a:t>
-            </a:r>
-          </a:p>
-        </p:txBody>
-      </p:sp>
-      <p:sp>
-        <p:nvSpPr>
-          <p:cNvPr id="23" name="Marcador de contenido 22">
-            <a:extLst>
-              <a:ext uri="{FF2B5EF4-FFF2-40B4-BE49-F238E27FC236}">
-                <a16:creationId xmlns:a16="http://schemas.microsoft.com/office/drawing/2014/main" id="{F1D298B7-094D-5D02-2ADE-5E06BE6AEB30}"/>
-              </a:ext>
-            </a:extLst>
-          </p:cNvPr>
-          <p:cNvSpPr>
-            <a:spLocks noGrp="1"/>
-          </p:cNvSpPr>
-          <p:nvPr>
-            <p:ph idx="1"/>
-          </p:nvPr>
-        </p:nvSpPr>
-        <p:spPr>
-          <a:xfrm>
-            <a:off x="230650" y="1596565"/>
-            <a:ext cx="11799053" cy="1431644"/>
-          </a:xfrm>
-        </p:spPr>
-        <p:txBody>
-          <a:bodyPr>
-            <a:normAutofit/>
-          </a:bodyPr>
-          <a:lstStyle/>
-          <a:p>
-            <a:pPr marL="0" indent="0" algn="just">
-              <a:buNone/>
-            </a:pPr>
-            <a:r>
-              <a:rPr lang="es-ES" sz="2200" dirty="0"/>
-              <a:t>Nuestro proyecto se encuentra enfocado a un sector empresarial dedicado al desarrollo energético basado en saltos de agua, por lo que nuestros clientes serán empresas que posean saltos de agua turbinados o susceptibles de turbinar. </a:t>
-            </a:r>
-          </a:p>
-          <a:p>
-            <a:pPr marL="0" indent="0" algn="just">
-              <a:buNone/>
-            </a:pPr>
-            <a:r>
-              <a:rPr lang="es-ES" sz="2200" dirty="0"/>
-              <a:t>Estos son algunos de nuestros principales clientes potenciales:</a:t>
-            </a:r>
-          </a:p>
-        </p:txBody>
-      </p:sp>
-      <p:sp>
-        <p:nvSpPr>
-          <p:cNvPr id="3" name="CuadroTexto 2">
-            <a:extLst>
-              <a:ext uri="{FF2B5EF4-FFF2-40B4-BE49-F238E27FC236}">
-                <a16:creationId xmlns:a16="http://schemas.microsoft.com/office/drawing/2014/main" id="{BFC4FB12-8958-CBE5-A436-154142B6D64C}"/>
-              </a:ext>
-            </a:extLst>
-          </p:cNvPr>
-          <p:cNvSpPr txBox="1"/>
-          <p:nvPr/>
-        </p:nvSpPr>
-        <p:spPr>
-          <a:xfrm>
-            <a:off x="248150" y="3660553"/>
-            <a:ext cx="1050512" cy="369332"/>
-          </a:xfrm>
-          <a:prstGeom prst="rect">
-            <a:avLst/>
-          </a:prstGeom>
-          <a:noFill/>
-        </p:spPr>
-        <p:txBody>
-          <a:bodyPr wrap="square" rtlCol="0">
-            <a:spAutoFit/>
-          </a:bodyPr>
-          <a:lstStyle/>
-          <a:p>
-            <a:r>
-              <a:rPr lang="es-ES" dirty="0"/>
-              <a:t>EMEFESA</a:t>
+              <a:t>EMAFESA</a:t>
             </a:r>
           </a:p>
         </p:txBody>

--- a/CSMAG.pptx
+++ b/CSMAG.pptx
@@ -10,17 +10,18 @@
     <p:sldId id="268" r:id="rId4"/>
     <p:sldId id="272" r:id="rId5"/>
     <p:sldId id="269" r:id="rId6"/>
-    <p:sldId id="257" r:id="rId7"/>
-    <p:sldId id="264" r:id="rId8"/>
-    <p:sldId id="265" r:id="rId9"/>
-    <p:sldId id="263" r:id="rId10"/>
-    <p:sldId id="258" r:id="rId11"/>
-    <p:sldId id="259" r:id="rId12"/>
-    <p:sldId id="270" r:id="rId13"/>
-    <p:sldId id="261" r:id="rId14"/>
-    <p:sldId id="260" r:id="rId15"/>
-    <p:sldId id="262" r:id="rId16"/>
-    <p:sldId id="271" r:id="rId17"/>
+    <p:sldId id="273" r:id="rId7"/>
+    <p:sldId id="257" r:id="rId8"/>
+    <p:sldId id="264" r:id="rId9"/>
+    <p:sldId id="265" r:id="rId10"/>
+    <p:sldId id="263" r:id="rId11"/>
+    <p:sldId id="258" r:id="rId12"/>
+    <p:sldId id="259" r:id="rId13"/>
+    <p:sldId id="270" r:id="rId14"/>
+    <p:sldId id="261" r:id="rId15"/>
+    <p:sldId id="260" r:id="rId16"/>
+    <p:sldId id="262" r:id="rId17"/>
+    <p:sldId id="271" r:id="rId18"/>
   </p:sldIdLst>
   <p:sldSz cx="12192000" cy="6858000"/>
   <p:notesSz cx="6858000" cy="9144000"/>
@@ -3503,7 +3504,7 @@
           </p:cNvPicPr>
           <p:nvPr/>
         </p:nvPicPr>
-        <p:blipFill>
+        <p:blipFill rotWithShape="1">
           <a:blip r:embed="rId2">
             <a:extLst>
               <a:ext uri="{28A0092B-C50C-407E-A947-70E740481C1C}">
@@ -3511,14 +3512,13 @@
               </a:ext>
             </a:extLst>
           </a:blip>
-          <a:stretch>
-            <a:fillRect/>
-          </a:stretch>
+          <a:srcRect l="868" t="16134"/>
+          <a:stretch/>
         </p:blipFill>
         <p:spPr>
           <a:xfrm>
-            <a:off x="450562" y="417985"/>
-            <a:ext cx="3429399" cy="1929037"/>
+            <a:off x="457199" y="462987"/>
+            <a:ext cx="3399612" cy="1617817"/>
           </a:xfrm>
           <a:prstGeom prst="rect">
             <a:avLst/>
@@ -3560,7 +3560,7 @@
           <p:cNvPr id="2" name="Título 1">
             <a:extLst>
               <a:ext uri="{FF2B5EF4-FFF2-40B4-BE49-F238E27FC236}">
-                <a16:creationId xmlns:a16="http://schemas.microsoft.com/office/drawing/2014/main" id="{1C545C17-B69F-137B-EB6A-3F880160D0B8}"/>
+                <a16:creationId xmlns:a16="http://schemas.microsoft.com/office/drawing/2014/main" id="{BB22BAAC-FD8A-40FA-EDD9-83C7D5DED642}"/>
               </a:ext>
             </a:extLst>
           </p:cNvPr>
@@ -3578,44 +3578,75 @@
           <a:p>
             <a:pPr algn="ctr"/>
             <a:r>
-              <a:rPr lang="es-ES" b="1" dirty="0"/>
-              <a:t>DIAGRAMA DE GANTT DEL PROYECTO</a:t>
-            </a:r>
-          </a:p>
-        </p:txBody>
-      </p:sp>
-      <p:sp>
-        <p:nvSpPr>
-          <p:cNvPr id="3" name="Marcador de contenido 2">
-            <a:extLst>
-              <a:ext uri="{FF2B5EF4-FFF2-40B4-BE49-F238E27FC236}">
-                <a16:creationId xmlns:a16="http://schemas.microsoft.com/office/drawing/2014/main" id="{DA0BA2F2-F268-9C00-ECC1-6DB7437702B3}"/>
-              </a:ext>
-            </a:extLst>
-          </p:cNvPr>
-          <p:cNvSpPr>
-            <a:spLocks noGrp="1"/>
-          </p:cNvSpPr>
-          <p:nvPr>
-            <p:ph idx="1"/>
-          </p:nvPr>
-        </p:nvSpPr>
-        <p:spPr/>
-        <p:txBody>
-          <a:bodyPr/>
-          <a:lstStyle/>
-          <a:p>
-            <a:r>
-              <a:rPr lang="es-ES" dirty="0"/>
-              <a:t>Capturas del Diagrama de Gantt</a:t>
-            </a:r>
-          </a:p>
-        </p:txBody>
-      </p:sp>
+              <a:rPr lang="es-ES" b="1"/>
+              <a:t>INTERESADOS Y COMUNICACIONES</a:t>
+            </a:r>
+            <a:endParaRPr lang="es-ES" b="1" dirty="0"/>
+          </a:p>
+        </p:txBody>
+      </p:sp>
+      <p:pic>
+        <p:nvPicPr>
+          <p:cNvPr id="7" name="Imagen 6">
+            <a:extLst>
+              <a:ext uri="{FF2B5EF4-FFF2-40B4-BE49-F238E27FC236}">
+                <a16:creationId xmlns:a16="http://schemas.microsoft.com/office/drawing/2014/main" id="{9A13AFE2-7E49-39F0-A586-DE15C5A9F987}"/>
+              </a:ext>
+            </a:extLst>
+          </p:cNvPr>
+          <p:cNvPicPr>
+            <a:picLocks noChangeAspect="1"/>
+          </p:cNvPicPr>
+          <p:nvPr/>
+        </p:nvPicPr>
+        <p:blipFill rotWithShape="1">
+          <a:blip r:embed="rId2"/>
+          <a:srcRect r="48166"/>
+          <a:stretch/>
+        </p:blipFill>
+        <p:spPr>
+          <a:xfrm>
+            <a:off x="2143489" y="1596468"/>
+            <a:ext cx="7732031" cy="2254275"/>
+          </a:xfrm>
+          <a:prstGeom prst="rect">
+            <a:avLst/>
+          </a:prstGeom>
+        </p:spPr>
+      </p:pic>
+      <p:pic>
+        <p:nvPicPr>
+          <p:cNvPr id="11" name="Imagen 10">
+            <a:extLst>
+              <a:ext uri="{FF2B5EF4-FFF2-40B4-BE49-F238E27FC236}">
+                <a16:creationId xmlns:a16="http://schemas.microsoft.com/office/drawing/2014/main" id="{C5728889-2E01-1B73-1EA7-EC460701BB18}"/>
+              </a:ext>
+            </a:extLst>
+          </p:cNvPr>
+          <p:cNvPicPr>
+            <a:picLocks noChangeAspect="1"/>
+          </p:cNvPicPr>
+          <p:nvPr/>
+        </p:nvPicPr>
+        <p:blipFill rotWithShape="1">
+          <a:blip r:embed="rId2"/>
+          <a:srcRect l="51482"/>
+          <a:stretch/>
+        </p:blipFill>
+        <p:spPr>
+          <a:xfrm>
+            <a:off x="2143489" y="4090796"/>
+            <a:ext cx="7732031" cy="2408345"/>
+          </a:xfrm>
+          <a:prstGeom prst="rect">
+            <a:avLst/>
+          </a:prstGeom>
+        </p:spPr>
+      </p:pic>
     </p:spTree>
     <p:extLst>
       <p:ext uri="{BB962C8B-B14F-4D97-AF65-F5344CB8AC3E}">
-        <p14:creationId xmlns:p14="http://schemas.microsoft.com/office/powerpoint/2010/main" val="693208022"/>
+        <p14:creationId xmlns:p14="http://schemas.microsoft.com/office/powerpoint/2010/main" val="2359861581"/>
       </p:ext>
     </p:extLst>
   </p:cSld>
@@ -3647,6 +3678,93 @@
           <p:cNvPr id="2" name="Título 1">
             <a:extLst>
               <a:ext uri="{FF2B5EF4-FFF2-40B4-BE49-F238E27FC236}">
+                <a16:creationId xmlns:a16="http://schemas.microsoft.com/office/drawing/2014/main" id="{1C545C17-B69F-137B-EB6A-3F880160D0B8}"/>
+              </a:ext>
+            </a:extLst>
+          </p:cNvPr>
+          <p:cNvSpPr>
+            <a:spLocks noGrp="1"/>
+          </p:cNvSpPr>
+          <p:nvPr>
+            <p:ph type="title"/>
+          </p:nvPr>
+        </p:nvSpPr>
+        <p:spPr/>
+        <p:txBody>
+          <a:bodyPr/>
+          <a:lstStyle/>
+          <a:p>
+            <a:pPr algn="ctr"/>
+            <a:r>
+              <a:rPr lang="es-ES" b="1" dirty="0"/>
+              <a:t>DIAGRAMA DE GANTT DEL PROYECTO</a:t>
+            </a:r>
+          </a:p>
+        </p:txBody>
+      </p:sp>
+      <p:sp>
+        <p:nvSpPr>
+          <p:cNvPr id="3" name="Marcador de contenido 2">
+            <a:extLst>
+              <a:ext uri="{FF2B5EF4-FFF2-40B4-BE49-F238E27FC236}">
+                <a16:creationId xmlns:a16="http://schemas.microsoft.com/office/drawing/2014/main" id="{DA0BA2F2-F268-9C00-ECC1-6DB7437702B3}"/>
+              </a:ext>
+            </a:extLst>
+          </p:cNvPr>
+          <p:cNvSpPr>
+            <a:spLocks noGrp="1"/>
+          </p:cNvSpPr>
+          <p:nvPr>
+            <p:ph idx="1"/>
+          </p:nvPr>
+        </p:nvSpPr>
+        <p:spPr/>
+        <p:txBody>
+          <a:bodyPr/>
+          <a:lstStyle/>
+          <a:p>
+            <a:r>
+              <a:rPr lang="es-ES" dirty="0"/>
+              <a:t>Capturas del Diagrama de Gantt</a:t>
+            </a:r>
+          </a:p>
+        </p:txBody>
+      </p:sp>
+    </p:spTree>
+    <p:extLst>
+      <p:ext uri="{BB962C8B-B14F-4D97-AF65-F5344CB8AC3E}">
+        <p14:creationId xmlns:p14="http://schemas.microsoft.com/office/powerpoint/2010/main" val="693208022"/>
+      </p:ext>
+    </p:extLst>
+  </p:cSld>
+  <p:clrMapOvr>
+    <a:masterClrMapping/>
+  </p:clrMapOvr>
+</p:sld>
+</file>
+
+<file path=ppt/slides/slide12.xml><?xml version="1.0" encoding="utf-8"?>
+<p:sld xmlns:a="http://schemas.openxmlformats.org/drawingml/2006/main" xmlns:r="http://schemas.openxmlformats.org/officeDocument/2006/relationships" xmlns:p="http://schemas.openxmlformats.org/presentationml/2006/main">
+  <p:cSld>
+    <p:spTree>
+      <p:nvGrpSpPr>
+        <p:cNvPr id="1" name=""/>
+        <p:cNvGrpSpPr/>
+        <p:nvPr/>
+      </p:nvGrpSpPr>
+      <p:grpSpPr>
+        <a:xfrm>
+          <a:off x="0" y="0"/>
+          <a:ext cx="0" cy="0"/>
+          <a:chOff x="0" y="0"/>
+          <a:chExt cx="0" cy="0"/>
+        </a:xfrm>
+      </p:grpSpPr>
+      <p:sp>
+        <p:nvSpPr>
+          <p:cNvPr id="2" name="Título 1">
+            <a:extLst>
+              <a:ext uri="{FF2B5EF4-FFF2-40B4-BE49-F238E27FC236}">
                 <a16:creationId xmlns:a16="http://schemas.microsoft.com/office/drawing/2014/main" id="{A39664C5-7C88-8239-9218-B20EBE8FE185}"/>
               </a:ext>
             </a:extLst>
@@ -3717,7 +3835,7 @@
 </p:sld>
 </file>
 
-<file path=ppt/slides/slide12.xml><?xml version="1.0" encoding="utf-8"?>
+<file path=ppt/slides/slide13.xml><?xml version="1.0" encoding="utf-8"?>
 <p:sld xmlns:a="http://schemas.openxmlformats.org/drawingml/2006/main" xmlns:r="http://schemas.openxmlformats.org/officeDocument/2006/relationships" xmlns:p="http://schemas.openxmlformats.org/presentationml/2006/main">
   <p:cSld>
     <p:spTree>
@@ -3805,7 +3923,7 @@
 </p:sld>
 </file>
 
-<file path=ppt/slides/slide13.xml><?xml version="1.0" encoding="utf-8"?>
+<file path=ppt/slides/slide14.xml><?xml version="1.0" encoding="utf-8"?>
 <p:sld xmlns:a="http://schemas.openxmlformats.org/drawingml/2006/main" xmlns:r="http://schemas.openxmlformats.org/officeDocument/2006/relationships" xmlns:p="http://schemas.openxmlformats.org/presentationml/2006/main">
   <p:cSld>
     <p:spTree>
@@ -3915,7 +4033,7 @@
 </p:sld>
 </file>
 
-<file path=ppt/slides/slide14.xml><?xml version="1.0" encoding="utf-8"?>
+<file path=ppt/slides/slide15.xml><?xml version="1.0" encoding="utf-8"?>
 <p:sld xmlns:a="http://schemas.openxmlformats.org/drawingml/2006/main" xmlns:r="http://schemas.openxmlformats.org/officeDocument/2006/relationships" xmlns:p="http://schemas.openxmlformats.org/presentationml/2006/main">
   <p:cSld>
     <p:spTree>
@@ -4439,7 +4557,7 @@
 </p:sld>
 </file>
 
-<file path=ppt/slides/slide15.xml><?xml version="1.0" encoding="utf-8"?>
+<file path=ppt/slides/slide16.xml><?xml version="1.0" encoding="utf-8"?>
 <p:sld xmlns:a="http://schemas.openxmlformats.org/drawingml/2006/main" xmlns:r="http://schemas.openxmlformats.org/officeDocument/2006/relationships" xmlns:p="http://schemas.openxmlformats.org/presentationml/2006/main">
   <p:cSld>
     <p:spTree>
@@ -4485,34 +4603,6 @@
           </a:p>
         </p:txBody>
       </p:sp>
-      <p:sp>
-        <p:nvSpPr>
-          <p:cNvPr id="3" name="Marcador de contenido 2">
-            <a:extLst>
-              <a:ext uri="{FF2B5EF4-FFF2-40B4-BE49-F238E27FC236}">
-                <a16:creationId xmlns:a16="http://schemas.microsoft.com/office/drawing/2014/main" id="{D786F079-09E0-1747-44E9-BC8417002753}"/>
-              </a:ext>
-            </a:extLst>
-          </p:cNvPr>
-          <p:cNvSpPr>
-            <a:spLocks noGrp="1"/>
-          </p:cNvSpPr>
-          <p:nvPr>
-            <p:ph idx="1"/>
-          </p:nvPr>
-        </p:nvSpPr>
-        <p:spPr/>
-        <p:txBody>
-          <a:bodyPr/>
-          <a:lstStyle/>
-          <a:p>
-            <a:r>
-              <a:rPr lang="es-ES" dirty="0"/>
-              <a:t>Matriz de riesgos realizada en prácticas</a:t>
-            </a:r>
-          </a:p>
-        </p:txBody>
-      </p:sp>
     </p:spTree>
     <p:extLst>
       <p:ext uri="{BB962C8B-B14F-4D97-AF65-F5344CB8AC3E}">
@@ -4526,7 +4616,7 @@
 </p:sld>
 </file>
 
-<file path=ppt/slides/slide16.xml><?xml version="1.0" encoding="utf-8"?>
+<file path=ppt/slides/slide17.xml><?xml version="1.0" encoding="utf-8"?>
 <p:sld xmlns:a="http://schemas.openxmlformats.org/drawingml/2006/main" xmlns:r="http://schemas.openxmlformats.org/officeDocument/2006/relationships" xmlns:p="http://schemas.openxmlformats.org/presentationml/2006/main">
   <p:cSld>
     <p:spTree>
@@ -5607,6 +5697,14 @@
 <file path=ppt/slides/slide5.xml><?xml version="1.0" encoding="utf-8"?>
 <p:sld xmlns:a="http://schemas.openxmlformats.org/drawingml/2006/main" xmlns:r="http://schemas.openxmlformats.org/officeDocument/2006/relationships" xmlns:p="http://schemas.openxmlformats.org/presentationml/2006/main">
   <p:cSld>
+    <p:bg>
+      <p:bgPr>
+        <a:solidFill>
+          <a:schemeClr val="bg1"/>
+        </a:solidFill>
+        <a:effectLst/>
+      </p:bgPr>
+    </p:bg>
     <p:spTree>
       <p:nvGrpSpPr>
         <p:cNvPr id="1" name=""/>
@@ -5637,43 +5735,100 @@
             <p:ph type="title"/>
           </p:nvPr>
         </p:nvSpPr>
-        <p:spPr/>
-        <p:txBody>
-          <a:bodyPr/>
+        <p:spPr>
+          <a:xfrm>
+            <a:off x="838199" y="291090"/>
+            <a:ext cx="10515599" cy="932688"/>
+          </a:xfrm>
+        </p:spPr>
+        <p:txBody>
+          <a:bodyPr vert="horz" lIns="91440" tIns="45720" rIns="91440" bIns="45720" rtlCol="0" anchor="b">
+            <a:normAutofit/>
+          </a:bodyPr>
           <a:lstStyle/>
           <a:p>
             <a:pPr algn="ctr"/>
             <a:r>
-              <a:rPr lang="es-ES" b="1" dirty="0"/>
+              <a:rPr lang="en-US" sz="5400" b="1" kern="1200" dirty="0">
+                <a:solidFill>
+                  <a:schemeClr val="tx1"/>
+                </a:solidFill>
+                <a:latin typeface="+mj-lt"/>
+                <a:ea typeface="+mj-ea"/>
+                <a:cs typeface="+mj-cs"/>
+              </a:rPr>
               <a:t>JIRA</a:t>
             </a:r>
           </a:p>
         </p:txBody>
       </p:sp>
-      <p:sp>
-        <p:nvSpPr>
-          <p:cNvPr id="3" name="Marcador de contenido 2">
-            <a:extLst>
-              <a:ext uri="{FF2B5EF4-FFF2-40B4-BE49-F238E27FC236}">
-                <a16:creationId xmlns:a16="http://schemas.microsoft.com/office/drawing/2014/main" id="{F2306C94-93CE-26F8-1D3B-4B3A0201433A}"/>
-              </a:ext>
-            </a:extLst>
-          </p:cNvPr>
-          <p:cNvSpPr>
-            <a:spLocks noGrp="1"/>
-          </p:cNvSpPr>
-          <p:nvPr>
-            <p:ph idx="1"/>
-          </p:nvPr>
-        </p:nvSpPr>
-        <p:spPr/>
-        <p:txBody>
-          <a:bodyPr/>
-          <a:lstStyle/>
-          <a:p>
-            <a:r>
-              <a:rPr lang="es-ES" dirty="0"/>
-              <a:t>Aquí incluimos las capturas de Jira referente a un sprint de cómo hemos organizado el equipo para realizar el presente plan de proyecto.</a:t>
+      <p:pic>
+        <p:nvPicPr>
+          <p:cNvPr id="7" name="Imagen 6" descr="Una captura de pantalla de una computadora&#10;&#10;Descripción generada automáticamente">
+            <a:extLst>
+              <a:ext uri="{FF2B5EF4-FFF2-40B4-BE49-F238E27FC236}">
+                <a16:creationId xmlns:a16="http://schemas.microsoft.com/office/drawing/2014/main" id="{CEA0C996-0DDC-4971-0FF1-E29CF4D92305}"/>
+              </a:ext>
+            </a:extLst>
+          </p:cNvPr>
+          <p:cNvPicPr>
+            <a:picLocks noChangeAspect="1"/>
+          </p:cNvPicPr>
+          <p:nvPr/>
+        </p:nvPicPr>
+        <p:blipFill>
+          <a:blip r:embed="rId2">
+            <a:extLst>
+              <a:ext uri="{28A0092B-C50C-407E-A947-70E740481C1C}">
+                <a14:useLocalDpi xmlns:a14="http://schemas.microsoft.com/office/drawing/2010/main" val="0"/>
+              </a:ext>
+            </a:extLst>
+          </a:blip>
+          <a:stretch>
+            <a:fillRect/>
+          </a:stretch>
+        </p:blipFill>
+        <p:spPr>
+          <a:xfrm>
+            <a:off x="2266007" y="2185156"/>
+            <a:ext cx="7659986" cy="4071237"/>
+          </a:xfrm>
+          <a:prstGeom prst="rect">
+            <a:avLst/>
+          </a:prstGeom>
+        </p:spPr>
+      </p:pic>
+      <p:sp>
+        <p:nvSpPr>
+          <p:cNvPr id="9" name="CuadroTexto 8">
+            <a:extLst>
+              <a:ext uri="{FF2B5EF4-FFF2-40B4-BE49-F238E27FC236}">
+                <a16:creationId xmlns:a16="http://schemas.microsoft.com/office/drawing/2014/main" id="{AA005C23-7EF0-CE87-C2AB-E1F5BF1642FF}"/>
+              </a:ext>
+            </a:extLst>
+          </p:cNvPr>
+          <p:cNvSpPr txBox="1"/>
+          <p:nvPr/>
+        </p:nvSpPr>
+        <p:spPr>
+          <a:xfrm>
+            <a:off x="3647851" y="1537163"/>
+            <a:ext cx="4896294" cy="430887"/>
+          </a:xfrm>
+          <a:prstGeom prst="rect">
+            <a:avLst/>
+          </a:prstGeom>
+          <a:noFill/>
+        </p:spPr>
+        <p:txBody>
+          <a:bodyPr wrap="square" rtlCol="0">
+            <a:spAutoFit/>
+          </a:bodyPr>
+          <a:lstStyle/>
+          <a:p>
+            <a:r>
+              <a:rPr lang="es-ES" sz="2200" dirty="0"/>
+              <a:t>Jira con todos los Sprint del proyecto</a:t>
             </a:r>
           </a:p>
         </p:txBody>
@@ -5713,6 +5868,218 @@
           <p:cNvPr id="2" name="Título 1">
             <a:extLst>
               <a:ext uri="{FF2B5EF4-FFF2-40B4-BE49-F238E27FC236}">
+                <a16:creationId xmlns:a16="http://schemas.microsoft.com/office/drawing/2014/main" id="{2F8398E3-8414-86F8-1AD1-A9E990B3D996}"/>
+              </a:ext>
+            </a:extLst>
+          </p:cNvPr>
+          <p:cNvSpPr>
+            <a:spLocks noGrp="1"/>
+          </p:cNvSpPr>
+          <p:nvPr>
+            <p:ph type="title"/>
+          </p:nvPr>
+        </p:nvSpPr>
+        <p:spPr/>
+        <p:txBody>
+          <a:bodyPr/>
+          <a:lstStyle/>
+          <a:p>
+            <a:pPr algn="ctr"/>
+            <a:r>
+              <a:rPr lang="en-US" sz="4400" b="1" kern="1200" dirty="0">
+                <a:solidFill>
+                  <a:schemeClr val="tx1"/>
+                </a:solidFill>
+                <a:latin typeface="+mj-lt"/>
+                <a:ea typeface="+mj-ea"/>
+                <a:cs typeface="+mj-cs"/>
+              </a:rPr>
+              <a:t>JIRA</a:t>
+            </a:r>
+            <a:endParaRPr lang="es-ES" dirty="0"/>
+          </a:p>
+        </p:txBody>
+      </p:sp>
+      <p:sp>
+        <p:nvSpPr>
+          <p:cNvPr id="3" name="Marcador de contenido 2">
+            <a:extLst>
+              <a:ext uri="{FF2B5EF4-FFF2-40B4-BE49-F238E27FC236}">
+                <a16:creationId xmlns:a16="http://schemas.microsoft.com/office/drawing/2014/main" id="{3C14217F-EBD3-9476-2195-2D18E5A32028}"/>
+              </a:ext>
+            </a:extLst>
+          </p:cNvPr>
+          <p:cNvSpPr>
+            <a:spLocks noGrp="1"/>
+          </p:cNvSpPr>
+          <p:nvPr>
+            <p:ph idx="1"/>
+          </p:nvPr>
+        </p:nvSpPr>
+        <p:spPr>
+          <a:xfrm>
+            <a:off x="838199" y="1965893"/>
+            <a:ext cx="4541322" cy="483524"/>
+          </a:xfrm>
+        </p:spPr>
+        <p:txBody>
+          <a:bodyPr>
+            <a:normAutofit/>
+          </a:bodyPr>
+          <a:lstStyle/>
+          <a:p>
+            <a:pPr marL="0" indent="0">
+              <a:buNone/>
+            </a:pPr>
+            <a:r>
+              <a:rPr lang="es-ES" sz="2200" dirty="0"/>
+              <a:t>Tarea del Sprint de gestión del alcance</a:t>
+            </a:r>
+          </a:p>
+        </p:txBody>
+      </p:sp>
+      <p:pic>
+        <p:nvPicPr>
+          <p:cNvPr id="5" name="Imagen 4" descr="Interfaz de usuario gráfica, Texto, Correo electrónico&#10;&#10;Descripción generada automáticamente">
+            <a:extLst>
+              <a:ext uri="{FF2B5EF4-FFF2-40B4-BE49-F238E27FC236}">
+                <a16:creationId xmlns:a16="http://schemas.microsoft.com/office/drawing/2014/main" id="{55EFC45B-4DF6-5782-F7E9-2353496BC382}"/>
+              </a:ext>
+            </a:extLst>
+          </p:cNvPr>
+          <p:cNvPicPr>
+            <a:picLocks noChangeAspect="1"/>
+          </p:cNvPicPr>
+          <p:nvPr/>
+        </p:nvPicPr>
+        <p:blipFill>
+          <a:blip r:embed="rId2">
+            <a:extLst>
+              <a:ext uri="{28A0092B-C50C-407E-A947-70E740481C1C}">
+                <a14:useLocalDpi xmlns:a14="http://schemas.microsoft.com/office/drawing/2010/main" val="0"/>
+              </a:ext>
+            </a:extLst>
+          </a:blip>
+          <a:stretch>
+            <a:fillRect/>
+          </a:stretch>
+        </p:blipFill>
+        <p:spPr>
+          <a:xfrm>
+            <a:off x="283488" y="2724623"/>
+            <a:ext cx="5650745" cy="2968429"/>
+          </a:xfrm>
+          <a:prstGeom prst="rect">
+            <a:avLst/>
+          </a:prstGeom>
+        </p:spPr>
+      </p:pic>
+      <p:sp>
+        <p:nvSpPr>
+          <p:cNvPr id="6" name="CuadroTexto 5">
+            <a:extLst>
+              <a:ext uri="{FF2B5EF4-FFF2-40B4-BE49-F238E27FC236}">
+                <a16:creationId xmlns:a16="http://schemas.microsoft.com/office/drawing/2014/main" id="{77487BB8-9CD6-B8B1-3525-658F0EFDDCCC}"/>
+              </a:ext>
+            </a:extLst>
+          </p:cNvPr>
+          <p:cNvSpPr txBox="1"/>
+          <p:nvPr/>
+        </p:nvSpPr>
+        <p:spPr>
+          <a:xfrm>
+            <a:off x="7214064" y="1992212"/>
+            <a:ext cx="3738153" cy="430887"/>
+          </a:xfrm>
+          <a:prstGeom prst="rect">
+            <a:avLst/>
+          </a:prstGeom>
+          <a:noFill/>
+        </p:spPr>
+        <p:txBody>
+          <a:bodyPr wrap="square" rtlCol="0">
+            <a:spAutoFit/>
+          </a:bodyPr>
+          <a:lstStyle/>
+          <a:p>
+            <a:r>
+              <a:rPr lang="es-ES" sz="2200" dirty="0"/>
+              <a:t>Sprint de gestión del alcance</a:t>
+            </a:r>
+          </a:p>
+        </p:txBody>
+      </p:sp>
+      <p:pic>
+        <p:nvPicPr>
+          <p:cNvPr id="8" name="Imagen 7" descr="Una captura de pantalla de una computadora&#10;&#10;Descripción generada automáticamente">
+            <a:extLst>
+              <a:ext uri="{FF2B5EF4-FFF2-40B4-BE49-F238E27FC236}">
+                <a16:creationId xmlns:a16="http://schemas.microsoft.com/office/drawing/2014/main" id="{BE04312B-7B6C-FCA0-4048-93D3BBC6B3A9}"/>
+              </a:ext>
+            </a:extLst>
+          </p:cNvPr>
+          <p:cNvPicPr>
+            <a:picLocks noChangeAspect="1"/>
+          </p:cNvPicPr>
+          <p:nvPr/>
+        </p:nvPicPr>
+        <p:blipFill>
+          <a:blip r:embed="rId3">
+            <a:extLst>
+              <a:ext uri="{28A0092B-C50C-407E-A947-70E740481C1C}">
+                <a14:useLocalDpi xmlns:a14="http://schemas.microsoft.com/office/drawing/2010/main" val="0"/>
+              </a:ext>
+            </a:extLst>
+          </a:blip>
+          <a:stretch>
+            <a:fillRect/>
+          </a:stretch>
+        </p:blipFill>
+        <p:spPr>
+          <a:xfrm>
+            <a:off x="6257769" y="2724623"/>
+            <a:ext cx="5650745" cy="3003337"/>
+          </a:xfrm>
+          <a:prstGeom prst="rect">
+            <a:avLst/>
+          </a:prstGeom>
+        </p:spPr>
+      </p:pic>
+    </p:spTree>
+    <p:extLst>
+      <p:ext uri="{BB962C8B-B14F-4D97-AF65-F5344CB8AC3E}">
+        <p14:creationId xmlns:p14="http://schemas.microsoft.com/office/powerpoint/2010/main" val="3670356640"/>
+      </p:ext>
+    </p:extLst>
+  </p:cSld>
+  <p:clrMapOvr>
+    <a:masterClrMapping/>
+  </p:clrMapOvr>
+</p:sld>
+</file>
+
+<file path=ppt/slides/slide7.xml><?xml version="1.0" encoding="utf-8"?>
+<p:sld xmlns:a="http://schemas.openxmlformats.org/drawingml/2006/main" xmlns:r="http://schemas.openxmlformats.org/officeDocument/2006/relationships" xmlns:p="http://schemas.openxmlformats.org/presentationml/2006/main">
+  <p:cSld>
+    <p:spTree>
+      <p:nvGrpSpPr>
+        <p:cNvPr id="1" name=""/>
+        <p:cNvGrpSpPr/>
+        <p:nvPr/>
+      </p:nvGrpSpPr>
+      <p:grpSpPr>
+        <a:xfrm>
+          <a:off x="0" y="0"/>
+          <a:ext cx="0" cy="0"/>
+          <a:chOff x="0" y="0"/>
+          <a:chExt cx="0" cy="0"/>
+        </a:xfrm>
+      </p:grpSpPr>
+      <p:sp>
+        <p:nvSpPr>
+          <p:cNvPr id="2" name="Título 1">
+            <a:extLst>
+              <a:ext uri="{FF2B5EF4-FFF2-40B4-BE49-F238E27FC236}">
                 <a16:creationId xmlns:a16="http://schemas.microsoft.com/office/drawing/2014/main" id="{780E8D1D-AB09-DE66-E4E7-C1A2849AB3E0}"/>
               </a:ext>
             </a:extLst>
@@ -5808,7 +6175,7 @@
 </p:sld>
 </file>
 
-<file path=ppt/slides/slide7.xml><?xml version="1.0" encoding="utf-8"?>
+<file path=ppt/slides/slide8.xml><?xml version="1.0" encoding="utf-8"?>
 <p:sld xmlns:a="http://schemas.openxmlformats.org/drawingml/2006/main" xmlns:r="http://schemas.openxmlformats.org/officeDocument/2006/relationships" xmlns:p="http://schemas.openxmlformats.org/presentationml/2006/main">
   <p:cSld>
     <p:spTree>
@@ -5924,100 +6291,6 @@
 </p:sld>
 </file>
 
-<file path=ppt/slides/slide8.xml><?xml version="1.0" encoding="utf-8"?>
-<p:sld xmlns:a="http://schemas.openxmlformats.org/drawingml/2006/main" xmlns:r="http://schemas.openxmlformats.org/officeDocument/2006/relationships" xmlns:p="http://schemas.openxmlformats.org/presentationml/2006/main">
-  <p:cSld>
-    <p:spTree>
-      <p:nvGrpSpPr>
-        <p:cNvPr id="1" name=""/>
-        <p:cNvGrpSpPr/>
-        <p:nvPr/>
-      </p:nvGrpSpPr>
-      <p:grpSpPr>
-        <a:xfrm>
-          <a:off x="0" y="0"/>
-          <a:ext cx="0" cy="0"/>
-          <a:chOff x="0" y="0"/>
-          <a:chExt cx="0" cy="0"/>
-        </a:xfrm>
-      </p:grpSpPr>
-      <p:sp>
-        <p:nvSpPr>
-          <p:cNvPr id="8" name="Título 7">
-            <a:extLst>
-              <a:ext uri="{FF2B5EF4-FFF2-40B4-BE49-F238E27FC236}">
-                <a16:creationId xmlns:a16="http://schemas.microsoft.com/office/drawing/2014/main" id="{C8312206-5D26-4D4D-3756-17365D583599}"/>
-              </a:ext>
-            </a:extLst>
-          </p:cNvPr>
-          <p:cNvSpPr>
-            <a:spLocks noGrp="1"/>
-          </p:cNvSpPr>
-          <p:nvPr>
-            <p:ph type="title"/>
-          </p:nvPr>
-        </p:nvSpPr>
-        <p:spPr/>
-        <p:txBody>
-          <a:bodyPr/>
-          <a:lstStyle/>
-          <a:p>
-            <a:pPr algn="ctr"/>
-            <a:r>
-              <a:rPr lang="es-ES" dirty="0"/>
-              <a:t>EDT</a:t>
-            </a:r>
-          </a:p>
-        </p:txBody>
-      </p:sp>
-      <p:pic>
-        <p:nvPicPr>
-          <p:cNvPr id="11" name="Marcador de contenido 10" descr="Diagrama&#10;&#10;Descripción generada automáticamente">
-            <a:extLst>
-              <a:ext uri="{FF2B5EF4-FFF2-40B4-BE49-F238E27FC236}">
-                <a16:creationId xmlns:a16="http://schemas.microsoft.com/office/drawing/2014/main" id="{7AC88EA7-BD1C-4166-D578-D12F7C9E4E11}"/>
-              </a:ext>
-            </a:extLst>
-          </p:cNvPr>
-          <p:cNvPicPr>
-            <a:picLocks noGrp="1" noChangeAspect="1"/>
-          </p:cNvPicPr>
-          <p:nvPr>
-            <p:ph idx="1"/>
-          </p:nvPr>
-        </p:nvPicPr>
-        <p:blipFill>
-          <a:blip r:embed="rId2">
-            <a:extLst>
-              <a:ext uri="{28A0092B-C50C-407E-A947-70E740481C1C}">
-                <a14:useLocalDpi xmlns:a14="http://schemas.microsoft.com/office/drawing/2010/main" val="0"/>
-              </a:ext>
-            </a:extLst>
-          </a:blip>
-          <a:stretch>
-            <a:fillRect/>
-          </a:stretch>
-        </p:blipFill>
-        <p:spPr>
-          <a:xfrm>
-            <a:off x="2763624" y="1690688"/>
-            <a:ext cx="6664751" cy="4667250"/>
-          </a:xfrm>
-        </p:spPr>
-      </p:pic>
-    </p:spTree>
-    <p:extLst>
-      <p:ext uri="{BB962C8B-B14F-4D97-AF65-F5344CB8AC3E}">
-        <p14:creationId xmlns:p14="http://schemas.microsoft.com/office/powerpoint/2010/main" val="3998050004"/>
-      </p:ext>
-    </p:extLst>
-  </p:cSld>
-  <p:clrMapOvr>
-    <a:masterClrMapping/>
-  </p:clrMapOvr>
-</p:sld>
-</file>
-
 <file path=ppt/slides/slide9.xml><?xml version="1.0" encoding="utf-8"?>
 <p:sld xmlns:a="http://schemas.openxmlformats.org/drawingml/2006/main" xmlns:r="http://schemas.openxmlformats.org/officeDocument/2006/relationships" xmlns:p="http://schemas.openxmlformats.org/presentationml/2006/main">
   <p:cSld>
@@ -6037,10 +6310,10 @@
       </p:grpSpPr>
       <p:sp>
         <p:nvSpPr>
-          <p:cNvPr id="2" name="Título 1">
-            <a:extLst>
-              <a:ext uri="{FF2B5EF4-FFF2-40B4-BE49-F238E27FC236}">
-                <a16:creationId xmlns:a16="http://schemas.microsoft.com/office/drawing/2014/main" id="{BB22BAAC-FD8A-40FA-EDD9-83C7D5DED642}"/>
+          <p:cNvPr id="8" name="Título 7">
+            <a:extLst>
+              <a:ext uri="{FF2B5EF4-FFF2-40B4-BE49-F238E27FC236}">
+                <a16:creationId xmlns:a16="http://schemas.microsoft.com/office/drawing/2014/main" id="{C8312206-5D26-4D4D-3756-17365D583599}"/>
               </a:ext>
             </a:extLst>
           </p:cNvPr>
@@ -6058,44 +6331,51 @@
           <a:p>
             <a:pPr algn="ctr"/>
             <a:r>
-              <a:rPr lang="es-ES" b="1" dirty="0"/>
-              <a:t>INTERESADOS Y COMUNICACIONES</a:t>
-            </a:r>
-          </a:p>
-        </p:txBody>
-      </p:sp>
-      <p:sp>
-        <p:nvSpPr>
-          <p:cNvPr id="3" name="Marcador de contenido 2">
-            <a:extLst>
-              <a:ext uri="{FF2B5EF4-FFF2-40B4-BE49-F238E27FC236}">
-                <a16:creationId xmlns:a16="http://schemas.microsoft.com/office/drawing/2014/main" id="{957D3C03-5DB3-2964-5179-05E21AA5B285}"/>
-              </a:ext>
-            </a:extLst>
-          </p:cNvPr>
-          <p:cNvSpPr>
-            <a:spLocks noGrp="1"/>
-          </p:cNvSpPr>
+              <a:rPr lang="es-ES" dirty="0"/>
+              <a:t>EDT</a:t>
+            </a:r>
+          </a:p>
+        </p:txBody>
+      </p:sp>
+      <p:pic>
+        <p:nvPicPr>
+          <p:cNvPr id="11" name="Marcador de contenido 10" descr="Diagrama&#10;&#10;Descripción generada automáticamente">
+            <a:extLst>
+              <a:ext uri="{FF2B5EF4-FFF2-40B4-BE49-F238E27FC236}">
+                <a16:creationId xmlns:a16="http://schemas.microsoft.com/office/drawing/2014/main" id="{7AC88EA7-BD1C-4166-D578-D12F7C9E4E11}"/>
+              </a:ext>
+            </a:extLst>
+          </p:cNvPr>
+          <p:cNvPicPr>
+            <a:picLocks noGrp="1" noChangeAspect="1"/>
+          </p:cNvPicPr>
           <p:nvPr>
             <p:ph idx="1"/>
           </p:nvPr>
-        </p:nvSpPr>
-        <p:spPr/>
-        <p:txBody>
-          <a:bodyPr/>
-          <a:lstStyle/>
-          <a:p>
-            <a:r>
-              <a:rPr lang="es-ES" dirty="0"/>
-              <a:t>Incluimos la tabla de interesados y comunicaciones</a:t>
-            </a:r>
-          </a:p>
-        </p:txBody>
-      </p:sp>
+        </p:nvPicPr>
+        <p:blipFill>
+          <a:blip r:embed="rId2">
+            <a:extLst>
+              <a:ext uri="{28A0092B-C50C-407E-A947-70E740481C1C}">
+                <a14:useLocalDpi xmlns:a14="http://schemas.microsoft.com/office/drawing/2010/main" val="0"/>
+              </a:ext>
+            </a:extLst>
+          </a:blip>
+          <a:stretch>
+            <a:fillRect/>
+          </a:stretch>
+        </p:blipFill>
+        <p:spPr>
+          <a:xfrm>
+            <a:off x="2763624" y="1690688"/>
+            <a:ext cx="6664751" cy="4667250"/>
+          </a:xfrm>
+        </p:spPr>
+      </p:pic>
     </p:spTree>
     <p:extLst>
       <p:ext uri="{BB962C8B-B14F-4D97-AF65-F5344CB8AC3E}">
-        <p14:creationId xmlns:p14="http://schemas.microsoft.com/office/powerpoint/2010/main" val="2359861581"/>
+        <p14:creationId xmlns:p14="http://schemas.microsoft.com/office/powerpoint/2010/main" val="3998050004"/>
       </p:ext>
     </p:extLst>
   </p:cSld>

--- a/CSMAG.pptx
+++ b/CSMAG.pptx
@@ -21,7 +21,8 @@
     <p:sldId id="261" r:id="rId15"/>
     <p:sldId id="260" r:id="rId16"/>
     <p:sldId id="262" r:id="rId17"/>
-    <p:sldId id="271" r:id="rId18"/>
+    <p:sldId id="274" r:id="rId18"/>
+    <p:sldId id="271" r:id="rId19"/>
   </p:sldIdLst>
   <p:sldSz cx="12192000" cy="6858000"/>
   <p:notesSz cx="6858000" cy="9144000"/>
@@ -4603,6 +4604,36 @@
           </a:p>
         </p:txBody>
       </p:sp>
+      <p:pic>
+        <p:nvPicPr>
+          <p:cNvPr id="4" name="Imagen 3">
+            <a:extLst>
+              <a:ext uri="{FF2B5EF4-FFF2-40B4-BE49-F238E27FC236}">
+                <a16:creationId xmlns:a16="http://schemas.microsoft.com/office/drawing/2014/main" id="{1316ED69-FA32-B090-DA22-DC04EEDC8B39}"/>
+              </a:ext>
+            </a:extLst>
+          </p:cNvPr>
+          <p:cNvPicPr>
+            <a:picLocks noChangeAspect="1"/>
+          </p:cNvPicPr>
+          <p:nvPr/>
+        </p:nvPicPr>
+        <p:blipFill>
+          <a:blip r:embed="rId2"/>
+          <a:stretch>
+            <a:fillRect/>
+          </a:stretch>
+        </p:blipFill>
+        <p:spPr>
+          <a:xfrm>
+            <a:off x="1998502" y="1505104"/>
+            <a:ext cx="8194995" cy="5058850"/>
+          </a:xfrm>
+          <a:prstGeom prst="rect">
+            <a:avLst/>
+          </a:prstGeom>
+        </p:spPr>
+      </p:pic>
     </p:spTree>
     <p:extLst>
       <p:ext uri="{BB962C8B-B14F-4D97-AF65-F5344CB8AC3E}">
@@ -4638,6 +4669,96 @@
           <p:cNvPr id="2" name="Título 1">
             <a:extLst>
               <a:ext uri="{FF2B5EF4-FFF2-40B4-BE49-F238E27FC236}">
+                <a16:creationId xmlns:a16="http://schemas.microsoft.com/office/drawing/2014/main" id="{0F5496C6-FDEB-9F68-4C75-1E5188B50AE7}"/>
+              </a:ext>
+            </a:extLst>
+          </p:cNvPr>
+          <p:cNvSpPr>
+            <a:spLocks noGrp="1"/>
+          </p:cNvSpPr>
+          <p:nvPr>
+            <p:ph type="title"/>
+          </p:nvPr>
+        </p:nvSpPr>
+        <p:spPr/>
+        <p:txBody>
+          <a:bodyPr/>
+          <a:lstStyle/>
+          <a:p>
+            <a:pPr algn="ctr"/>
+            <a:r>
+              <a:rPr lang="es-ES" b="1" dirty="0"/>
+              <a:t>RIESGOS DEL PROYECTO</a:t>
+            </a:r>
+            <a:endParaRPr lang="es-ES" dirty="0"/>
+          </a:p>
+        </p:txBody>
+      </p:sp>
+      <p:pic>
+        <p:nvPicPr>
+          <p:cNvPr id="5" name="Imagen 4">
+            <a:extLst>
+              <a:ext uri="{FF2B5EF4-FFF2-40B4-BE49-F238E27FC236}">
+                <a16:creationId xmlns:a16="http://schemas.microsoft.com/office/drawing/2014/main" id="{C894ED93-CA35-4486-26C2-658D04549D45}"/>
+              </a:ext>
+            </a:extLst>
+          </p:cNvPr>
+          <p:cNvPicPr>
+            <a:picLocks noChangeAspect="1"/>
+          </p:cNvPicPr>
+          <p:nvPr/>
+        </p:nvPicPr>
+        <p:blipFill>
+          <a:blip r:embed="rId2"/>
+          <a:stretch>
+            <a:fillRect/>
+          </a:stretch>
+        </p:blipFill>
+        <p:spPr>
+          <a:xfrm>
+            <a:off x="1923802" y="1487627"/>
+            <a:ext cx="8344395" cy="5005248"/>
+          </a:xfrm>
+          <a:prstGeom prst="rect">
+            <a:avLst/>
+          </a:prstGeom>
+        </p:spPr>
+      </p:pic>
+    </p:spTree>
+    <p:extLst>
+      <p:ext uri="{BB962C8B-B14F-4D97-AF65-F5344CB8AC3E}">
+        <p14:creationId xmlns:p14="http://schemas.microsoft.com/office/powerpoint/2010/main" val="3188274731"/>
+      </p:ext>
+    </p:extLst>
+  </p:cSld>
+  <p:clrMapOvr>
+    <a:masterClrMapping/>
+  </p:clrMapOvr>
+</p:sld>
+</file>
+
+<file path=ppt/slides/slide18.xml><?xml version="1.0" encoding="utf-8"?>
+<p:sld xmlns:a="http://schemas.openxmlformats.org/drawingml/2006/main" xmlns:r="http://schemas.openxmlformats.org/officeDocument/2006/relationships" xmlns:p="http://schemas.openxmlformats.org/presentationml/2006/main">
+  <p:cSld>
+    <p:spTree>
+      <p:nvGrpSpPr>
+        <p:cNvPr id="1" name=""/>
+        <p:cNvGrpSpPr/>
+        <p:nvPr/>
+      </p:nvGrpSpPr>
+      <p:grpSpPr>
+        <a:xfrm>
+          <a:off x="0" y="0"/>
+          <a:ext cx="0" cy="0"/>
+          <a:chOff x="0" y="0"/>
+          <a:chExt cx="0" cy="0"/>
+        </a:xfrm>
+      </p:grpSpPr>
+      <p:sp>
+        <p:nvSpPr>
+          <p:cNvPr id="2" name="Título 1">
+            <a:extLst>
+              <a:ext uri="{FF2B5EF4-FFF2-40B4-BE49-F238E27FC236}">
                 <a16:creationId xmlns:a16="http://schemas.microsoft.com/office/drawing/2014/main" id="{223D2B19-0919-A041-8870-361F848C6E81}"/>
               </a:ext>
             </a:extLst>
@@ -4887,7 +5008,7 @@
             </a:r>
             <a:r>
               <a:rPr lang="es-ES" sz="2400" dirty="0" err="1"/>
-              <a:t>Ezzekaoui</a:t>
+              <a:t>Ezzekraoui</a:t>
             </a:r>
             <a:r>
               <a:rPr lang="es-ES" sz="2400" dirty="0"/>
@@ -4895,7 +5016,7 @@
             </a:r>
             <a:r>
               <a:rPr lang="es-ES" sz="2400" dirty="0" err="1"/>
-              <a:t>Ezzekaoui</a:t>
+              <a:t>Ezzekraoui</a:t>
             </a:r>
             <a:r>
               <a:rPr lang="es-ES" sz="2400" dirty="0"/>
@@ -4924,15 +5045,15 @@
             </a:r>
             <a:r>
               <a:rPr lang="es-ES" sz="2400" dirty="0" err="1"/>
-              <a:t>Ezzekaoui</a:t>
+              <a:t>Ezzekraoui</a:t>
             </a:r>
             <a:r>
               <a:rPr lang="es-ES" sz="2400" dirty="0"/>
               <a:t> </a:t>
             </a:r>
             <a:r>
-              <a:rPr lang="es-ES" sz="2400" dirty="0" err="1"/>
-              <a:t>Ezzekaoui</a:t>
+              <a:rPr lang="es-ES" sz="2400"/>
+              <a:t>Ezzekraoui</a:t>
             </a:r>
             <a:endParaRPr lang="es-ES" sz="2400" dirty="0"/>
           </a:p>
@@ -5881,12 +6002,14 @@
         </p:nvSpPr>
         <p:spPr/>
         <p:txBody>
-          <a:bodyPr/>
+          <a:bodyPr>
+            <a:normAutofit/>
+          </a:bodyPr>
           <a:lstStyle/>
           <a:p>
             <a:pPr algn="ctr"/>
             <a:r>
-              <a:rPr lang="en-US" sz="4400" b="1" kern="1200" dirty="0">
+              <a:rPr lang="en-US" sz="5400" b="1" kern="1200" dirty="0">
                 <a:solidFill>
                   <a:schemeClr val="tx1"/>
                 </a:solidFill>
@@ -5896,7 +6019,7 @@
               </a:rPr>
               <a:t>JIRA</a:t>
             </a:r>
-            <a:endParaRPr lang="es-ES" dirty="0"/>
+            <a:endParaRPr lang="es-ES" sz="5400" dirty="0"/>
           </a:p>
         </p:txBody>
       </p:sp>

--- a/CSMAG.pptx
+++ b/CSMAG.pptx
@@ -16,13 +16,14 @@
     <p:sldId id="265" r:id="rId10"/>
     <p:sldId id="263" r:id="rId11"/>
     <p:sldId id="258" r:id="rId12"/>
-    <p:sldId id="259" r:id="rId13"/>
-    <p:sldId id="270" r:id="rId14"/>
-    <p:sldId id="261" r:id="rId15"/>
-    <p:sldId id="260" r:id="rId16"/>
-    <p:sldId id="262" r:id="rId17"/>
-    <p:sldId id="274" r:id="rId18"/>
-    <p:sldId id="271" r:id="rId19"/>
+    <p:sldId id="275" r:id="rId13"/>
+    <p:sldId id="259" r:id="rId14"/>
+    <p:sldId id="270" r:id="rId15"/>
+    <p:sldId id="261" r:id="rId16"/>
+    <p:sldId id="260" r:id="rId17"/>
+    <p:sldId id="262" r:id="rId18"/>
+    <p:sldId id="274" r:id="rId19"/>
+    <p:sldId id="271" r:id="rId20"/>
   </p:sldIdLst>
   <p:sldSz cx="12192000" cy="6858000"/>
   <p:notesSz cx="6858000" cy="9144000"/>
@@ -3703,34 +3704,78 @@
           </a:p>
         </p:txBody>
       </p:sp>
-      <p:sp>
-        <p:nvSpPr>
-          <p:cNvPr id="3" name="Marcador de contenido 2">
-            <a:extLst>
-              <a:ext uri="{FF2B5EF4-FFF2-40B4-BE49-F238E27FC236}">
-                <a16:creationId xmlns:a16="http://schemas.microsoft.com/office/drawing/2014/main" id="{DA0BA2F2-F268-9C00-ECC1-6DB7437702B3}"/>
-              </a:ext>
-            </a:extLst>
-          </p:cNvPr>
-          <p:cNvSpPr>
-            <a:spLocks noGrp="1"/>
-          </p:cNvSpPr>
-          <p:nvPr>
-            <p:ph idx="1"/>
-          </p:nvPr>
-        </p:nvSpPr>
-        <p:spPr/>
-        <p:txBody>
-          <a:bodyPr/>
-          <a:lstStyle/>
-          <a:p>
-            <a:r>
-              <a:rPr lang="es-ES" dirty="0"/>
-              <a:t>Capturas del Diagrama de Gantt</a:t>
-            </a:r>
-          </a:p>
-        </p:txBody>
-      </p:sp>
+      <p:pic>
+        <p:nvPicPr>
+          <p:cNvPr id="9" name="Imagen 8" descr="Interfaz de usuario gráfica, Aplicación&#10;&#10;Descripción generada automáticamente">
+            <a:extLst>
+              <a:ext uri="{FF2B5EF4-FFF2-40B4-BE49-F238E27FC236}">
+                <a16:creationId xmlns:a16="http://schemas.microsoft.com/office/drawing/2014/main" id="{3A2DC32C-A793-A3D9-3DC5-164841C579BD}"/>
+              </a:ext>
+            </a:extLst>
+          </p:cNvPr>
+          <p:cNvPicPr>
+            <a:picLocks noChangeAspect="1"/>
+          </p:cNvPicPr>
+          <p:nvPr/>
+        </p:nvPicPr>
+        <p:blipFill>
+          <a:blip r:embed="rId2">
+            <a:extLst>
+              <a:ext uri="{28A0092B-C50C-407E-A947-70E740481C1C}">
+                <a14:useLocalDpi xmlns:a14="http://schemas.microsoft.com/office/drawing/2010/main" val="0"/>
+              </a:ext>
+            </a:extLst>
+          </a:blip>
+          <a:stretch>
+            <a:fillRect/>
+          </a:stretch>
+        </p:blipFill>
+        <p:spPr>
+          <a:xfrm>
+            <a:off x="146748" y="1526112"/>
+            <a:ext cx="5374681" cy="2895609"/>
+          </a:xfrm>
+          <a:prstGeom prst="rect">
+            <a:avLst/>
+          </a:prstGeom>
+        </p:spPr>
+      </p:pic>
+      <p:pic>
+        <p:nvPicPr>
+          <p:cNvPr id="11" name="Imagen 10" descr="Interfaz de usuario gráfica, Aplicación&#10;&#10;Descripción generada automáticamente">
+            <a:extLst>
+              <a:ext uri="{FF2B5EF4-FFF2-40B4-BE49-F238E27FC236}">
+                <a16:creationId xmlns:a16="http://schemas.microsoft.com/office/drawing/2014/main" id="{E1E2D6C0-50CE-D198-18A3-286F74F882CF}"/>
+              </a:ext>
+            </a:extLst>
+          </p:cNvPr>
+          <p:cNvPicPr>
+            <a:picLocks noChangeAspect="1"/>
+          </p:cNvPicPr>
+          <p:nvPr/>
+        </p:nvPicPr>
+        <p:blipFill>
+          <a:blip r:embed="rId3">
+            <a:extLst>
+              <a:ext uri="{28A0092B-C50C-407E-A947-70E740481C1C}">
+                <a14:useLocalDpi xmlns:a14="http://schemas.microsoft.com/office/drawing/2010/main" val="0"/>
+              </a:ext>
+            </a:extLst>
+          </a:blip>
+          <a:stretch>
+            <a:fillRect/>
+          </a:stretch>
+        </p:blipFill>
+        <p:spPr>
+          <a:xfrm>
+            <a:off x="5843821" y="3087124"/>
+            <a:ext cx="5962645" cy="2895609"/>
+          </a:xfrm>
+          <a:prstGeom prst="rect">
+            <a:avLst/>
+          </a:prstGeom>
+        </p:spPr>
+      </p:pic>
     </p:spTree>
     <p:extLst>
       <p:ext uri="{BB962C8B-B14F-4D97-AF65-F5344CB8AC3E}">
@@ -3766,6 +3811,137 @@
           <p:cNvPr id="2" name="Título 1">
             <a:extLst>
               <a:ext uri="{FF2B5EF4-FFF2-40B4-BE49-F238E27FC236}">
+                <a16:creationId xmlns:a16="http://schemas.microsoft.com/office/drawing/2014/main" id="{22CFB350-3D07-8DA8-D331-F23B817AB8D9}"/>
+              </a:ext>
+            </a:extLst>
+          </p:cNvPr>
+          <p:cNvSpPr>
+            <a:spLocks noGrp="1"/>
+          </p:cNvSpPr>
+          <p:nvPr>
+            <p:ph type="title"/>
+          </p:nvPr>
+        </p:nvSpPr>
+        <p:spPr/>
+        <p:txBody>
+          <a:bodyPr/>
+          <a:lstStyle/>
+          <a:p>
+            <a:r>
+              <a:rPr lang="es-ES" b="1" dirty="0"/>
+              <a:t>DIAGRAMA DE GANTT DEL PROYECTO</a:t>
+            </a:r>
+            <a:endParaRPr lang="es-ES" dirty="0"/>
+          </a:p>
+        </p:txBody>
+      </p:sp>
+      <p:pic>
+        <p:nvPicPr>
+          <p:cNvPr id="5" name="Imagen 4" descr="Interfaz de usuario gráfica, Aplicación, Tabla, Excel&#10;&#10;Descripción generada automáticamente">
+            <a:extLst>
+              <a:ext uri="{FF2B5EF4-FFF2-40B4-BE49-F238E27FC236}">
+                <a16:creationId xmlns:a16="http://schemas.microsoft.com/office/drawing/2014/main" id="{ACDD7569-F242-8269-3CB0-CD88B8A2131C}"/>
+              </a:ext>
+            </a:extLst>
+          </p:cNvPr>
+          <p:cNvPicPr>
+            <a:picLocks noChangeAspect="1"/>
+          </p:cNvPicPr>
+          <p:nvPr/>
+        </p:nvPicPr>
+        <p:blipFill>
+          <a:blip r:embed="rId2">
+            <a:extLst>
+              <a:ext uri="{28A0092B-C50C-407E-A947-70E740481C1C}">
+                <a14:useLocalDpi xmlns:a14="http://schemas.microsoft.com/office/drawing/2010/main" val="0"/>
+              </a:ext>
+            </a:extLst>
+          </a:blip>
+          <a:stretch>
+            <a:fillRect/>
+          </a:stretch>
+        </p:blipFill>
+        <p:spPr>
+          <a:xfrm>
+            <a:off x="95527" y="1690688"/>
+            <a:ext cx="6000473" cy="2921481"/>
+          </a:xfrm>
+          <a:prstGeom prst="rect">
+            <a:avLst/>
+          </a:prstGeom>
+        </p:spPr>
+      </p:pic>
+      <p:pic>
+        <p:nvPicPr>
+          <p:cNvPr id="7" name="Imagen 6" descr="Interfaz de usuario gráfica, Aplicación, Tabla, Excel&#10;&#10;Descripción generada automáticamente">
+            <a:extLst>
+              <a:ext uri="{FF2B5EF4-FFF2-40B4-BE49-F238E27FC236}">
+                <a16:creationId xmlns:a16="http://schemas.microsoft.com/office/drawing/2014/main" id="{74FE96B0-D169-7F74-F177-BE4B16673972}"/>
+              </a:ext>
+            </a:extLst>
+          </p:cNvPr>
+          <p:cNvPicPr>
+            <a:picLocks noChangeAspect="1"/>
+          </p:cNvPicPr>
+          <p:nvPr/>
+        </p:nvPicPr>
+        <p:blipFill>
+          <a:blip r:embed="rId3">
+            <a:extLst>
+              <a:ext uri="{28A0092B-C50C-407E-A947-70E740481C1C}">
+                <a14:useLocalDpi xmlns:a14="http://schemas.microsoft.com/office/drawing/2010/main" val="0"/>
+              </a:ext>
+            </a:extLst>
+          </a:blip>
+          <a:stretch>
+            <a:fillRect/>
+          </a:stretch>
+        </p:blipFill>
+        <p:spPr>
+          <a:xfrm>
+            <a:off x="6217918" y="2887567"/>
+            <a:ext cx="5827391" cy="2851780"/>
+          </a:xfrm>
+          <a:prstGeom prst="rect">
+            <a:avLst/>
+          </a:prstGeom>
+        </p:spPr>
+      </p:pic>
+    </p:spTree>
+    <p:extLst>
+      <p:ext uri="{BB962C8B-B14F-4D97-AF65-F5344CB8AC3E}">
+        <p14:creationId xmlns:p14="http://schemas.microsoft.com/office/powerpoint/2010/main" val="293704883"/>
+      </p:ext>
+    </p:extLst>
+  </p:cSld>
+  <p:clrMapOvr>
+    <a:masterClrMapping/>
+  </p:clrMapOvr>
+</p:sld>
+</file>
+
+<file path=ppt/slides/slide13.xml><?xml version="1.0" encoding="utf-8"?>
+<p:sld xmlns:a="http://schemas.openxmlformats.org/drawingml/2006/main" xmlns:r="http://schemas.openxmlformats.org/officeDocument/2006/relationships" xmlns:p="http://schemas.openxmlformats.org/presentationml/2006/main">
+  <p:cSld>
+    <p:spTree>
+      <p:nvGrpSpPr>
+        <p:cNvPr id="1" name=""/>
+        <p:cNvGrpSpPr/>
+        <p:nvPr/>
+      </p:nvGrpSpPr>
+      <p:grpSpPr>
+        <a:xfrm>
+          <a:off x="0" y="0"/>
+          <a:ext cx="0" cy="0"/>
+          <a:chOff x="0" y="0"/>
+          <a:chExt cx="0" cy="0"/>
+        </a:xfrm>
+      </p:grpSpPr>
+      <p:sp>
+        <p:nvSpPr>
+          <p:cNvPr id="2" name="Título 1">
+            <a:extLst>
+              <a:ext uri="{FF2B5EF4-FFF2-40B4-BE49-F238E27FC236}">
                 <a16:creationId xmlns:a16="http://schemas.microsoft.com/office/drawing/2014/main" id="{A39664C5-7C88-8239-9218-B20EBE8FE185}"/>
               </a:ext>
             </a:extLst>
@@ -3787,39 +3963,6 @@
               <a:rPr lang="es-ES" b="1" dirty="0"/>
               <a:t>RECURSOS</a:t>
             </a:r>
-          </a:p>
-        </p:txBody>
-      </p:sp>
-      <p:sp>
-        <p:nvSpPr>
-          <p:cNvPr id="3" name="Marcador de contenido 2">
-            <a:extLst>
-              <a:ext uri="{FF2B5EF4-FFF2-40B4-BE49-F238E27FC236}">
-                <a16:creationId xmlns:a16="http://schemas.microsoft.com/office/drawing/2014/main" id="{4D7429BE-EA39-8F30-5439-8352EA15E59A}"/>
-              </a:ext>
-            </a:extLst>
-          </p:cNvPr>
-          <p:cNvSpPr>
-            <a:spLocks noGrp="1"/>
-          </p:cNvSpPr>
-          <p:nvPr>
-            <p:ph idx="1"/>
-          </p:nvPr>
-        </p:nvSpPr>
-        <p:spPr/>
-        <p:txBody>
-          <a:bodyPr/>
-          <a:lstStyle/>
-          <a:p>
-            <a:r>
-              <a:rPr lang="es-ES" dirty="0"/>
-              <a:t>Captura de la hoja de recursos de </a:t>
-            </a:r>
-            <a:r>
-              <a:rPr lang="es-ES" dirty="0" err="1"/>
-              <a:t>project</a:t>
-            </a:r>
-            <a:endParaRPr lang="es-ES" dirty="0"/>
           </a:p>
         </p:txBody>
       </p:sp>
@@ -3836,7 +3979,7 @@
 </p:sld>
 </file>
 
-<file path=ppt/slides/slide13.xml><?xml version="1.0" encoding="utf-8"?>
+<file path=ppt/slides/slide14.xml><?xml version="1.0" encoding="utf-8"?>
 <p:sld xmlns:a="http://schemas.openxmlformats.org/drawingml/2006/main" xmlns:r="http://schemas.openxmlformats.org/officeDocument/2006/relationships" xmlns:p="http://schemas.openxmlformats.org/presentationml/2006/main">
   <p:cSld>
     <p:spTree>
@@ -3924,7 +4067,7 @@
 </p:sld>
 </file>
 
-<file path=ppt/slides/slide14.xml><?xml version="1.0" encoding="utf-8"?>
+<file path=ppt/slides/slide15.xml><?xml version="1.0" encoding="utf-8"?>
 <p:sld xmlns:a="http://schemas.openxmlformats.org/drawingml/2006/main" xmlns:r="http://schemas.openxmlformats.org/officeDocument/2006/relationships" xmlns:p="http://schemas.openxmlformats.org/presentationml/2006/main">
   <p:cSld>
     <p:spTree>
@@ -4034,7 +4177,7 @@
 </p:sld>
 </file>
 
-<file path=ppt/slides/slide15.xml><?xml version="1.0" encoding="utf-8"?>
+<file path=ppt/slides/slide16.xml><?xml version="1.0" encoding="utf-8"?>
 <p:sld xmlns:a="http://schemas.openxmlformats.org/drawingml/2006/main" xmlns:r="http://schemas.openxmlformats.org/officeDocument/2006/relationships" xmlns:p="http://schemas.openxmlformats.org/presentationml/2006/main">
   <p:cSld>
     <p:spTree>
@@ -4558,7 +4701,7 @@
 </p:sld>
 </file>
 
-<file path=ppt/slides/slide16.xml><?xml version="1.0" encoding="utf-8"?>
+<file path=ppt/slides/slide17.xml><?xml version="1.0" encoding="utf-8"?>
 <p:sld xmlns:a="http://schemas.openxmlformats.org/drawingml/2006/main" xmlns:r="http://schemas.openxmlformats.org/officeDocument/2006/relationships" xmlns:p="http://schemas.openxmlformats.org/presentationml/2006/main">
   <p:cSld>
     <p:spTree>
@@ -4647,7 +4790,7 @@
 </p:sld>
 </file>
 
-<file path=ppt/slides/slide17.xml><?xml version="1.0" encoding="utf-8"?>
+<file path=ppt/slides/slide18.xml><?xml version="1.0" encoding="utf-8"?>
 <p:sld xmlns:a="http://schemas.openxmlformats.org/drawingml/2006/main" xmlns:r="http://schemas.openxmlformats.org/officeDocument/2006/relationships" xmlns:p="http://schemas.openxmlformats.org/presentationml/2006/main">
   <p:cSld>
     <p:spTree>
@@ -4737,7 +4880,7 @@
 </p:sld>
 </file>
 
-<file path=ppt/slides/slide18.xml><?xml version="1.0" encoding="utf-8"?>
+<file path=ppt/slides/slide19.xml><?xml version="1.0" encoding="utf-8"?>
 <p:sld xmlns:a="http://schemas.openxmlformats.org/drawingml/2006/main" xmlns:r="http://schemas.openxmlformats.org/officeDocument/2006/relationships" xmlns:p="http://schemas.openxmlformats.org/presentationml/2006/main">
   <p:cSld>
     <p:spTree>
@@ -4799,12 +4942,25 @@
             <p:ph idx="1"/>
           </p:nvPr>
         </p:nvSpPr>
-        <p:spPr/>
-        <p:txBody>
-          <a:bodyPr/>
-          <a:lstStyle/>
-          <a:p>
-            <a:endParaRPr lang="es-ES"/>
+        <p:spPr>
+          <a:xfrm>
+            <a:off x="838200" y="1825625"/>
+            <a:ext cx="10515600" cy="2208152"/>
+          </a:xfrm>
+        </p:spPr>
+        <p:txBody>
+          <a:bodyPr>
+            <a:normAutofit/>
+          </a:bodyPr>
+          <a:lstStyle/>
+          <a:p>
+            <a:pPr marL="0" indent="0" algn="just">
+              <a:buNone/>
+            </a:pPr>
+            <a:r>
+              <a:rPr lang="es-ES" sz="2200" dirty="0"/>
+              <a:t>La organización al detalle es primordial para poder ejecutar un proyecto de manera viable ya que, un proyecto de ingeniería tiene cientos de parámetros que hay que tener en cuenta y que deben ser coordinados y coherentes para que todo funcione correctamente. Por ello hemos aprendido ciertas herramientas que nos facilitan llevar a cabo todo esto como ‘Jira’, ‘Project’ así como parámetros a tener en cuenta y análisis concluir la realización del proyecto.</a:t>
+            </a:r>
           </a:p>
         </p:txBody>
       </p:sp>

--- a/CSMAG.pptx
+++ b/CSMAG.pptx
@@ -21,9 +21,10 @@
     <p:sldId id="270" r:id="rId15"/>
     <p:sldId id="261" r:id="rId16"/>
     <p:sldId id="260" r:id="rId17"/>
-    <p:sldId id="262" r:id="rId18"/>
-    <p:sldId id="274" r:id="rId19"/>
-    <p:sldId id="271" r:id="rId20"/>
+    <p:sldId id="276" r:id="rId18"/>
+    <p:sldId id="262" r:id="rId19"/>
+    <p:sldId id="274" r:id="rId20"/>
+    <p:sldId id="271" r:id="rId21"/>
   </p:sldIdLst>
   <p:sldSz cx="12192000" cy="6858000"/>
   <p:notesSz cx="6858000" cy="9144000"/>
@@ -4723,6 +4724,96 @@
           <p:cNvPr id="2" name="Título 1">
             <a:extLst>
               <a:ext uri="{FF2B5EF4-FFF2-40B4-BE49-F238E27FC236}">
+                <a16:creationId xmlns:a16="http://schemas.microsoft.com/office/drawing/2014/main" id="{FBA856D1-00BB-62BD-6A8E-7A640CDA1BCA}"/>
+              </a:ext>
+            </a:extLst>
+          </p:cNvPr>
+          <p:cNvSpPr>
+            <a:spLocks noGrp="1"/>
+          </p:cNvSpPr>
+          <p:nvPr>
+            <p:ph type="title"/>
+          </p:nvPr>
+        </p:nvSpPr>
+        <p:spPr/>
+        <p:txBody>
+          <a:bodyPr/>
+          <a:lstStyle/>
+          <a:p>
+            <a:pPr algn="ctr"/>
+            <a:r>
+              <a:rPr lang="es-ES" b="1" dirty="0"/>
+              <a:t>RIESGOS DEL PROYECTO</a:t>
+            </a:r>
+            <a:endParaRPr lang="es-ES" dirty="0"/>
+          </a:p>
+        </p:txBody>
+      </p:sp>
+      <p:pic>
+        <p:nvPicPr>
+          <p:cNvPr id="5" name="Imagen 4">
+            <a:extLst>
+              <a:ext uri="{FF2B5EF4-FFF2-40B4-BE49-F238E27FC236}">
+                <a16:creationId xmlns:a16="http://schemas.microsoft.com/office/drawing/2014/main" id="{392D533E-0EDA-E804-04A2-5A04897394EA}"/>
+              </a:ext>
+            </a:extLst>
+          </p:cNvPr>
+          <p:cNvPicPr>
+            <a:picLocks noChangeAspect="1"/>
+          </p:cNvPicPr>
+          <p:nvPr/>
+        </p:nvPicPr>
+        <p:blipFill>
+          <a:blip r:embed="rId2"/>
+          <a:stretch>
+            <a:fillRect/>
+          </a:stretch>
+        </p:blipFill>
+        <p:spPr>
+          <a:xfrm>
+            <a:off x="2377440" y="1690688"/>
+            <a:ext cx="6987684" cy="3878299"/>
+          </a:xfrm>
+          <a:prstGeom prst="rect">
+            <a:avLst/>
+          </a:prstGeom>
+        </p:spPr>
+      </p:pic>
+    </p:spTree>
+    <p:extLst>
+      <p:ext uri="{BB962C8B-B14F-4D97-AF65-F5344CB8AC3E}">
+        <p14:creationId xmlns:p14="http://schemas.microsoft.com/office/powerpoint/2010/main" val="420638453"/>
+      </p:ext>
+    </p:extLst>
+  </p:cSld>
+  <p:clrMapOvr>
+    <a:masterClrMapping/>
+  </p:clrMapOvr>
+</p:sld>
+</file>
+
+<file path=ppt/slides/slide18.xml><?xml version="1.0" encoding="utf-8"?>
+<p:sld xmlns:a="http://schemas.openxmlformats.org/drawingml/2006/main" xmlns:r="http://schemas.openxmlformats.org/officeDocument/2006/relationships" xmlns:p="http://schemas.openxmlformats.org/presentationml/2006/main">
+  <p:cSld>
+    <p:spTree>
+      <p:nvGrpSpPr>
+        <p:cNvPr id="1" name=""/>
+        <p:cNvGrpSpPr/>
+        <p:nvPr/>
+      </p:nvGrpSpPr>
+      <p:grpSpPr>
+        <a:xfrm>
+          <a:off x="0" y="0"/>
+          <a:ext cx="0" cy="0"/>
+          <a:chOff x="0" y="0"/>
+          <a:chExt cx="0" cy="0"/>
+        </a:xfrm>
+      </p:grpSpPr>
+      <p:sp>
+        <p:nvSpPr>
+          <p:cNvPr id="2" name="Título 1">
+            <a:extLst>
+              <a:ext uri="{FF2B5EF4-FFF2-40B4-BE49-F238E27FC236}">
                 <a16:creationId xmlns:a16="http://schemas.microsoft.com/office/drawing/2014/main" id="{C185ED7C-BA67-5F57-E37A-3AB7E240D73C}"/>
               </a:ext>
             </a:extLst>
@@ -4790,7 +4881,7 @@
 </p:sld>
 </file>
 
-<file path=ppt/slides/slide18.xml><?xml version="1.0" encoding="utf-8"?>
+<file path=ppt/slides/slide19.xml><?xml version="1.0" encoding="utf-8"?>
 <p:sld xmlns:a="http://schemas.openxmlformats.org/drawingml/2006/main" xmlns:r="http://schemas.openxmlformats.org/officeDocument/2006/relationships" xmlns:p="http://schemas.openxmlformats.org/presentationml/2006/main">
   <p:cSld>
     <p:spTree>
@@ -4880,103 +4971,6 @@
 </p:sld>
 </file>
 
-<file path=ppt/slides/slide19.xml><?xml version="1.0" encoding="utf-8"?>
-<p:sld xmlns:a="http://schemas.openxmlformats.org/drawingml/2006/main" xmlns:r="http://schemas.openxmlformats.org/officeDocument/2006/relationships" xmlns:p="http://schemas.openxmlformats.org/presentationml/2006/main">
-  <p:cSld>
-    <p:spTree>
-      <p:nvGrpSpPr>
-        <p:cNvPr id="1" name=""/>
-        <p:cNvGrpSpPr/>
-        <p:nvPr/>
-      </p:nvGrpSpPr>
-      <p:grpSpPr>
-        <a:xfrm>
-          <a:off x="0" y="0"/>
-          <a:ext cx="0" cy="0"/>
-          <a:chOff x="0" y="0"/>
-          <a:chExt cx="0" cy="0"/>
-        </a:xfrm>
-      </p:grpSpPr>
-      <p:sp>
-        <p:nvSpPr>
-          <p:cNvPr id="2" name="Título 1">
-            <a:extLst>
-              <a:ext uri="{FF2B5EF4-FFF2-40B4-BE49-F238E27FC236}">
-                <a16:creationId xmlns:a16="http://schemas.microsoft.com/office/drawing/2014/main" id="{223D2B19-0919-A041-8870-361F848C6E81}"/>
-              </a:ext>
-            </a:extLst>
-          </p:cNvPr>
-          <p:cNvSpPr>
-            <a:spLocks noGrp="1"/>
-          </p:cNvSpPr>
-          <p:nvPr>
-            <p:ph type="title"/>
-          </p:nvPr>
-        </p:nvSpPr>
-        <p:spPr/>
-        <p:txBody>
-          <a:bodyPr/>
-          <a:lstStyle/>
-          <a:p>
-            <a:pPr algn="ctr"/>
-            <a:r>
-              <a:rPr lang="es-ES" b="1" dirty="0"/>
-              <a:t>CONCLUSIONES Y LECCIONES APRENDIDAS</a:t>
-            </a:r>
-          </a:p>
-        </p:txBody>
-      </p:sp>
-      <p:sp>
-        <p:nvSpPr>
-          <p:cNvPr id="3" name="Marcador de contenido 2">
-            <a:extLst>
-              <a:ext uri="{FF2B5EF4-FFF2-40B4-BE49-F238E27FC236}">
-                <a16:creationId xmlns:a16="http://schemas.microsoft.com/office/drawing/2014/main" id="{935C0F9D-1D68-36B5-D414-D8945CD7528B}"/>
-              </a:ext>
-            </a:extLst>
-          </p:cNvPr>
-          <p:cNvSpPr>
-            <a:spLocks noGrp="1"/>
-          </p:cNvSpPr>
-          <p:nvPr>
-            <p:ph idx="1"/>
-          </p:nvPr>
-        </p:nvSpPr>
-        <p:spPr>
-          <a:xfrm>
-            <a:off x="838200" y="1825625"/>
-            <a:ext cx="10515600" cy="2208152"/>
-          </a:xfrm>
-        </p:spPr>
-        <p:txBody>
-          <a:bodyPr>
-            <a:normAutofit/>
-          </a:bodyPr>
-          <a:lstStyle/>
-          <a:p>
-            <a:pPr marL="0" indent="0" algn="just">
-              <a:buNone/>
-            </a:pPr>
-            <a:r>
-              <a:rPr lang="es-ES" sz="2200" dirty="0"/>
-              <a:t>La organización al detalle es primordial para poder ejecutar un proyecto de manera viable ya que, un proyecto de ingeniería tiene cientos de parámetros que hay que tener en cuenta y que deben ser coordinados y coherentes para que todo funcione correctamente. Por ello hemos aprendido ciertas herramientas que nos facilitan llevar a cabo todo esto como ‘Jira’, ‘Project’ así como parámetros a tener en cuenta y análisis concluir la realización del proyecto.</a:t>
-            </a:r>
-          </a:p>
-        </p:txBody>
-      </p:sp>
-    </p:spTree>
-    <p:extLst>
-      <p:ext uri="{BB962C8B-B14F-4D97-AF65-F5344CB8AC3E}">
-        <p14:creationId xmlns:p14="http://schemas.microsoft.com/office/powerpoint/2010/main" val="3088629900"/>
-      </p:ext>
-    </p:extLst>
-  </p:cSld>
-  <p:clrMapOvr>
-    <a:masterClrMapping/>
-  </p:clrMapOvr>
-</p:sld>
-</file>
-
 <file path=ppt/slides/slide2.xml><?xml version="1.0" encoding="utf-8"?>
 <p:sld xmlns:a="http://schemas.openxmlformats.org/drawingml/2006/main" xmlns:r="http://schemas.openxmlformats.org/officeDocument/2006/relationships" xmlns:p="http://schemas.openxmlformats.org/presentationml/2006/main">
   <p:cSld>
@@ -5225,6 +5219,103 @@
     <p:extLst>
       <p:ext uri="{BB962C8B-B14F-4D97-AF65-F5344CB8AC3E}">
         <p14:creationId xmlns:p14="http://schemas.microsoft.com/office/powerpoint/2010/main" val="4184171628"/>
+      </p:ext>
+    </p:extLst>
+  </p:cSld>
+  <p:clrMapOvr>
+    <a:masterClrMapping/>
+  </p:clrMapOvr>
+</p:sld>
+</file>
+
+<file path=ppt/slides/slide20.xml><?xml version="1.0" encoding="utf-8"?>
+<p:sld xmlns:a="http://schemas.openxmlformats.org/drawingml/2006/main" xmlns:r="http://schemas.openxmlformats.org/officeDocument/2006/relationships" xmlns:p="http://schemas.openxmlformats.org/presentationml/2006/main">
+  <p:cSld>
+    <p:spTree>
+      <p:nvGrpSpPr>
+        <p:cNvPr id="1" name=""/>
+        <p:cNvGrpSpPr/>
+        <p:nvPr/>
+      </p:nvGrpSpPr>
+      <p:grpSpPr>
+        <a:xfrm>
+          <a:off x="0" y="0"/>
+          <a:ext cx="0" cy="0"/>
+          <a:chOff x="0" y="0"/>
+          <a:chExt cx="0" cy="0"/>
+        </a:xfrm>
+      </p:grpSpPr>
+      <p:sp>
+        <p:nvSpPr>
+          <p:cNvPr id="2" name="Título 1">
+            <a:extLst>
+              <a:ext uri="{FF2B5EF4-FFF2-40B4-BE49-F238E27FC236}">
+                <a16:creationId xmlns:a16="http://schemas.microsoft.com/office/drawing/2014/main" id="{223D2B19-0919-A041-8870-361F848C6E81}"/>
+              </a:ext>
+            </a:extLst>
+          </p:cNvPr>
+          <p:cNvSpPr>
+            <a:spLocks noGrp="1"/>
+          </p:cNvSpPr>
+          <p:nvPr>
+            <p:ph type="title"/>
+          </p:nvPr>
+        </p:nvSpPr>
+        <p:spPr/>
+        <p:txBody>
+          <a:bodyPr/>
+          <a:lstStyle/>
+          <a:p>
+            <a:pPr algn="ctr"/>
+            <a:r>
+              <a:rPr lang="es-ES" b="1" dirty="0"/>
+              <a:t>CONCLUSIONES Y LECCIONES APRENDIDAS</a:t>
+            </a:r>
+          </a:p>
+        </p:txBody>
+      </p:sp>
+      <p:sp>
+        <p:nvSpPr>
+          <p:cNvPr id="3" name="Marcador de contenido 2">
+            <a:extLst>
+              <a:ext uri="{FF2B5EF4-FFF2-40B4-BE49-F238E27FC236}">
+                <a16:creationId xmlns:a16="http://schemas.microsoft.com/office/drawing/2014/main" id="{935C0F9D-1D68-36B5-D414-D8945CD7528B}"/>
+              </a:ext>
+            </a:extLst>
+          </p:cNvPr>
+          <p:cNvSpPr>
+            <a:spLocks noGrp="1"/>
+          </p:cNvSpPr>
+          <p:nvPr>
+            <p:ph idx="1"/>
+          </p:nvPr>
+        </p:nvSpPr>
+        <p:spPr>
+          <a:xfrm>
+            <a:off x="838200" y="1825625"/>
+            <a:ext cx="10515600" cy="2208152"/>
+          </a:xfrm>
+        </p:spPr>
+        <p:txBody>
+          <a:bodyPr>
+            <a:normAutofit/>
+          </a:bodyPr>
+          <a:lstStyle/>
+          <a:p>
+            <a:pPr marL="0" indent="0" algn="just">
+              <a:buNone/>
+            </a:pPr>
+            <a:r>
+              <a:rPr lang="es-ES" sz="2200" dirty="0"/>
+              <a:t>La organización al detalle es primordial para poder ejecutar un proyecto de manera viable ya que, un proyecto de ingeniería tiene cientos de parámetros que hay que tener en cuenta y que deben ser coordinados y coherentes para que todo funcione correctamente. Por ello hemos aprendido ciertas herramientas que nos facilitan llevar a cabo todo esto como ‘Jira’, ‘Project’ así como parámetros a tener en cuenta y análisis concluir la realización del proyecto.</a:t>
+            </a:r>
+          </a:p>
+        </p:txBody>
+      </p:sp>
+    </p:spTree>
+    <p:extLst>
+      <p:ext uri="{BB962C8B-B14F-4D97-AF65-F5344CB8AC3E}">
+        <p14:creationId xmlns:p14="http://schemas.microsoft.com/office/powerpoint/2010/main" val="3088629900"/>
       </p:ext>
     </p:extLst>
   </p:cSld>

--- a/CSMAG.pptx
+++ b/CSMAG.pptx
@@ -3967,6 +3967,42 @@
           </a:p>
         </p:txBody>
       </p:sp>
+      <p:pic>
+        <p:nvPicPr>
+          <p:cNvPr id="8" name="Imagen 7" descr="Interfaz de usuario gráfica, Aplicación, Tabla, Excel&#10;&#10;Descripción generada automáticamente">
+            <a:extLst>
+              <a:ext uri="{FF2B5EF4-FFF2-40B4-BE49-F238E27FC236}">
+                <a16:creationId xmlns:a16="http://schemas.microsoft.com/office/drawing/2014/main" id="{D147243A-42F8-1E31-9F63-51D9062CBB25}"/>
+              </a:ext>
+            </a:extLst>
+          </p:cNvPr>
+          <p:cNvPicPr>
+            <a:picLocks noChangeAspect="1"/>
+          </p:cNvPicPr>
+          <p:nvPr/>
+        </p:nvPicPr>
+        <p:blipFill>
+          <a:blip r:embed="rId2">
+            <a:extLst>
+              <a:ext uri="{28A0092B-C50C-407E-A947-70E740481C1C}">
+                <a14:useLocalDpi xmlns:a14="http://schemas.microsoft.com/office/drawing/2010/main" val="0"/>
+              </a:ext>
+            </a:extLst>
+          </a:blip>
+          <a:stretch>
+            <a:fillRect/>
+          </a:stretch>
+        </p:blipFill>
+        <p:spPr>
+          <a:xfrm>
+            <a:off x="1161506" y="1520636"/>
+            <a:ext cx="9868988" cy="4848141"/>
+          </a:xfrm>
+          <a:prstGeom prst="rect">
+            <a:avLst/>
+          </a:prstGeom>
+        </p:spPr>
+      </p:pic>
     </p:spTree>
     <p:extLst>
       <p:ext uri="{BB962C8B-B14F-4D97-AF65-F5344CB8AC3E}">
@@ -4664,8 +4700,8 @@
         </p:nvSpPr>
         <p:spPr>
           <a:xfrm>
-            <a:off x="838200" y="5181185"/>
-            <a:ext cx="3242821" cy="646331"/>
+            <a:off x="783771" y="4978710"/>
+            <a:ext cx="3213462" cy="369332"/>
           </a:xfrm>
           <a:prstGeom prst="rect">
             <a:avLst/>
@@ -4684,7 +4720,7 @@
             </a:r>
             <a:r>
               <a:rPr lang="es-ES" dirty="0"/>
-              <a:t> 250.000 € (mirarlo bien)</a:t>
+              <a:t> 55.076,4€</a:t>
             </a:r>
           </a:p>
         </p:txBody>

--- a/CSMAG.pptx
+++ b/CSMAG.pptx
@@ -4,6 +4,9 @@
   <p:sldMasterIdLst>
     <p:sldMasterId id="2147483648" r:id="rId1"/>
   </p:sldMasterIdLst>
+  <p:notesMasterIdLst>
+    <p:notesMasterId r:id="rId22"/>
+  </p:notesMasterIdLst>
   <p:sldIdLst>
     <p:sldId id="256" r:id="rId2"/>
     <p:sldId id="266" r:id="rId3"/>
@@ -129,6 +132,439 @@
     </p:ext>
   </p:extLst>
 </p:presentation>
+</file>
+
+<file path=ppt/notesMasters/notesMaster1.xml><?xml version="1.0" encoding="utf-8"?>
+<p:notesMaster xmlns:a="http://schemas.openxmlformats.org/drawingml/2006/main" xmlns:r="http://schemas.openxmlformats.org/officeDocument/2006/relationships" xmlns:p="http://schemas.openxmlformats.org/presentationml/2006/main">
+  <p:cSld>
+    <p:bg>
+      <p:bgRef idx="1001">
+        <a:schemeClr val="bg1"/>
+      </p:bgRef>
+    </p:bg>
+    <p:spTree>
+      <p:nvGrpSpPr>
+        <p:cNvPr id="1" name=""/>
+        <p:cNvGrpSpPr/>
+        <p:nvPr/>
+      </p:nvGrpSpPr>
+      <p:grpSpPr>
+        <a:xfrm>
+          <a:off x="0" y="0"/>
+          <a:ext cx="0" cy="0"/>
+          <a:chOff x="0" y="0"/>
+          <a:chExt cx="0" cy="0"/>
+        </a:xfrm>
+      </p:grpSpPr>
+      <p:sp>
+        <p:nvSpPr>
+          <p:cNvPr id="2" name="Marcador de encabezado 1"/>
+          <p:cNvSpPr>
+            <a:spLocks noGrp="1"/>
+          </p:cNvSpPr>
+          <p:nvPr>
+            <p:ph type="hdr" sz="quarter"/>
+          </p:nvPr>
+        </p:nvSpPr>
+        <p:spPr>
+          <a:xfrm>
+            <a:off x="0" y="0"/>
+            <a:ext cx="2971800" cy="458788"/>
+          </a:xfrm>
+          <a:prstGeom prst="rect">
+            <a:avLst/>
+          </a:prstGeom>
+        </p:spPr>
+        <p:txBody>
+          <a:bodyPr vert="horz" lIns="91440" tIns="45720" rIns="91440" bIns="45720" rtlCol="0"/>
+          <a:lstStyle>
+            <a:lvl1pPr algn="l">
+              <a:defRPr sz="1200"/>
+            </a:lvl1pPr>
+          </a:lstStyle>
+          <a:p>
+            <a:endParaRPr lang="es-ES"/>
+          </a:p>
+        </p:txBody>
+      </p:sp>
+      <p:sp>
+        <p:nvSpPr>
+          <p:cNvPr id="3" name="Marcador de fecha 2"/>
+          <p:cNvSpPr>
+            <a:spLocks noGrp="1"/>
+          </p:cNvSpPr>
+          <p:nvPr>
+            <p:ph type="dt" idx="1"/>
+          </p:nvPr>
+        </p:nvSpPr>
+        <p:spPr>
+          <a:xfrm>
+            <a:off x="3884613" y="0"/>
+            <a:ext cx="2971800" cy="458788"/>
+          </a:xfrm>
+          <a:prstGeom prst="rect">
+            <a:avLst/>
+          </a:prstGeom>
+        </p:spPr>
+        <p:txBody>
+          <a:bodyPr vert="horz" lIns="91440" tIns="45720" rIns="91440" bIns="45720" rtlCol="0"/>
+          <a:lstStyle>
+            <a:lvl1pPr algn="r">
+              <a:defRPr sz="1200"/>
+            </a:lvl1pPr>
+          </a:lstStyle>
+          <a:p>
+            <a:fld id="{0FE7447C-903A-4B60-A1C4-763B75AF45E0}" type="datetimeFigureOut">
+              <a:rPr lang="es-ES" smtClean="0"/>
+              <a:t>12/12/2022</a:t>
+            </a:fld>
+            <a:endParaRPr lang="es-ES"/>
+          </a:p>
+        </p:txBody>
+      </p:sp>
+      <p:sp>
+        <p:nvSpPr>
+          <p:cNvPr id="4" name="Marcador de imagen de diapositiva 3"/>
+          <p:cNvSpPr>
+            <a:spLocks noGrp="1" noRot="1" noChangeAspect="1"/>
+          </p:cNvSpPr>
+          <p:nvPr>
+            <p:ph type="sldImg" idx="2"/>
+          </p:nvPr>
+        </p:nvSpPr>
+        <p:spPr>
+          <a:xfrm>
+            <a:off x="685800" y="1143000"/>
+            <a:ext cx="5486400" cy="3086100"/>
+          </a:xfrm>
+          <a:prstGeom prst="rect">
+            <a:avLst/>
+          </a:prstGeom>
+          <a:noFill/>
+          <a:ln w="12700">
+            <a:solidFill>
+              <a:prstClr val="black"/>
+            </a:solidFill>
+          </a:ln>
+        </p:spPr>
+        <p:txBody>
+          <a:bodyPr vert="horz" lIns="91440" tIns="45720" rIns="91440" bIns="45720" rtlCol="0" anchor="ctr"/>
+          <a:lstStyle/>
+          <a:p>
+            <a:endParaRPr lang="es-ES"/>
+          </a:p>
+        </p:txBody>
+      </p:sp>
+      <p:sp>
+        <p:nvSpPr>
+          <p:cNvPr id="5" name="Marcador de notas 4"/>
+          <p:cNvSpPr>
+            <a:spLocks noGrp="1"/>
+          </p:cNvSpPr>
+          <p:nvPr>
+            <p:ph type="body" sz="quarter" idx="3"/>
+          </p:nvPr>
+        </p:nvSpPr>
+        <p:spPr>
+          <a:xfrm>
+            <a:off x="685800" y="4400550"/>
+            <a:ext cx="5486400" cy="3600450"/>
+          </a:xfrm>
+          <a:prstGeom prst="rect">
+            <a:avLst/>
+          </a:prstGeom>
+        </p:spPr>
+        <p:txBody>
+          <a:bodyPr vert="horz" lIns="91440" tIns="45720" rIns="91440" bIns="45720" rtlCol="0"/>
+          <a:lstStyle/>
+          <a:p>
+            <a:pPr lvl="0"/>
+            <a:r>
+              <a:rPr lang="es-ES"/>
+              <a:t>Haga clic para modificar los estilos de texto del patrón</a:t>
+            </a:r>
+          </a:p>
+          <a:p>
+            <a:pPr lvl="1"/>
+            <a:r>
+              <a:rPr lang="es-ES"/>
+              <a:t>Segundo nivel</a:t>
+            </a:r>
+          </a:p>
+          <a:p>
+            <a:pPr lvl="2"/>
+            <a:r>
+              <a:rPr lang="es-ES"/>
+              <a:t>Tercer nivel</a:t>
+            </a:r>
+          </a:p>
+          <a:p>
+            <a:pPr lvl="3"/>
+            <a:r>
+              <a:rPr lang="es-ES"/>
+              <a:t>Cuarto nivel</a:t>
+            </a:r>
+          </a:p>
+          <a:p>
+            <a:pPr lvl="4"/>
+            <a:r>
+              <a:rPr lang="es-ES"/>
+              <a:t>Quinto nivel</a:t>
+            </a:r>
+          </a:p>
+        </p:txBody>
+      </p:sp>
+      <p:sp>
+        <p:nvSpPr>
+          <p:cNvPr id="6" name="Marcador de pie de página 5"/>
+          <p:cNvSpPr>
+            <a:spLocks noGrp="1"/>
+          </p:cNvSpPr>
+          <p:nvPr>
+            <p:ph type="ftr" sz="quarter" idx="4"/>
+          </p:nvPr>
+        </p:nvSpPr>
+        <p:spPr>
+          <a:xfrm>
+            <a:off x="0" y="8685213"/>
+            <a:ext cx="2971800" cy="458787"/>
+          </a:xfrm>
+          <a:prstGeom prst="rect">
+            <a:avLst/>
+          </a:prstGeom>
+        </p:spPr>
+        <p:txBody>
+          <a:bodyPr vert="horz" lIns="91440" tIns="45720" rIns="91440" bIns="45720" rtlCol="0" anchor="b"/>
+          <a:lstStyle>
+            <a:lvl1pPr algn="l">
+              <a:defRPr sz="1200"/>
+            </a:lvl1pPr>
+          </a:lstStyle>
+          <a:p>
+            <a:endParaRPr lang="es-ES"/>
+          </a:p>
+        </p:txBody>
+      </p:sp>
+      <p:sp>
+        <p:nvSpPr>
+          <p:cNvPr id="7" name="Marcador de número de diapositiva 6"/>
+          <p:cNvSpPr>
+            <a:spLocks noGrp="1"/>
+          </p:cNvSpPr>
+          <p:nvPr>
+            <p:ph type="sldNum" sz="quarter" idx="5"/>
+          </p:nvPr>
+        </p:nvSpPr>
+        <p:spPr>
+          <a:xfrm>
+            <a:off x="3884613" y="8685213"/>
+            <a:ext cx="2971800" cy="458787"/>
+          </a:xfrm>
+          <a:prstGeom prst="rect">
+            <a:avLst/>
+          </a:prstGeom>
+        </p:spPr>
+        <p:txBody>
+          <a:bodyPr vert="horz" lIns="91440" tIns="45720" rIns="91440" bIns="45720" rtlCol="0" anchor="b"/>
+          <a:lstStyle>
+            <a:lvl1pPr algn="r">
+              <a:defRPr sz="1200"/>
+            </a:lvl1pPr>
+          </a:lstStyle>
+          <a:p>
+            <a:fld id="{FCAC72FC-DE08-420C-B9A9-3F5983BEDA00}" type="slidenum">
+              <a:rPr lang="es-ES" smtClean="0"/>
+              <a:t>‹Nº›</a:t>
+            </a:fld>
+            <a:endParaRPr lang="es-ES"/>
+          </a:p>
+        </p:txBody>
+      </p:sp>
+    </p:spTree>
+    <p:extLst>
+      <p:ext uri="{BB962C8B-B14F-4D97-AF65-F5344CB8AC3E}">
+        <p14:creationId xmlns:p14="http://schemas.microsoft.com/office/powerpoint/2010/main" val="2038092690"/>
+      </p:ext>
+    </p:extLst>
+  </p:cSld>
+  <p:clrMap bg1="lt1" tx1="dk1" bg2="lt2" tx2="dk2" accent1="accent1" accent2="accent2" accent3="accent3" accent4="accent4" accent5="accent5" accent6="accent6" hlink="hlink" folHlink="folHlink"/>
+  <p:notesStyle>
+    <a:lvl1pPr marL="0" algn="l" defTabSz="914400" rtl="0" eaLnBrk="1" latinLnBrk="0" hangingPunct="1">
+      <a:defRPr sz="1200" kern="1200">
+        <a:solidFill>
+          <a:schemeClr val="tx1"/>
+        </a:solidFill>
+        <a:latin typeface="+mn-lt"/>
+        <a:ea typeface="+mn-ea"/>
+        <a:cs typeface="+mn-cs"/>
+      </a:defRPr>
+    </a:lvl1pPr>
+    <a:lvl2pPr marL="457200" algn="l" defTabSz="914400" rtl="0" eaLnBrk="1" latinLnBrk="0" hangingPunct="1">
+      <a:defRPr sz="1200" kern="1200">
+        <a:solidFill>
+          <a:schemeClr val="tx1"/>
+        </a:solidFill>
+        <a:latin typeface="+mn-lt"/>
+        <a:ea typeface="+mn-ea"/>
+        <a:cs typeface="+mn-cs"/>
+      </a:defRPr>
+    </a:lvl2pPr>
+    <a:lvl3pPr marL="914400" algn="l" defTabSz="914400" rtl="0" eaLnBrk="1" latinLnBrk="0" hangingPunct="1">
+      <a:defRPr sz="1200" kern="1200">
+        <a:solidFill>
+          <a:schemeClr val="tx1"/>
+        </a:solidFill>
+        <a:latin typeface="+mn-lt"/>
+        <a:ea typeface="+mn-ea"/>
+        <a:cs typeface="+mn-cs"/>
+      </a:defRPr>
+    </a:lvl3pPr>
+    <a:lvl4pPr marL="1371600" algn="l" defTabSz="914400" rtl="0" eaLnBrk="1" latinLnBrk="0" hangingPunct="1">
+      <a:defRPr sz="1200" kern="1200">
+        <a:solidFill>
+          <a:schemeClr val="tx1"/>
+        </a:solidFill>
+        <a:latin typeface="+mn-lt"/>
+        <a:ea typeface="+mn-ea"/>
+        <a:cs typeface="+mn-cs"/>
+      </a:defRPr>
+    </a:lvl4pPr>
+    <a:lvl5pPr marL="1828800" algn="l" defTabSz="914400" rtl="0" eaLnBrk="1" latinLnBrk="0" hangingPunct="1">
+      <a:defRPr sz="1200" kern="1200">
+        <a:solidFill>
+          <a:schemeClr val="tx1"/>
+        </a:solidFill>
+        <a:latin typeface="+mn-lt"/>
+        <a:ea typeface="+mn-ea"/>
+        <a:cs typeface="+mn-cs"/>
+      </a:defRPr>
+    </a:lvl5pPr>
+    <a:lvl6pPr marL="2286000" algn="l" defTabSz="914400" rtl="0" eaLnBrk="1" latinLnBrk="0" hangingPunct="1">
+      <a:defRPr sz="1200" kern="1200">
+        <a:solidFill>
+          <a:schemeClr val="tx1"/>
+        </a:solidFill>
+        <a:latin typeface="+mn-lt"/>
+        <a:ea typeface="+mn-ea"/>
+        <a:cs typeface="+mn-cs"/>
+      </a:defRPr>
+    </a:lvl6pPr>
+    <a:lvl7pPr marL="2743200" algn="l" defTabSz="914400" rtl="0" eaLnBrk="1" latinLnBrk="0" hangingPunct="1">
+      <a:defRPr sz="1200" kern="1200">
+        <a:solidFill>
+          <a:schemeClr val="tx1"/>
+        </a:solidFill>
+        <a:latin typeface="+mn-lt"/>
+        <a:ea typeface="+mn-ea"/>
+        <a:cs typeface="+mn-cs"/>
+      </a:defRPr>
+    </a:lvl7pPr>
+    <a:lvl8pPr marL="3200400" algn="l" defTabSz="914400" rtl="0" eaLnBrk="1" latinLnBrk="0" hangingPunct="1">
+      <a:defRPr sz="1200" kern="1200">
+        <a:solidFill>
+          <a:schemeClr val="tx1"/>
+        </a:solidFill>
+        <a:latin typeface="+mn-lt"/>
+        <a:ea typeface="+mn-ea"/>
+        <a:cs typeface="+mn-cs"/>
+      </a:defRPr>
+    </a:lvl8pPr>
+    <a:lvl9pPr marL="3657600" algn="l" defTabSz="914400" rtl="0" eaLnBrk="1" latinLnBrk="0" hangingPunct="1">
+      <a:defRPr sz="1200" kern="1200">
+        <a:solidFill>
+          <a:schemeClr val="tx1"/>
+        </a:solidFill>
+        <a:latin typeface="+mn-lt"/>
+        <a:ea typeface="+mn-ea"/>
+        <a:cs typeface="+mn-cs"/>
+      </a:defRPr>
+    </a:lvl9pPr>
+  </p:notesStyle>
+</p:notesMaster>
+</file>
+
+<file path=ppt/notesSlides/notesSlide1.xml><?xml version="1.0" encoding="utf-8"?>
+<p:notes xmlns:a="http://schemas.openxmlformats.org/drawingml/2006/main" xmlns:r="http://schemas.openxmlformats.org/officeDocument/2006/relationships" xmlns:p="http://schemas.openxmlformats.org/presentationml/2006/main">
+  <p:cSld>
+    <p:spTree>
+      <p:nvGrpSpPr>
+        <p:cNvPr id="1" name=""/>
+        <p:cNvGrpSpPr/>
+        <p:nvPr/>
+      </p:nvGrpSpPr>
+      <p:grpSpPr>
+        <a:xfrm>
+          <a:off x="0" y="0"/>
+          <a:ext cx="0" cy="0"/>
+          <a:chOff x="0" y="0"/>
+          <a:chExt cx="0" cy="0"/>
+        </a:xfrm>
+      </p:grpSpPr>
+      <p:sp>
+        <p:nvSpPr>
+          <p:cNvPr id="2" name="Marcador de imagen de diapositiva 1"/>
+          <p:cNvSpPr>
+            <a:spLocks noGrp="1" noRot="1" noChangeAspect="1"/>
+          </p:cNvSpPr>
+          <p:nvPr>
+            <p:ph type="sldImg"/>
+          </p:nvPr>
+        </p:nvSpPr>
+        <p:spPr/>
+      </p:sp>
+      <p:sp>
+        <p:nvSpPr>
+          <p:cNvPr id="3" name="Marcador de notas 2"/>
+          <p:cNvSpPr>
+            <a:spLocks noGrp="1"/>
+          </p:cNvSpPr>
+          <p:nvPr>
+            <p:ph type="body" idx="1"/>
+          </p:nvPr>
+        </p:nvSpPr>
+        <p:spPr/>
+        <p:txBody>
+          <a:bodyPr/>
+          <a:lstStyle/>
+          <a:p>
+            <a:endParaRPr lang="es-ES" dirty="0"/>
+          </a:p>
+        </p:txBody>
+      </p:sp>
+      <p:sp>
+        <p:nvSpPr>
+          <p:cNvPr id="4" name="Marcador de número de diapositiva 3"/>
+          <p:cNvSpPr>
+            <a:spLocks noGrp="1"/>
+          </p:cNvSpPr>
+          <p:nvPr>
+            <p:ph type="sldNum" sz="quarter" idx="5"/>
+          </p:nvPr>
+        </p:nvSpPr>
+        <p:spPr/>
+        <p:txBody>
+          <a:bodyPr/>
+          <a:lstStyle/>
+          <a:p>
+            <a:fld id="{FCAC72FC-DE08-420C-B9A9-3F5983BEDA00}" type="slidenum">
+              <a:rPr lang="es-ES" smtClean="0"/>
+              <a:t>5</a:t>
+            </a:fld>
+            <a:endParaRPr lang="es-ES"/>
+          </a:p>
+        </p:txBody>
+      </p:sp>
+    </p:spTree>
+    <p:extLst>
+      <p:ext uri="{BB962C8B-B14F-4D97-AF65-F5344CB8AC3E}">
+        <p14:creationId xmlns:p14="http://schemas.microsoft.com/office/powerpoint/2010/main" val="3903268490"/>
+      </p:ext>
+    </p:extLst>
+  </p:cSld>
+  <p:clrMapOvr>
+    <a:masterClrMapping/>
+  </p:clrMapOvr>
+</p:notes>
 </file>
 
 <file path=ppt/slideLayouts/slideLayout1.xml><?xml version="1.0" encoding="utf-8"?>
@@ -5157,7 +5593,7 @@
             </a:r>
             <a:r>
               <a:rPr lang="es-ES" sz="2400" dirty="0" err="1"/>
-              <a:t>Ezzekaoui</a:t>
+              <a:t>Ezzekraoui</a:t>
             </a:r>
             <a:r>
               <a:rPr lang="es-ES" sz="2400" dirty="0"/>
@@ -5165,7 +5601,7 @@
             </a:r>
             <a:r>
               <a:rPr lang="es-ES" sz="2400" dirty="0" err="1"/>
-              <a:t>Ezzekaoui</a:t>
+              <a:t>Ezzekraoui</a:t>
             </a:r>
             <a:r>
               <a:rPr lang="es-ES" sz="2400" dirty="0"/>
@@ -5238,7 +5674,7 @@
               <a:t> </a:t>
             </a:r>
             <a:r>
-              <a:rPr lang="es-ES" sz="2400"/>
+              <a:rPr lang="es-ES" sz="2400" dirty="0" err="1"/>
               <a:t>Ezzekraoui</a:t>
             </a:r>
             <a:endParaRPr lang="es-ES" sz="2400" dirty="0"/>
@@ -5328,8 +5764,8 @@
         </p:nvSpPr>
         <p:spPr>
           <a:xfrm>
-            <a:off x="838200" y="1825625"/>
-            <a:ext cx="10515600" cy="2208152"/>
+            <a:off x="838200" y="1825624"/>
+            <a:ext cx="10515600" cy="3538856"/>
           </a:xfrm>
         </p:spPr>
         <p:txBody>
@@ -5338,12 +5774,31 @@
           </a:bodyPr>
           <a:lstStyle/>
           <a:p>
-            <a:pPr marL="0" indent="0" algn="just">
-              <a:buNone/>
-            </a:pPr>
+            <a:pPr algn="just"/>
             <a:r>
               <a:rPr lang="es-ES" sz="2200" dirty="0"/>
-              <a:t>La organización al detalle es primordial para poder ejecutar un proyecto de manera viable ya que, un proyecto de ingeniería tiene cientos de parámetros que hay que tener en cuenta y que deben ser coordinados y coherentes para que todo funcione correctamente. Por ello hemos aprendido ciertas herramientas que nos facilitan llevar a cabo todo esto como ‘Jira’, ‘Project’ así como parámetros a tener en cuenta y análisis concluir la realización del proyecto.</a:t>
+              <a:t>La organización al detalle es primordial para poder ejecutar un proyecto de manera viable ya que, un proyecto de ingeniería tiene cientos de parámetros que hay que tener en cuenta.</a:t>
+            </a:r>
+          </a:p>
+          <a:p>
+            <a:pPr algn="just"/>
+            <a:r>
+              <a:rPr lang="es-ES" sz="2200" dirty="0"/>
+              <a:t>Esos parámetros deben ser coordinados y coherentes para que todo funcione correctamente. </a:t>
+            </a:r>
+          </a:p>
+          <a:p>
+            <a:pPr algn="just"/>
+            <a:r>
+              <a:rPr lang="es-ES" sz="2200" dirty="0"/>
+              <a:t>Hemos aprendido ciertas herramientas que nos facilitan llevar a cabo todo esto como ‘Jira’, ‘Project’.</a:t>
+            </a:r>
+          </a:p>
+          <a:p>
+            <a:pPr algn="just"/>
+            <a:r>
+              <a:rPr lang="es-ES" sz="2200" dirty="0"/>
+              <a:t>Qué parámetros hay que tener en cuenta y con que análisis se puede concluir la realización del proyecto.</a:t>
             </a:r>
           </a:p>
         </p:txBody>
@@ -6181,7 +6636,7 @@
           <p:nvPr/>
         </p:nvPicPr>
         <p:blipFill>
-          <a:blip r:embed="rId2">
+          <a:blip r:embed="rId3">
             <a:extLst>
               <a:ext uri="{28A0092B-C50C-407E-A947-70E740481C1C}">
                 <a14:useLocalDpi xmlns:a14="http://schemas.microsoft.com/office/drawing/2010/main" val="0"/>
@@ -7084,4 +7539,299 @@
     </a:ext>
   </a:extLst>
 </a:theme>
+</file>
+
+<file path=ppt/theme/theme2.xml><?xml version="1.0" encoding="utf-8"?>
+<a:theme xmlns:a="http://schemas.openxmlformats.org/drawingml/2006/main" name="Tema de Office">
+  <a:themeElements>
+    <a:clrScheme name="Office">
+      <a:dk1>
+        <a:sysClr val="windowText" lastClr="000000"/>
+      </a:dk1>
+      <a:lt1>
+        <a:sysClr val="window" lastClr="FFFFFF"/>
+      </a:lt1>
+      <a:dk2>
+        <a:srgbClr val="44546A"/>
+      </a:dk2>
+      <a:lt2>
+        <a:srgbClr val="E7E6E6"/>
+      </a:lt2>
+      <a:accent1>
+        <a:srgbClr val="4472C4"/>
+      </a:accent1>
+      <a:accent2>
+        <a:srgbClr val="ED7D31"/>
+      </a:accent2>
+      <a:accent3>
+        <a:srgbClr val="A5A5A5"/>
+      </a:accent3>
+      <a:accent4>
+        <a:srgbClr val="FFC000"/>
+      </a:accent4>
+      <a:accent5>
+        <a:srgbClr val="5B9BD5"/>
+      </a:accent5>
+      <a:accent6>
+        <a:srgbClr val="70AD47"/>
+      </a:accent6>
+      <a:hlink>
+        <a:srgbClr val="0563C1"/>
+      </a:hlink>
+      <a:folHlink>
+        <a:srgbClr val="954F72"/>
+      </a:folHlink>
+    </a:clrScheme>
+    <a:fontScheme name="Office">
+      <a:majorFont>
+        <a:latin typeface="Calibri Light" panose="020F0302020204030204"/>
+        <a:ea typeface=""/>
+        <a:cs typeface=""/>
+        <a:font script="Jpan" typeface="游ゴシック Light"/>
+        <a:font script="Hang" typeface="맑은 고딕"/>
+        <a:font script="Hans" typeface="等线 Light"/>
+        <a:font script="Hant" typeface="新細明體"/>
+        <a:font script="Arab" typeface="Times New Roman"/>
+        <a:font script="Hebr" typeface="Times New Roman"/>
+        <a:font script="Thai" typeface="Angsana New"/>
+        <a:font script="Ethi" typeface="Nyala"/>
+        <a:font script="Beng" typeface="Vrinda"/>
+        <a:font script="Gujr" typeface="Shruti"/>
+        <a:font script="Khmr" typeface="MoolBoran"/>
+        <a:font script="Knda" typeface="Tunga"/>
+        <a:font script="Guru" typeface="Raavi"/>
+        <a:font script="Cans" typeface="Euphemia"/>
+        <a:font script="Cher" typeface="Plantagenet Cherokee"/>
+        <a:font script="Yiii" typeface="Microsoft Yi Baiti"/>
+        <a:font script="Tibt" typeface="Microsoft Himalaya"/>
+        <a:font script="Thaa" typeface="MV Boli"/>
+        <a:font script="Deva" typeface="Mangal"/>
+        <a:font script="Telu" typeface="Gautami"/>
+        <a:font script="Taml" typeface="Latha"/>
+        <a:font script="Syrc" typeface="Estrangelo Edessa"/>
+        <a:font script="Orya" typeface="Kalinga"/>
+        <a:font script="Mlym" typeface="Kartika"/>
+        <a:font script="Laoo" typeface="DokChampa"/>
+        <a:font script="Sinh" typeface="Iskoola Pota"/>
+        <a:font script="Mong" typeface="Mongolian Baiti"/>
+        <a:font script="Viet" typeface="Times New Roman"/>
+        <a:font script="Uigh" typeface="Microsoft Uighur"/>
+        <a:font script="Geor" typeface="Sylfaen"/>
+        <a:font script="Armn" typeface="Arial"/>
+        <a:font script="Bugi" typeface="Leelawadee UI"/>
+        <a:font script="Bopo" typeface="Microsoft JhengHei"/>
+        <a:font script="Java" typeface="Javanese Text"/>
+        <a:font script="Lisu" typeface="Segoe UI"/>
+        <a:font script="Mymr" typeface="Myanmar Text"/>
+        <a:font script="Nkoo" typeface="Ebrima"/>
+        <a:font script="Olck" typeface="Nirmala UI"/>
+        <a:font script="Osma" typeface="Ebrima"/>
+        <a:font script="Phag" typeface="Phagspa"/>
+        <a:font script="Syrn" typeface="Estrangelo Edessa"/>
+        <a:font script="Syrj" typeface="Estrangelo Edessa"/>
+        <a:font script="Syre" typeface="Estrangelo Edessa"/>
+        <a:font script="Sora" typeface="Nirmala UI"/>
+        <a:font script="Tale" typeface="Microsoft Tai Le"/>
+        <a:font script="Talu" typeface="Microsoft New Tai Lue"/>
+        <a:font script="Tfng" typeface="Ebrima"/>
+      </a:majorFont>
+      <a:minorFont>
+        <a:latin typeface="Calibri" panose="020F0502020204030204"/>
+        <a:ea typeface=""/>
+        <a:cs typeface=""/>
+        <a:font script="Jpan" typeface="游ゴシック"/>
+        <a:font script="Hang" typeface="맑은 고딕"/>
+        <a:font script="Hans" typeface="等线"/>
+        <a:font script="Hant" typeface="新細明體"/>
+        <a:font script="Arab" typeface="Arial"/>
+        <a:font script="Hebr" typeface="Arial"/>
+        <a:font script="Thai" typeface="Cordia New"/>
+        <a:font script="Ethi" typeface="Nyala"/>
+        <a:font script="Beng" typeface="Vrinda"/>
+        <a:font script="Gujr" typeface="Shruti"/>
+        <a:font script="Khmr" typeface="DaunPenh"/>
+        <a:font script="Knda" typeface="Tunga"/>
+        <a:font script="Guru" typeface="Raavi"/>
+        <a:font script="Cans" typeface="Euphemia"/>
+        <a:font script="Cher" typeface="Plantagenet Cherokee"/>
+        <a:font script="Yiii" typeface="Microsoft Yi Baiti"/>
+        <a:font script="Tibt" typeface="Microsoft Himalaya"/>
+        <a:font script="Thaa" typeface="MV Boli"/>
+        <a:font script="Deva" typeface="Mangal"/>
+        <a:font script="Telu" typeface="Gautami"/>
+        <a:font script="Taml" typeface="Latha"/>
+        <a:font script="Syrc" typeface="Estrangelo Edessa"/>
+        <a:font script="Orya" typeface="Kalinga"/>
+        <a:font script="Mlym" typeface="Kartika"/>
+        <a:font script="Laoo" typeface="DokChampa"/>
+        <a:font script="Sinh" typeface="Iskoola Pota"/>
+        <a:font script="Mong" typeface="Mongolian Baiti"/>
+        <a:font script="Viet" typeface="Arial"/>
+        <a:font script="Uigh" typeface="Microsoft Uighur"/>
+        <a:font script="Geor" typeface="Sylfaen"/>
+        <a:font script="Armn" typeface="Arial"/>
+        <a:font script="Bugi" typeface="Leelawadee UI"/>
+        <a:font script="Bopo" typeface="Microsoft JhengHei"/>
+        <a:font script="Java" typeface="Javanese Text"/>
+        <a:font script="Lisu" typeface="Segoe UI"/>
+        <a:font script="Mymr" typeface="Myanmar Text"/>
+        <a:font script="Nkoo" typeface="Ebrima"/>
+        <a:font script="Olck" typeface="Nirmala UI"/>
+        <a:font script="Osma" typeface="Ebrima"/>
+        <a:font script="Phag" typeface="Phagspa"/>
+        <a:font script="Syrn" typeface="Estrangelo Edessa"/>
+        <a:font script="Syrj" typeface="Estrangelo Edessa"/>
+        <a:font script="Syre" typeface="Estrangelo Edessa"/>
+        <a:font script="Sora" typeface="Nirmala UI"/>
+        <a:font script="Tale" typeface="Microsoft Tai Le"/>
+        <a:font script="Talu" typeface="Microsoft New Tai Lue"/>
+        <a:font script="Tfng" typeface="Ebrima"/>
+      </a:minorFont>
+    </a:fontScheme>
+    <a:fmtScheme name="Office">
+      <a:fillStyleLst>
+        <a:solidFill>
+          <a:schemeClr val="phClr"/>
+        </a:solidFill>
+        <a:gradFill rotWithShape="1">
+          <a:gsLst>
+            <a:gs pos="0">
+              <a:schemeClr val="phClr">
+                <a:lumMod val="110000"/>
+                <a:satMod val="105000"/>
+                <a:tint val="67000"/>
+              </a:schemeClr>
+            </a:gs>
+            <a:gs pos="50000">
+              <a:schemeClr val="phClr">
+                <a:lumMod val="105000"/>
+                <a:satMod val="103000"/>
+                <a:tint val="73000"/>
+              </a:schemeClr>
+            </a:gs>
+            <a:gs pos="100000">
+              <a:schemeClr val="phClr">
+                <a:lumMod val="105000"/>
+                <a:satMod val="109000"/>
+                <a:tint val="81000"/>
+              </a:schemeClr>
+            </a:gs>
+          </a:gsLst>
+          <a:lin ang="5400000" scaled="0"/>
+        </a:gradFill>
+        <a:gradFill rotWithShape="1">
+          <a:gsLst>
+            <a:gs pos="0">
+              <a:schemeClr val="phClr">
+                <a:satMod val="103000"/>
+                <a:lumMod val="102000"/>
+                <a:tint val="94000"/>
+              </a:schemeClr>
+            </a:gs>
+            <a:gs pos="50000">
+              <a:schemeClr val="phClr">
+                <a:satMod val="110000"/>
+                <a:lumMod val="100000"/>
+                <a:shade val="100000"/>
+              </a:schemeClr>
+            </a:gs>
+            <a:gs pos="100000">
+              <a:schemeClr val="phClr">
+                <a:lumMod val="99000"/>
+                <a:satMod val="120000"/>
+                <a:shade val="78000"/>
+              </a:schemeClr>
+            </a:gs>
+          </a:gsLst>
+          <a:lin ang="5400000" scaled="0"/>
+        </a:gradFill>
+      </a:fillStyleLst>
+      <a:lnStyleLst>
+        <a:ln w="6350" cap="flat" cmpd="sng" algn="ctr">
+          <a:solidFill>
+            <a:schemeClr val="phClr"/>
+          </a:solidFill>
+          <a:prstDash val="solid"/>
+          <a:miter lim="800000"/>
+        </a:ln>
+        <a:ln w="12700" cap="flat" cmpd="sng" algn="ctr">
+          <a:solidFill>
+            <a:schemeClr val="phClr"/>
+          </a:solidFill>
+          <a:prstDash val="solid"/>
+          <a:miter lim="800000"/>
+        </a:ln>
+        <a:ln w="19050" cap="flat" cmpd="sng" algn="ctr">
+          <a:solidFill>
+            <a:schemeClr val="phClr"/>
+          </a:solidFill>
+          <a:prstDash val="solid"/>
+          <a:miter lim="800000"/>
+        </a:ln>
+      </a:lnStyleLst>
+      <a:effectStyleLst>
+        <a:effectStyle>
+          <a:effectLst/>
+        </a:effectStyle>
+        <a:effectStyle>
+          <a:effectLst/>
+        </a:effectStyle>
+        <a:effectStyle>
+          <a:effectLst>
+            <a:outerShdw blurRad="57150" dist="19050" dir="5400000" algn="ctr" rotWithShape="0">
+              <a:srgbClr val="000000">
+                <a:alpha val="63000"/>
+              </a:srgbClr>
+            </a:outerShdw>
+          </a:effectLst>
+        </a:effectStyle>
+      </a:effectStyleLst>
+      <a:bgFillStyleLst>
+        <a:solidFill>
+          <a:schemeClr val="phClr"/>
+        </a:solidFill>
+        <a:solidFill>
+          <a:schemeClr val="phClr">
+            <a:tint val="95000"/>
+            <a:satMod val="170000"/>
+          </a:schemeClr>
+        </a:solidFill>
+        <a:gradFill rotWithShape="1">
+          <a:gsLst>
+            <a:gs pos="0">
+              <a:schemeClr val="phClr">
+                <a:tint val="93000"/>
+                <a:satMod val="150000"/>
+                <a:shade val="98000"/>
+                <a:lumMod val="102000"/>
+              </a:schemeClr>
+            </a:gs>
+            <a:gs pos="50000">
+              <a:schemeClr val="phClr">
+                <a:tint val="98000"/>
+                <a:satMod val="130000"/>
+                <a:shade val="90000"/>
+                <a:lumMod val="103000"/>
+              </a:schemeClr>
+            </a:gs>
+            <a:gs pos="100000">
+              <a:schemeClr val="phClr">
+                <a:shade val="63000"/>
+                <a:satMod val="120000"/>
+              </a:schemeClr>
+            </a:gs>
+          </a:gsLst>
+          <a:lin ang="5400000" scaled="0"/>
+        </a:gradFill>
+      </a:bgFillStyleLst>
+    </a:fmtScheme>
+  </a:themeElements>
+  <a:objectDefaults/>
+  <a:extraClrSchemeLst/>
+  <a:extLst>
+    <a:ext uri="{05A4C25C-085E-4340-85A3-A5531E510DB2}">
+      <thm15:themeFamily xmlns:thm15="http://schemas.microsoft.com/office/thememl/2012/main" name="Office Theme" id="{62F939B6-93AF-4DB8-9C6B-D6C7DFDC589F}" vid="{4A3C46E8-61CC-4603-A589-7422A47A8E4A}"/>
+    </a:ext>
+  </a:extLst>
+</a:theme>
 </file>
--- a/CSMAG.pptx
+++ b/CSMAG.pptx
@@ -5,7 +5,7 @@
     <p:sldMasterId id="2147483648" r:id="rId1"/>
   </p:sldMasterIdLst>
   <p:notesMasterIdLst>
-    <p:notesMasterId r:id="rId22"/>
+    <p:notesMasterId r:id="rId23"/>
   </p:notesMasterIdLst>
   <p:sldIdLst>
     <p:sldId id="256" r:id="rId2"/>
@@ -27,7 +27,8 @@
     <p:sldId id="276" r:id="rId18"/>
     <p:sldId id="262" r:id="rId19"/>
     <p:sldId id="274" r:id="rId20"/>
-    <p:sldId id="271" r:id="rId21"/>
+    <p:sldId id="277" r:id="rId21"/>
+    <p:sldId id="271" r:id="rId22"/>
   </p:sldIdLst>
   <p:sldSz cx="12192000" cy="6858000"/>
   <p:notesSz cx="6858000" cy="9144000"/>
@@ -5312,10 +5313,10 @@
       </p:sp>
       <p:pic>
         <p:nvPicPr>
-          <p:cNvPr id="4" name="Imagen 3">
-            <a:extLst>
-              <a:ext uri="{FF2B5EF4-FFF2-40B4-BE49-F238E27FC236}">
-                <a16:creationId xmlns:a16="http://schemas.microsoft.com/office/drawing/2014/main" id="{1316ED69-FA32-B090-DA22-DC04EEDC8B39}"/>
+          <p:cNvPr id="5" name="Imagen 4" descr="Interfaz de usuario gráfica, Texto, Aplicación&#10;&#10;Descripción generada automáticamente">
+            <a:extLst>
+              <a:ext uri="{FF2B5EF4-FFF2-40B4-BE49-F238E27FC236}">
+                <a16:creationId xmlns:a16="http://schemas.microsoft.com/office/drawing/2014/main" id="{7D4B1505-1440-E1E8-92C4-2BDE57AC08BD}"/>
               </a:ext>
             </a:extLst>
           </p:cNvPr>
@@ -5325,15 +5326,21 @@
           <p:nvPr/>
         </p:nvPicPr>
         <p:blipFill>
-          <a:blip r:embed="rId2"/>
+          <a:blip r:embed="rId2">
+            <a:extLst>
+              <a:ext uri="{28A0092B-C50C-407E-A947-70E740481C1C}">
+                <a14:useLocalDpi xmlns:a14="http://schemas.microsoft.com/office/drawing/2010/main" val="0"/>
+              </a:ext>
+            </a:extLst>
+          </a:blip>
           <a:stretch>
             <a:fillRect/>
           </a:stretch>
         </p:blipFill>
         <p:spPr>
           <a:xfrm>
-            <a:off x="1998502" y="1505104"/>
-            <a:ext cx="8194995" cy="5058850"/>
+            <a:off x="590144" y="1836722"/>
+            <a:ext cx="10731230" cy="3883142"/>
           </a:xfrm>
           <a:prstGeom prst="rect">
             <a:avLst/>
@@ -5402,10 +5409,10 @@
       </p:sp>
       <p:pic>
         <p:nvPicPr>
-          <p:cNvPr id="5" name="Imagen 4">
-            <a:extLst>
-              <a:ext uri="{FF2B5EF4-FFF2-40B4-BE49-F238E27FC236}">
-                <a16:creationId xmlns:a16="http://schemas.microsoft.com/office/drawing/2014/main" id="{C894ED93-CA35-4486-26C2-658D04549D45}"/>
+          <p:cNvPr id="4" name="Imagen 3" descr="Texto&#10;&#10;Descripción generada automáticamente">
+            <a:extLst>
+              <a:ext uri="{FF2B5EF4-FFF2-40B4-BE49-F238E27FC236}">
+                <a16:creationId xmlns:a16="http://schemas.microsoft.com/office/drawing/2014/main" id="{02C48E06-305A-8C40-D979-F6F0BB424EA1}"/>
               </a:ext>
             </a:extLst>
           </p:cNvPr>
@@ -5415,15 +5422,21 @@
           <p:nvPr/>
         </p:nvPicPr>
         <p:blipFill>
-          <a:blip r:embed="rId2"/>
+          <a:blip r:embed="rId2">
+            <a:extLst>
+              <a:ext uri="{28A0092B-C50C-407E-A947-70E740481C1C}">
+                <a14:useLocalDpi xmlns:a14="http://schemas.microsoft.com/office/drawing/2010/main" val="0"/>
+              </a:ext>
+            </a:extLst>
+          </a:blip>
           <a:stretch>
             <a:fillRect/>
           </a:stretch>
         </p:blipFill>
         <p:spPr>
           <a:xfrm>
-            <a:off x="1923802" y="1487627"/>
-            <a:ext cx="8344395" cy="5005248"/>
+            <a:off x="590144" y="2299461"/>
+            <a:ext cx="11011711" cy="3284215"/>
           </a:xfrm>
           <a:prstGeom prst="rect">
             <a:avLst/>
@@ -5701,6 +5714,102 @@
 </file>
 
 <file path=ppt/slides/slide20.xml><?xml version="1.0" encoding="utf-8"?>
+<p:sld xmlns:a="http://schemas.openxmlformats.org/drawingml/2006/main" xmlns:r="http://schemas.openxmlformats.org/officeDocument/2006/relationships" xmlns:p="http://schemas.openxmlformats.org/presentationml/2006/main">
+  <p:cSld>
+    <p:spTree>
+      <p:nvGrpSpPr>
+        <p:cNvPr id="1" name=""/>
+        <p:cNvGrpSpPr/>
+        <p:nvPr/>
+      </p:nvGrpSpPr>
+      <p:grpSpPr>
+        <a:xfrm>
+          <a:off x="0" y="0"/>
+          <a:ext cx="0" cy="0"/>
+          <a:chOff x="0" y="0"/>
+          <a:chExt cx="0" cy="0"/>
+        </a:xfrm>
+      </p:grpSpPr>
+      <p:sp>
+        <p:nvSpPr>
+          <p:cNvPr id="2" name="Título 1">
+            <a:extLst>
+              <a:ext uri="{FF2B5EF4-FFF2-40B4-BE49-F238E27FC236}">
+                <a16:creationId xmlns:a16="http://schemas.microsoft.com/office/drawing/2014/main" id="{0F5496C6-FDEB-9F68-4C75-1E5188B50AE7}"/>
+              </a:ext>
+            </a:extLst>
+          </p:cNvPr>
+          <p:cNvSpPr>
+            <a:spLocks noGrp="1"/>
+          </p:cNvSpPr>
+          <p:nvPr>
+            <p:ph type="title"/>
+          </p:nvPr>
+        </p:nvSpPr>
+        <p:spPr/>
+        <p:txBody>
+          <a:bodyPr/>
+          <a:lstStyle/>
+          <a:p>
+            <a:pPr algn="ctr"/>
+            <a:r>
+              <a:rPr lang="es-ES" b="1" dirty="0"/>
+              <a:t>RIESGOS DEL PROYECTO</a:t>
+            </a:r>
+            <a:endParaRPr lang="es-ES" dirty="0"/>
+          </a:p>
+        </p:txBody>
+      </p:sp>
+      <p:pic>
+        <p:nvPicPr>
+          <p:cNvPr id="5" name="Imagen 4" descr="Texto&#10;&#10;Descripción generada automáticamente con confianza media">
+            <a:extLst>
+              <a:ext uri="{FF2B5EF4-FFF2-40B4-BE49-F238E27FC236}">
+                <a16:creationId xmlns:a16="http://schemas.microsoft.com/office/drawing/2014/main" id="{3468EAE9-107B-8D69-E564-643ED4206859}"/>
+              </a:ext>
+            </a:extLst>
+          </p:cNvPr>
+          <p:cNvPicPr>
+            <a:picLocks noChangeAspect="1"/>
+          </p:cNvPicPr>
+          <p:nvPr/>
+        </p:nvPicPr>
+        <p:blipFill>
+          <a:blip r:embed="rId2">
+            <a:extLst>
+              <a:ext uri="{28A0092B-C50C-407E-A947-70E740481C1C}">
+                <a14:useLocalDpi xmlns:a14="http://schemas.microsoft.com/office/drawing/2010/main" val="0"/>
+              </a:ext>
+            </a:extLst>
+          </a:blip>
+          <a:stretch>
+            <a:fillRect/>
+          </a:stretch>
+        </p:blipFill>
+        <p:spPr>
+          <a:xfrm>
+            <a:off x="595008" y="2059058"/>
+            <a:ext cx="11001984" cy="3699715"/>
+          </a:xfrm>
+          <a:prstGeom prst="rect">
+            <a:avLst/>
+          </a:prstGeom>
+        </p:spPr>
+      </p:pic>
+    </p:spTree>
+    <p:extLst>
+      <p:ext uri="{BB962C8B-B14F-4D97-AF65-F5344CB8AC3E}">
+        <p14:creationId xmlns:p14="http://schemas.microsoft.com/office/powerpoint/2010/main" val="778213293"/>
+      </p:ext>
+    </p:extLst>
+  </p:cSld>
+  <p:clrMapOvr>
+    <a:masterClrMapping/>
+  </p:clrMapOvr>
+</p:sld>
+</file>
+
+<file path=ppt/slides/slide21.xml><?xml version="1.0" encoding="utf-8"?>
 <p:sld xmlns:a="http://schemas.openxmlformats.org/drawingml/2006/main" xmlns:r="http://schemas.openxmlformats.org/officeDocument/2006/relationships" xmlns:p="http://schemas.openxmlformats.org/presentationml/2006/main">
   <p:cSld>
     <p:spTree>
@@ -6989,17 +7098,17 @@
         </p:blipFill>
         <p:spPr>
           <a:xfrm>
-            <a:off x="1820862" y="1825624"/>
-            <a:ext cx="3242754" cy="4351338"/>
+            <a:off x="1866365" y="1417579"/>
+            <a:ext cx="3782270" cy="5075296"/>
           </a:xfrm>
         </p:spPr>
       </p:pic>
       <p:pic>
         <p:nvPicPr>
-          <p:cNvPr id="13" name="Marcador de contenido 12">
-            <a:extLst>
-              <a:ext uri="{FF2B5EF4-FFF2-40B4-BE49-F238E27FC236}">
-                <a16:creationId xmlns:a16="http://schemas.microsoft.com/office/drawing/2014/main" id="{D065BDFC-C962-721A-E30C-A04A0C36DE4E}"/>
+          <p:cNvPr id="9" name="Marcador de contenido 8">
+            <a:extLst>
+              <a:ext uri="{FF2B5EF4-FFF2-40B4-BE49-F238E27FC236}">
+                <a16:creationId xmlns:a16="http://schemas.microsoft.com/office/drawing/2014/main" id="{F533B962-E878-E784-4286-F590CEAA30D5}"/>
               </a:ext>
             </a:extLst>
           </p:cNvPr>
@@ -7018,8 +7127,8 @@
         </p:blipFill>
         <p:spPr>
           <a:xfrm>
-            <a:off x="7154863" y="1826108"/>
-            <a:ext cx="3216275" cy="4350371"/>
+            <a:off x="6676800" y="1690688"/>
+            <a:ext cx="3574639" cy="4976998"/>
           </a:xfrm>
         </p:spPr>
       </p:pic>
@@ -7105,8 +7214,8 @@
         </p:blipFill>
         <p:spPr>
           <a:xfrm>
-            <a:off x="1853617" y="1825625"/>
-            <a:ext cx="3150766" cy="4351338"/>
+            <a:off x="1670139" y="1517515"/>
+            <a:ext cx="3683862" cy="5087565"/>
           </a:xfrm>
         </p:spPr>
       </p:pic>
@@ -7134,8 +7243,8 @@
         </p:blipFill>
         <p:spPr>
           <a:xfrm>
-            <a:off x="7198507" y="1825625"/>
-            <a:ext cx="3128986" cy="4351338"/>
+            <a:off x="6410528" y="1690688"/>
+            <a:ext cx="3878054" cy="5393033"/>
           </a:xfrm>
         </p:spPr>
       </p:pic>

--- a/CSMAG.pptx
+++ b/CSMAG.pptx
@@ -5,30 +5,29 @@
     <p:sldMasterId id="2147483648" r:id="rId1"/>
   </p:sldMasterIdLst>
   <p:notesMasterIdLst>
-    <p:notesMasterId r:id="rId23"/>
+    <p:notesMasterId r:id="rId22"/>
   </p:notesMasterIdLst>
   <p:sldIdLst>
     <p:sldId id="256" r:id="rId2"/>
     <p:sldId id="266" r:id="rId3"/>
     <p:sldId id="268" r:id="rId4"/>
     <p:sldId id="272" r:id="rId5"/>
-    <p:sldId id="269" r:id="rId6"/>
-    <p:sldId id="273" r:id="rId7"/>
-    <p:sldId id="257" r:id="rId8"/>
-    <p:sldId id="264" r:id="rId9"/>
-    <p:sldId id="265" r:id="rId10"/>
-    <p:sldId id="263" r:id="rId11"/>
-    <p:sldId id="258" r:id="rId12"/>
-    <p:sldId id="275" r:id="rId13"/>
-    <p:sldId id="259" r:id="rId14"/>
-    <p:sldId id="270" r:id="rId15"/>
-    <p:sldId id="261" r:id="rId16"/>
-    <p:sldId id="260" r:id="rId17"/>
-    <p:sldId id="276" r:id="rId18"/>
-    <p:sldId id="262" r:id="rId19"/>
-    <p:sldId id="274" r:id="rId20"/>
-    <p:sldId id="277" r:id="rId21"/>
-    <p:sldId id="271" r:id="rId22"/>
+    <p:sldId id="273" r:id="rId6"/>
+    <p:sldId id="257" r:id="rId7"/>
+    <p:sldId id="264" r:id="rId8"/>
+    <p:sldId id="265" r:id="rId9"/>
+    <p:sldId id="263" r:id="rId10"/>
+    <p:sldId id="258" r:id="rId11"/>
+    <p:sldId id="275" r:id="rId12"/>
+    <p:sldId id="259" r:id="rId13"/>
+    <p:sldId id="270" r:id="rId14"/>
+    <p:sldId id="261" r:id="rId15"/>
+    <p:sldId id="260" r:id="rId16"/>
+    <p:sldId id="276" r:id="rId17"/>
+    <p:sldId id="262" r:id="rId18"/>
+    <p:sldId id="274" r:id="rId19"/>
+    <p:sldId id="277" r:id="rId20"/>
+    <p:sldId id="271" r:id="rId21"/>
   </p:sldIdLst>
   <p:sldSz cx="12192000" cy="6858000"/>
   <p:notesSz cx="6858000" cy="9144000"/>
@@ -217,7 +216,7 @@
           <a:p>
             <a:fld id="{0FE7447C-903A-4B60-A1C4-763B75AF45E0}" type="datetimeFigureOut">
               <a:rPr lang="es-ES" smtClean="0"/>
-              <a:t>12/12/2022</a:t>
+              <a:t>13/12/2022</a:t>
             </a:fld>
             <a:endParaRPr lang="es-ES"/>
           </a:p>
@@ -484,90 +483,6 @@
 </p:notesMaster>
 </file>
 
-<file path=ppt/notesSlides/notesSlide1.xml><?xml version="1.0" encoding="utf-8"?>
-<p:notes xmlns:a="http://schemas.openxmlformats.org/drawingml/2006/main" xmlns:r="http://schemas.openxmlformats.org/officeDocument/2006/relationships" xmlns:p="http://schemas.openxmlformats.org/presentationml/2006/main">
-  <p:cSld>
-    <p:spTree>
-      <p:nvGrpSpPr>
-        <p:cNvPr id="1" name=""/>
-        <p:cNvGrpSpPr/>
-        <p:nvPr/>
-      </p:nvGrpSpPr>
-      <p:grpSpPr>
-        <a:xfrm>
-          <a:off x="0" y="0"/>
-          <a:ext cx="0" cy="0"/>
-          <a:chOff x="0" y="0"/>
-          <a:chExt cx="0" cy="0"/>
-        </a:xfrm>
-      </p:grpSpPr>
-      <p:sp>
-        <p:nvSpPr>
-          <p:cNvPr id="2" name="Marcador de imagen de diapositiva 1"/>
-          <p:cNvSpPr>
-            <a:spLocks noGrp="1" noRot="1" noChangeAspect="1"/>
-          </p:cNvSpPr>
-          <p:nvPr>
-            <p:ph type="sldImg"/>
-          </p:nvPr>
-        </p:nvSpPr>
-        <p:spPr/>
-      </p:sp>
-      <p:sp>
-        <p:nvSpPr>
-          <p:cNvPr id="3" name="Marcador de notas 2"/>
-          <p:cNvSpPr>
-            <a:spLocks noGrp="1"/>
-          </p:cNvSpPr>
-          <p:nvPr>
-            <p:ph type="body" idx="1"/>
-          </p:nvPr>
-        </p:nvSpPr>
-        <p:spPr/>
-        <p:txBody>
-          <a:bodyPr/>
-          <a:lstStyle/>
-          <a:p>
-            <a:endParaRPr lang="es-ES" dirty="0"/>
-          </a:p>
-        </p:txBody>
-      </p:sp>
-      <p:sp>
-        <p:nvSpPr>
-          <p:cNvPr id="4" name="Marcador de número de diapositiva 3"/>
-          <p:cNvSpPr>
-            <a:spLocks noGrp="1"/>
-          </p:cNvSpPr>
-          <p:nvPr>
-            <p:ph type="sldNum" sz="quarter" idx="5"/>
-          </p:nvPr>
-        </p:nvSpPr>
-        <p:spPr/>
-        <p:txBody>
-          <a:bodyPr/>
-          <a:lstStyle/>
-          <a:p>
-            <a:fld id="{FCAC72FC-DE08-420C-B9A9-3F5983BEDA00}" type="slidenum">
-              <a:rPr lang="es-ES" smtClean="0"/>
-              <a:t>5</a:t>
-            </a:fld>
-            <a:endParaRPr lang="es-ES"/>
-          </a:p>
-        </p:txBody>
-      </p:sp>
-    </p:spTree>
-    <p:extLst>
-      <p:ext uri="{BB962C8B-B14F-4D97-AF65-F5344CB8AC3E}">
-        <p14:creationId xmlns:p14="http://schemas.microsoft.com/office/powerpoint/2010/main" val="3903268490"/>
-      </p:ext>
-    </p:extLst>
-  </p:cSld>
-  <p:clrMapOvr>
-    <a:masterClrMapping/>
-  </p:clrMapOvr>
-</p:notes>
-</file>
-
 <file path=ppt/slideLayouts/slideLayout1.xml><?xml version="1.0" encoding="utf-8"?>
 <p:sldLayout xmlns:a="http://schemas.openxmlformats.org/drawingml/2006/main" xmlns:r="http://schemas.openxmlformats.org/officeDocument/2006/relationships" xmlns:p="http://schemas.openxmlformats.org/presentationml/2006/main" type="title" preserve="1">
   <p:cSld name="Diapositiva de título">
@@ -715,7 +630,7 @@
           <a:p>
             <a:fld id="{A7B2F81D-AA53-4D53-AF13-F41C52A18755}" type="datetimeFigureOut">
               <a:rPr lang="es-ES" smtClean="0"/>
-              <a:t>12/12/2022</a:t>
+              <a:t>13/12/2022</a:t>
             </a:fld>
             <a:endParaRPr lang="es-ES"/>
           </a:p>
@@ -913,7 +828,7 @@
           <a:p>
             <a:fld id="{A7B2F81D-AA53-4D53-AF13-F41C52A18755}" type="datetimeFigureOut">
               <a:rPr lang="es-ES" smtClean="0"/>
-              <a:t>12/12/2022</a:t>
+              <a:t>13/12/2022</a:t>
             </a:fld>
             <a:endParaRPr lang="es-ES"/>
           </a:p>
@@ -1121,7 +1036,7 @@
           <a:p>
             <a:fld id="{A7B2F81D-AA53-4D53-AF13-F41C52A18755}" type="datetimeFigureOut">
               <a:rPr lang="es-ES" smtClean="0"/>
-              <a:t>12/12/2022</a:t>
+              <a:t>13/12/2022</a:t>
             </a:fld>
             <a:endParaRPr lang="es-ES"/>
           </a:p>
@@ -1319,7 +1234,7 @@
           <a:p>
             <a:fld id="{A7B2F81D-AA53-4D53-AF13-F41C52A18755}" type="datetimeFigureOut">
               <a:rPr lang="es-ES" smtClean="0"/>
-              <a:t>12/12/2022</a:t>
+              <a:t>13/12/2022</a:t>
             </a:fld>
             <a:endParaRPr lang="es-ES"/>
           </a:p>
@@ -1594,7 +1509,7 @@
           <a:p>
             <a:fld id="{A7B2F81D-AA53-4D53-AF13-F41C52A18755}" type="datetimeFigureOut">
               <a:rPr lang="es-ES" smtClean="0"/>
-              <a:t>12/12/2022</a:t>
+              <a:t>13/12/2022</a:t>
             </a:fld>
             <a:endParaRPr lang="es-ES"/>
           </a:p>
@@ -1859,7 +1774,7 @@
           <a:p>
             <a:fld id="{A7B2F81D-AA53-4D53-AF13-F41C52A18755}" type="datetimeFigureOut">
               <a:rPr lang="es-ES" smtClean="0"/>
-              <a:t>12/12/2022</a:t>
+              <a:t>13/12/2022</a:t>
             </a:fld>
             <a:endParaRPr lang="es-ES"/>
           </a:p>
@@ -2271,7 +2186,7 @@
           <a:p>
             <a:fld id="{A7B2F81D-AA53-4D53-AF13-F41C52A18755}" type="datetimeFigureOut">
               <a:rPr lang="es-ES" smtClean="0"/>
-              <a:t>12/12/2022</a:t>
+              <a:t>13/12/2022</a:t>
             </a:fld>
             <a:endParaRPr lang="es-ES"/>
           </a:p>
@@ -2412,7 +2327,7 @@
           <a:p>
             <a:fld id="{A7B2F81D-AA53-4D53-AF13-F41C52A18755}" type="datetimeFigureOut">
               <a:rPr lang="es-ES" smtClean="0"/>
-              <a:t>12/12/2022</a:t>
+              <a:t>13/12/2022</a:t>
             </a:fld>
             <a:endParaRPr lang="es-ES"/>
           </a:p>
@@ -2525,7 +2440,7 @@
           <a:p>
             <a:fld id="{A7B2F81D-AA53-4D53-AF13-F41C52A18755}" type="datetimeFigureOut">
               <a:rPr lang="es-ES" smtClean="0"/>
-              <a:t>12/12/2022</a:t>
+              <a:t>13/12/2022</a:t>
             </a:fld>
             <a:endParaRPr lang="es-ES"/>
           </a:p>
@@ -2836,7 +2751,7 @@
           <a:p>
             <a:fld id="{A7B2F81D-AA53-4D53-AF13-F41C52A18755}" type="datetimeFigureOut">
               <a:rPr lang="es-ES" smtClean="0"/>
-              <a:t>12/12/2022</a:t>
+              <a:t>13/12/2022</a:t>
             </a:fld>
             <a:endParaRPr lang="es-ES"/>
           </a:p>
@@ -3124,7 +3039,7 @@
           <a:p>
             <a:fld id="{A7B2F81D-AA53-4D53-AF13-F41C52A18755}" type="datetimeFigureOut">
               <a:rPr lang="es-ES" smtClean="0"/>
-              <a:t>12/12/2022</a:t>
+              <a:t>13/12/2022</a:t>
             </a:fld>
             <a:endParaRPr lang="es-ES"/>
           </a:p>
@@ -3365,7 +3280,7 @@
           <a:p>
             <a:fld id="{A7B2F81D-AA53-4D53-AF13-F41C52A18755}" type="datetimeFigureOut">
               <a:rPr lang="es-ES" smtClean="0"/>
-              <a:t>12/12/2022</a:t>
+              <a:t>13/12/2022</a:t>
             </a:fld>
             <a:endParaRPr lang="es-ES"/>
           </a:p>
@@ -4000,124 +3915,6 @@
           <p:cNvPr id="2" name="Título 1">
             <a:extLst>
               <a:ext uri="{FF2B5EF4-FFF2-40B4-BE49-F238E27FC236}">
-                <a16:creationId xmlns:a16="http://schemas.microsoft.com/office/drawing/2014/main" id="{BB22BAAC-FD8A-40FA-EDD9-83C7D5DED642}"/>
-              </a:ext>
-            </a:extLst>
-          </p:cNvPr>
-          <p:cNvSpPr>
-            <a:spLocks noGrp="1"/>
-          </p:cNvSpPr>
-          <p:nvPr>
-            <p:ph type="title"/>
-          </p:nvPr>
-        </p:nvSpPr>
-        <p:spPr/>
-        <p:txBody>
-          <a:bodyPr/>
-          <a:lstStyle/>
-          <a:p>
-            <a:pPr algn="ctr"/>
-            <a:r>
-              <a:rPr lang="es-ES" b="1"/>
-              <a:t>INTERESADOS Y COMUNICACIONES</a:t>
-            </a:r>
-            <a:endParaRPr lang="es-ES" b="1" dirty="0"/>
-          </a:p>
-        </p:txBody>
-      </p:sp>
-      <p:pic>
-        <p:nvPicPr>
-          <p:cNvPr id="7" name="Imagen 6">
-            <a:extLst>
-              <a:ext uri="{FF2B5EF4-FFF2-40B4-BE49-F238E27FC236}">
-                <a16:creationId xmlns:a16="http://schemas.microsoft.com/office/drawing/2014/main" id="{9A13AFE2-7E49-39F0-A586-DE15C5A9F987}"/>
-              </a:ext>
-            </a:extLst>
-          </p:cNvPr>
-          <p:cNvPicPr>
-            <a:picLocks noChangeAspect="1"/>
-          </p:cNvPicPr>
-          <p:nvPr/>
-        </p:nvPicPr>
-        <p:blipFill rotWithShape="1">
-          <a:blip r:embed="rId2"/>
-          <a:srcRect r="48166"/>
-          <a:stretch/>
-        </p:blipFill>
-        <p:spPr>
-          <a:xfrm>
-            <a:off x="2143489" y="1596468"/>
-            <a:ext cx="7732031" cy="2254275"/>
-          </a:xfrm>
-          <a:prstGeom prst="rect">
-            <a:avLst/>
-          </a:prstGeom>
-        </p:spPr>
-      </p:pic>
-      <p:pic>
-        <p:nvPicPr>
-          <p:cNvPr id="11" name="Imagen 10">
-            <a:extLst>
-              <a:ext uri="{FF2B5EF4-FFF2-40B4-BE49-F238E27FC236}">
-                <a16:creationId xmlns:a16="http://schemas.microsoft.com/office/drawing/2014/main" id="{C5728889-2E01-1B73-1EA7-EC460701BB18}"/>
-              </a:ext>
-            </a:extLst>
-          </p:cNvPr>
-          <p:cNvPicPr>
-            <a:picLocks noChangeAspect="1"/>
-          </p:cNvPicPr>
-          <p:nvPr/>
-        </p:nvPicPr>
-        <p:blipFill rotWithShape="1">
-          <a:blip r:embed="rId2"/>
-          <a:srcRect l="51482"/>
-          <a:stretch/>
-        </p:blipFill>
-        <p:spPr>
-          <a:xfrm>
-            <a:off x="2143489" y="4090796"/>
-            <a:ext cx="7732031" cy="2408345"/>
-          </a:xfrm>
-          <a:prstGeom prst="rect">
-            <a:avLst/>
-          </a:prstGeom>
-        </p:spPr>
-      </p:pic>
-    </p:spTree>
-    <p:extLst>
-      <p:ext uri="{BB962C8B-B14F-4D97-AF65-F5344CB8AC3E}">
-        <p14:creationId xmlns:p14="http://schemas.microsoft.com/office/powerpoint/2010/main" val="2359861581"/>
-      </p:ext>
-    </p:extLst>
-  </p:cSld>
-  <p:clrMapOvr>
-    <a:masterClrMapping/>
-  </p:clrMapOvr>
-</p:sld>
-</file>
-
-<file path=ppt/slides/slide11.xml><?xml version="1.0" encoding="utf-8"?>
-<p:sld xmlns:a="http://schemas.openxmlformats.org/drawingml/2006/main" xmlns:r="http://schemas.openxmlformats.org/officeDocument/2006/relationships" xmlns:p="http://schemas.openxmlformats.org/presentationml/2006/main">
-  <p:cSld>
-    <p:spTree>
-      <p:nvGrpSpPr>
-        <p:cNvPr id="1" name=""/>
-        <p:cNvGrpSpPr/>
-        <p:nvPr/>
-      </p:nvGrpSpPr>
-      <p:grpSpPr>
-        <a:xfrm>
-          <a:off x="0" y="0"/>
-          <a:ext cx="0" cy="0"/>
-          <a:chOff x="0" y="0"/>
-          <a:chExt cx="0" cy="0"/>
-        </a:xfrm>
-      </p:grpSpPr>
-      <p:sp>
-        <p:nvSpPr>
-          <p:cNvPr id="2" name="Título 1">
-            <a:extLst>
-              <a:ext uri="{FF2B5EF4-FFF2-40B4-BE49-F238E27FC236}">
                 <a16:creationId xmlns:a16="http://schemas.microsoft.com/office/drawing/2014/main" id="{1C545C17-B69F-137B-EB6A-3F880160D0B8}"/>
               </a:ext>
             </a:extLst>
@@ -4227,7 +4024,7 @@
 </p:sld>
 </file>
 
-<file path=ppt/slides/slide12.xml><?xml version="1.0" encoding="utf-8"?>
+<file path=ppt/slides/slide11.xml><?xml version="1.0" encoding="utf-8"?>
 <p:sld xmlns:a="http://schemas.openxmlformats.org/drawingml/2006/main" xmlns:r="http://schemas.openxmlformats.org/officeDocument/2006/relationships" xmlns:p="http://schemas.openxmlformats.org/presentationml/2006/main">
   <p:cSld>
     <p:spTree>
@@ -4358,7 +4155,7 @@
 </p:sld>
 </file>
 
-<file path=ppt/slides/slide13.xml><?xml version="1.0" encoding="utf-8"?>
+<file path=ppt/slides/slide12.xml><?xml version="1.0" encoding="utf-8"?>
 <p:sld xmlns:a="http://schemas.openxmlformats.org/drawingml/2006/main" xmlns:r="http://schemas.openxmlformats.org/officeDocument/2006/relationships" xmlns:p="http://schemas.openxmlformats.org/presentationml/2006/main">
   <p:cSld>
     <p:spTree>
@@ -4453,7 +4250,7 @@
 </p:sld>
 </file>
 
-<file path=ppt/slides/slide14.xml><?xml version="1.0" encoding="utf-8"?>
+<file path=ppt/slides/slide13.xml><?xml version="1.0" encoding="utf-8"?>
 <p:sld xmlns:a="http://schemas.openxmlformats.org/drawingml/2006/main" xmlns:r="http://schemas.openxmlformats.org/officeDocument/2006/relationships" xmlns:p="http://schemas.openxmlformats.org/presentationml/2006/main">
   <p:cSld>
     <p:spTree>
@@ -4541,7 +4338,7 @@
 </p:sld>
 </file>
 
-<file path=ppt/slides/slide15.xml><?xml version="1.0" encoding="utf-8"?>
+<file path=ppt/slides/slide14.xml><?xml version="1.0" encoding="utf-8"?>
 <p:sld xmlns:a="http://schemas.openxmlformats.org/drawingml/2006/main" xmlns:r="http://schemas.openxmlformats.org/officeDocument/2006/relationships" xmlns:p="http://schemas.openxmlformats.org/presentationml/2006/main">
   <p:cSld>
     <p:spTree>
@@ -4651,7 +4448,7 @@
 </p:sld>
 </file>
 
-<file path=ppt/slides/slide16.xml><?xml version="1.0" encoding="utf-8"?>
+<file path=ppt/slides/slide15.xml><?xml version="1.0" encoding="utf-8"?>
 <p:sld xmlns:a="http://schemas.openxmlformats.org/drawingml/2006/main" xmlns:r="http://schemas.openxmlformats.org/officeDocument/2006/relationships" xmlns:p="http://schemas.openxmlformats.org/presentationml/2006/main">
   <p:cSld>
     <p:spTree>
@@ -5175,7 +4972,7 @@
 </p:sld>
 </file>
 
-<file path=ppt/slides/slide17.xml><?xml version="1.0" encoding="utf-8"?>
+<file path=ppt/slides/slide16.xml><?xml version="1.0" encoding="utf-8"?>
 <p:sld xmlns:a="http://schemas.openxmlformats.org/drawingml/2006/main" xmlns:r="http://schemas.openxmlformats.org/officeDocument/2006/relationships" xmlns:p="http://schemas.openxmlformats.org/presentationml/2006/main">
   <p:cSld>
     <p:spTree>
@@ -5265,7 +5062,7 @@
 </p:sld>
 </file>
 
-<file path=ppt/slides/slide18.xml><?xml version="1.0" encoding="utf-8"?>
+<file path=ppt/slides/slide17.xml><?xml version="1.0" encoding="utf-8"?>
 <p:sld xmlns:a="http://schemas.openxmlformats.org/drawingml/2006/main" xmlns:r="http://schemas.openxmlformats.org/officeDocument/2006/relationships" xmlns:p="http://schemas.openxmlformats.org/presentationml/2006/main">
   <p:cSld>
     <p:spTree>
@@ -5360,7 +5157,7 @@
 </p:sld>
 </file>
 
-<file path=ppt/slides/slide19.xml><?xml version="1.0" encoding="utf-8"?>
+<file path=ppt/slides/slide18.xml><?xml version="1.0" encoding="utf-8"?>
 <p:sld xmlns:a="http://schemas.openxmlformats.org/drawingml/2006/main" xmlns:r="http://schemas.openxmlformats.org/officeDocument/2006/relationships" xmlns:p="http://schemas.openxmlformats.org/presentationml/2006/main">
   <p:cSld>
     <p:spTree>
@@ -5456,264 +5253,7 @@
 </p:sld>
 </file>
 
-<file path=ppt/slides/slide2.xml><?xml version="1.0" encoding="utf-8"?>
-<p:sld xmlns:a="http://schemas.openxmlformats.org/drawingml/2006/main" xmlns:r="http://schemas.openxmlformats.org/officeDocument/2006/relationships" xmlns:p="http://schemas.openxmlformats.org/presentationml/2006/main">
-  <p:cSld>
-    <p:spTree>
-      <p:nvGrpSpPr>
-        <p:cNvPr id="1" name=""/>
-        <p:cNvGrpSpPr/>
-        <p:nvPr/>
-      </p:nvGrpSpPr>
-      <p:grpSpPr>
-        <a:xfrm>
-          <a:off x="0" y="0"/>
-          <a:ext cx="0" cy="0"/>
-          <a:chOff x="0" y="0"/>
-          <a:chExt cx="0" cy="0"/>
-        </a:xfrm>
-      </p:grpSpPr>
-      <p:sp>
-        <p:nvSpPr>
-          <p:cNvPr id="2" name="Título 1">
-            <a:extLst>
-              <a:ext uri="{FF2B5EF4-FFF2-40B4-BE49-F238E27FC236}">
-                <a16:creationId xmlns:a16="http://schemas.microsoft.com/office/drawing/2014/main" id="{472E50B5-60A3-C6A0-2DC8-A09DDB94EC81}"/>
-              </a:ext>
-            </a:extLst>
-          </p:cNvPr>
-          <p:cNvSpPr>
-            <a:spLocks noGrp="1"/>
-          </p:cNvSpPr>
-          <p:nvPr>
-            <p:ph type="title"/>
-          </p:nvPr>
-        </p:nvSpPr>
-        <p:spPr/>
-        <p:txBody>
-          <a:bodyPr/>
-          <a:lstStyle/>
-          <a:p>
-            <a:pPr algn="ctr"/>
-            <a:r>
-              <a:rPr lang="es-ES" b="1" dirty="0"/>
-              <a:t>¿Quiénes somos?</a:t>
-            </a:r>
-          </a:p>
-        </p:txBody>
-      </p:sp>
-      <p:sp>
-        <p:nvSpPr>
-          <p:cNvPr id="6" name="Marcador de contenido 5">
-            <a:extLst>
-              <a:ext uri="{FF2B5EF4-FFF2-40B4-BE49-F238E27FC236}">
-                <a16:creationId xmlns:a16="http://schemas.microsoft.com/office/drawing/2014/main" id="{71D13CDE-C1E2-9ECD-219B-98161C070CA7}"/>
-              </a:ext>
-            </a:extLst>
-          </p:cNvPr>
-          <p:cNvSpPr>
-            <a:spLocks noGrp="1"/>
-          </p:cNvSpPr>
-          <p:nvPr>
-            <p:ph idx="1"/>
-          </p:nvPr>
-        </p:nvSpPr>
-        <p:spPr/>
-        <p:txBody>
-          <a:bodyPr>
-            <a:normAutofit/>
-          </a:bodyPr>
-          <a:lstStyle/>
-          <a:p>
-            <a:pPr marL="0" indent="0">
-              <a:buNone/>
-            </a:pPr>
-            <a:r>
-              <a:rPr lang="es-ES" sz="2400" dirty="0"/>
-              <a:t>Somos una empresa de ingeniería de software que desarrolla soluciones software con inteligencia artificial.</a:t>
-            </a:r>
-          </a:p>
-          <a:p>
-            <a:pPr marL="0" indent="0">
-              <a:buNone/>
-            </a:pPr>
-            <a:r>
-              <a:rPr lang="es-ES" sz="2400" dirty="0"/>
-              <a:t>El equipo se conforma por:</a:t>
-            </a:r>
-          </a:p>
-          <a:p>
-            <a:pPr marL="0" indent="0">
-              <a:buNone/>
-            </a:pPr>
-            <a:r>
-              <a:rPr lang="es-ES" sz="2400" b="1" dirty="0"/>
-              <a:t>Jefe de Proyecto:</a:t>
-            </a:r>
-            <a:r>
-              <a:rPr lang="es-ES" sz="2400" dirty="0"/>
-              <a:t> Alberto Fernández Sánchez</a:t>
-            </a:r>
-          </a:p>
-          <a:p>
-            <a:pPr marL="0" indent="0">
-              <a:buNone/>
-            </a:pPr>
-            <a:r>
-              <a:rPr lang="es-ES" sz="2400" b="1" dirty="0"/>
-              <a:t>Tres desarrolladores </a:t>
-            </a:r>
-            <a:r>
-              <a:rPr lang="es-ES" sz="2400" b="1" dirty="0" err="1"/>
-              <a:t>front-end</a:t>
-            </a:r>
-            <a:r>
-              <a:rPr lang="es-ES" sz="2400" b="1" dirty="0"/>
-              <a:t>:</a:t>
-            </a:r>
-            <a:r>
-              <a:rPr lang="es-ES" sz="2400" dirty="0"/>
-              <a:t> Sofía Flores García, Alberto Fernández Sánchez y Guillermo Cobelo García.</a:t>
-            </a:r>
-          </a:p>
-          <a:p>
-            <a:pPr marL="0" indent="0">
-              <a:buNone/>
-            </a:pPr>
-            <a:r>
-              <a:rPr lang="es-ES" sz="2400" b="1" dirty="0"/>
-              <a:t>Tres desarrolladores back-</a:t>
-            </a:r>
-            <a:r>
-              <a:rPr lang="es-ES" sz="2400" b="1" dirty="0" err="1"/>
-              <a:t>end</a:t>
-            </a:r>
-            <a:r>
-              <a:rPr lang="es-ES" sz="2400" b="1" dirty="0"/>
-              <a:t>:</a:t>
-            </a:r>
-            <a:r>
-              <a:rPr lang="es-ES" sz="2400" dirty="0"/>
-              <a:t> </a:t>
-            </a:r>
-            <a:r>
-              <a:rPr lang="es-ES" sz="2400" dirty="0" err="1"/>
-              <a:t>Meryem</a:t>
-            </a:r>
-            <a:r>
-              <a:rPr lang="es-ES" sz="2400" dirty="0"/>
-              <a:t> </a:t>
-            </a:r>
-            <a:r>
-              <a:rPr lang="es-ES" sz="2400" dirty="0" err="1"/>
-              <a:t>Ezzekraoui</a:t>
-            </a:r>
-            <a:r>
-              <a:rPr lang="es-ES" sz="2400" dirty="0"/>
-              <a:t> </a:t>
-            </a:r>
-            <a:r>
-              <a:rPr lang="es-ES" sz="2400" dirty="0" err="1"/>
-              <a:t>Ezzekraoui</a:t>
-            </a:r>
-            <a:r>
-              <a:rPr lang="es-ES" sz="2400" dirty="0"/>
-              <a:t>, Adrián Canosa Pérez, Guillermo Cobelo García.</a:t>
-            </a:r>
-          </a:p>
-          <a:p>
-            <a:pPr marL="0" indent="0">
-              <a:buNone/>
-            </a:pPr>
-            <a:r>
-              <a:rPr lang="es-ES" sz="2400" b="1" dirty="0"/>
-              <a:t>Bases de datos:</a:t>
-            </a:r>
-            <a:r>
-              <a:rPr lang="es-ES" sz="2400" dirty="0"/>
-              <a:t> </a:t>
-            </a:r>
-            <a:r>
-              <a:rPr lang="es-ES" sz="2400" dirty="0" err="1"/>
-              <a:t>Meryem</a:t>
-            </a:r>
-            <a:r>
-              <a:rPr lang="es-ES" sz="2400" dirty="0"/>
-              <a:t> </a:t>
-            </a:r>
-            <a:r>
-              <a:rPr lang="es-ES" sz="2400" dirty="0" err="1"/>
-              <a:t>Ezzekraoui</a:t>
-            </a:r>
-            <a:r>
-              <a:rPr lang="es-ES" sz="2400" dirty="0"/>
-              <a:t> </a:t>
-            </a:r>
-            <a:r>
-              <a:rPr lang="es-ES" sz="2400" dirty="0" err="1"/>
-              <a:t>Ezzekraoui</a:t>
-            </a:r>
-            <a:r>
-              <a:rPr lang="es-ES" sz="2400" dirty="0"/>
-              <a:t>, Adrián Canosa Pérez</a:t>
-            </a:r>
-          </a:p>
-          <a:p>
-            <a:pPr marL="0" indent="0">
-              <a:buNone/>
-            </a:pPr>
-            <a:r>
-              <a:rPr lang="es-ES" sz="2400" b="1" dirty="0"/>
-              <a:t>Departamento de Seguridad:</a:t>
-            </a:r>
-            <a:r>
-              <a:rPr lang="es-ES" sz="2400" dirty="0"/>
-              <a:t> Sofía Flores García, </a:t>
-            </a:r>
-            <a:r>
-              <a:rPr lang="es-ES" sz="2400" dirty="0" err="1"/>
-              <a:t>Meryem</a:t>
-            </a:r>
-            <a:r>
-              <a:rPr lang="es-ES" sz="2400" dirty="0"/>
-              <a:t> </a:t>
-            </a:r>
-            <a:r>
-              <a:rPr lang="es-ES" sz="2400" dirty="0" err="1"/>
-              <a:t>Ezzekraoui</a:t>
-            </a:r>
-            <a:r>
-              <a:rPr lang="es-ES" sz="2400" dirty="0"/>
-              <a:t> </a:t>
-            </a:r>
-            <a:r>
-              <a:rPr lang="es-ES" sz="2400" dirty="0" err="1"/>
-              <a:t>Ezzekraoui</a:t>
-            </a:r>
-            <a:endParaRPr lang="es-ES" sz="2400" dirty="0"/>
-          </a:p>
-          <a:p>
-            <a:pPr marL="0" indent="0">
-              <a:buNone/>
-            </a:pPr>
-            <a:endParaRPr lang="es-ES" dirty="0"/>
-          </a:p>
-        </p:txBody>
-      </p:sp>
-    </p:spTree>
-    <p:extLst>
-      <p:ext uri="{BB962C8B-B14F-4D97-AF65-F5344CB8AC3E}">
-        <p14:creationId xmlns:p14="http://schemas.microsoft.com/office/powerpoint/2010/main" val="4184171628"/>
-      </p:ext>
-    </p:extLst>
-  </p:cSld>
-  <p:clrMapOvr>
-    <a:masterClrMapping/>
-  </p:clrMapOvr>
-</p:sld>
-</file>
-
-<file path=ppt/slides/slide20.xml><?xml version="1.0" encoding="utf-8"?>
+<file path=ppt/slides/slide19.xml><?xml version="1.0" encoding="utf-8"?>
 <p:sld xmlns:a="http://schemas.openxmlformats.org/drawingml/2006/main" xmlns:r="http://schemas.openxmlformats.org/officeDocument/2006/relationships" xmlns:p="http://schemas.openxmlformats.org/presentationml/2006/main">
   <p:cSld>
     <p:spTree>
@@ -5809,7 +5349,264 @@
 </p:sld>
 </file>
 
-<file path=ppt/slides/slide21.xml><?xml version="1.0" encoding="utf-8"?>
+<file path=ppt/slides/slide2.xml><?xml version="1.0" encoding="utf-8"?>
+<p:sld xmlns:a="http://schemas.openxmlformats.org/drawingml/2006/main" xmlns:r="http://schemas.openxmlformats.org/officeDocument/2006/relationships" xmlns:p="http://schemas.openxmlformats.org/presentationml/2006/main">
+  <p:cSld>
+    <p:spTree>
+      <p:nvGrpSpPr>
+        <p:cNvPr id="1" name=""/>
+        <p:cNvGrpSpPr/>
+        <p:nvPr/>
+      </p:nvGrpSpPr>
+      <p:grpSpPr>
+        <a:xfrm>
+          <a:off x="0" y="0"/>
+          <a:ext cx="0" cy="0"/>
+          <a:chOff x="0" y="0"/>
+          <a:chExt cx="0" cy="0"/>
+        </a:xfrm>
+      </p:grpSpPr>
+      <p:sp>
+        <p:nvSpPr>
+          <p:cNvPr id="2" name="Título 1">
+            <a:extLst>
+              <a:ext uri="{FF2B5EF4-FFF2-40B4-BE49-F238E27FC236}">
+                <a16:creationId xmlns:a16="http://schemas.microsoft.com/office/drawing/2014/main" id="{472E50B5-60A3-C6A0-2DC8-A09DDB94EC81}"/>
+              </a:ext>
+            </a:extLst>
+          </p:cNvPr>
+          <p:cNvSpPr>
+            <a:spLocks noGrp="1"/>
+          </p:cNvSpPr>
+          <p:nvPr>
+            <p:ph type="title"/>
+          </p:nvPr>
+        </p:nvSpPr>
+        <p:spPr/>
+        <p:txBody>
+          <a:bodyPr/>
+          <a:lstStyle/>
+          <a:p>
+            <a:pPr algn="ctr"/>
+            <a:r>
+              <a:rPr lang="es-ES" b="1" dirty="0"/>
+              <a:t>¿Quiénes somos?</a:t>
+            </a:r>
+          </a:p>
+        </p:txBody>
+      </p:sp>
+      <p:sp>
+        <p:nvSpPr>
+          <p:cNvPr id="6" name="Marcador de contenido 5">
+            <a:extLst>
+              <a:ext uri="{FF2B5EF4-FFF2-40B4-BE49-F238E27FC236}">
+                <a16:creationId xmlns:a16="http://schemas.microsoft.com/office/drawing/2014/main" id="{71D13CDE-C1E2-9ECD-219B-98161C070CA7}"/>
+              </a:ext>
+            </a:extLst>
+          </p:cNvPr>
+          <p:cNvSpPr>
+            <a:spLocks noGrp="1"/>
+          </p:cNvSpPr>
+          <p:nvPr>
+            <p:ph idx="1"/>
+          </p:nvPr>
+        </p:nvSpPr>
+        <p:spPr/>
+        <p:txBody>
+          <a:bodyPr>
+            <a:normAutofit/>
+          </a:bodyPr>
+          <a:lstStyle/>
+          <a:p>
+            <a:pPr marL="0" indent="0">
+              <a:buNone/>
+            </a:pPr>
+            <a:r>
+              <a:rPr lang="es-ES" sz="2400" dirty="0"/>
+              <a:t>Somos una empresa de ingeniería de software que desarrolla soluciones software con inteligencia artificial.</a:t>
+            </a:r>
+          </a:p>
+          <a:p>
+            <a:pPr marL="0" indent="0">
+              <a:buNone/>
+            </a:pPr>
+            <a:r>
+              <a:rPr lang="es-ES" sz="2400" dirty="0"/>
+              <a:t>El equipo se conforma por:</a:t>
+            </a:r>
+          </a:p>
+          <a:p>
+            <a:pPr marL="0" indent="0">
+              <a:buNone/>
+            </a:pPr>
+            <a:r>
+              <a:rPr lang="es-ES" sz="2400" b="1" dirty="0"/>
+              <a:t>Jefe de Proyecto:</a:t>
+            </a:r>
+            <a:r>
+              <a:rPr lang="es-ES" sz="2400" dirty="0"/>
+              <a:t> Alberto Fernández Sánchez</a:t>
+            </a:r>
+          </a:p>
+          <a:p>
+            <a:pPr marL="0" indent="0">
+              <a:buNone/>
+            </a:pPr>
+            <a:r>
+              <a:rPr lang="es-ES" sz="2400" b="1" dirty="0"/>
+              <a:t>Tres desarrolladores </a:t>
+            </a:r>
+            <a:r>
+              <a:rPr lang="es-ES" sz="2400" b="1" dirty="0" err="1"/>
+              <a:t>front-end</a:t>
+            </a:r>
+            <a:r>
+              <a:rPr lang="es-ES" sz="2400" b="1" dirty="0"/>
+              <a:t>:</a:t>
+            </a:r>
+            <a:r>
+              <a:rPr lang="es-ES" sz="2400" dirty="0"/>
+              <a:t> Sofía Flores García, Alberto Fernández Sánchez y Guillermo Cobelo García.</a:t>
+            </a:r>
+          </a:p>
+          <a:p>
+            <a:pPr marL="0" indent="0">
+              <a:buNone/>
+            </a:pPr>
+            <a:r>
+              <a:rPr lang="es-ES" sz="2400" b="1" dirty="0"/>
+              <a:t>Tres desarrolladores back-</a:t>
+            </a:r>
+            <a:r>
+              <a:rPr lang="es-ES" sz="2400" b="1" dirty="0" err="1"/>
+              <a:t>end</a:t>
+            </a:r>
+            <a:r>
+              <a:rPr lang="es-ES" sz="2400" b="1" dirty="0"/>
+              <a:t>:</a:t>
+            </a:r>
+            <a:r>
+              <a:rPr lang="es-ES" sz="2400" dirty="0"/>
+              <a:t> </a:t>
+            </a:r>
+            <a:r>
+              <a:rPr lang="es-ES" sz="2400" dirty="0" err="1"/>
+              <a:t>Meryem</a:t>
+            </a:r>
+            <a:r>
+              <a:rPr lang="es-ES" sz="2400" dirty="0"/>
+              <a:t> </a:t>
+            </a:r>
+            <a:r>
+              <a:rPr lang="es-ES" sz="2400" dirty="0" err="1"/>
+              <a:t>Ezzekraoui</a:t>
+            </a:r>
+            <a:r>
+              <a:rPr lang="es-ES" sz="2400" dirty="0"/>
+              <a:t> </a:t>
+            </a:r>
+            <a:r>
+              <a:rPr lang="es-ES" sz="2400" dirty="0" err="1"/>
+              <a:t>Ezzekraoui</a:t>
+            </a:r>
+            <a:r>
+              <a:rPr lang="es-ES" sz="2400" dirty="0"/>
+              <a:t>, Adrián Canosa Pérez, Guillermo Cobelo García.</a:t>
+            </a:r>
+          </a:p>
+          <a:p>
+            <a:pPr marL="0" indent="0">
+              <a:buNone/>
+            </a:pPr>
+            <a:r>
+              <a:rPr lang="es-ES" sz="2400" b="1" dirty="0"/>
+              <a:t>Bases de datos:</a:t>
+            </a:r>
+            <a:r>
+              <a:rPr lang="es-ES" sz="2400" dirty="0"/>
+              <a:t> </a:t>
+            </a:r>
+            <a:r>
+              <a:rPr lang="es-ES" sz="2400" dirty="0" err="1"/>
+              <a:t>Meryem</a:t>
+            </a:r>
+            <a:r>
+              <a:rPr lang="es-ES" sz="2400" dirty="0"/>
+              <a:t> </a:t>
+            </a:r>
+            <a:r>
+              <a:rPr lang="es-ES" sz="2400" dirty="0" err="1"/>
+              <a:t>Ezzekraoui</a:t>
+            </a:r>
+            <a:r>
+              <a:rPr lang="es-ES" sz="2400" dirty="0"/>
+              <a:t> </a:t>
+            </a:r>
+            <a:r>
+              <a:rPr lang="es-ES" sz="2400" dirty="0" err="1"/>
+              <a:t>Ezzekraoui</a:t>
+            </a:r>
+            <a:r>
+              <a:rPr lang="es-ES" sz="2400" dirty="0"/>
+              <a:t>, Adrián Canosa Pérez</a:t>
+            </a:r>
+          </a:p>
+          <a:p>
+            <a:pPr marL="0" indent="0">
+              <a:buNone/>
+            </a:pPr>
+            <a:r>
+              <a:rPr lang="es-ES" sz="2400" b="1" dirty="0"/>
+              <a:t>Departamento de Seguridad:</a:t>
+            </a:r>
+            <a:r>
+              <a:rPr lang="es-ES" sz="2400" dirty="0"/>
+              <a:t> Sofía Flores García, </a:t>
+            </a:r>
+            <a:r>
+              <a:rPr lang="es-ES" sz="2400" dirty="0" err="1"/>
+              <a:t>Meryem</a:t>
+            </a:r>
+            <a:r>
+              <a:rPr lang="es-ES" sz="2400" dirty="0"/>
+              <a:t> </a:t>
+            </a:r>
+            <a:r>
+              <a:rPr lang="es-ES" sz="2400" dirty="0" err="1"/>
+              <a:t>Ezzekraoui</a:t>
+            </a:r>
+            <a:r>
+              <a:rPr lang="es-ES" sz="2400" dirty="0"/>
+              <a:t> </a:t>
+            </a:r>
+            <a:r>
+              <a:rPr lang="es-ES" sz="2400" dirty="0" err="1"/>
+              <a:t>Ezzekraoui</a:t>
+            </a:r>
+            <a:endParaRPr lang="es-ES" sz="2400" dirty="0"/>
+          </a:p>
+          <a:p>
+            <a:pPr marL="0" indent="0">
+              <a:buNone/>
+            </a:pPr>
+            <a:endParaRPr lang="es-ES" dirty="0"/>
+          </a:p>
+        </p:txBody>
+      </p:sp>
+    </p:spTree>
+    <p:extLst>
+      <p:ext uri="{BB962C8B-B14F-4D97-AF65-F5344CB8AC3E}">
+        <p14:creationId xmlns:p14="http://schemas.microsoft.com/office/powerpoint/2010/main" val="4184171628"/>
+      </p:ext>
+    </p:extLst>
+  </p:cSld>
+  <p:clrMapOvr>
+    <a:masterClrMapping/>
+  </p:clrMapOvr>
+</p:sld>
+</file>
+
+<file path=ppt/slides/slide20.xml><?xml version="1.0" encoding="utf-8"?>
 <p:sld xmlns:a="http://schemas.openxmlformats.org/drawingml/2006/main" xmlns:r="http://schemas.openxmlformats.org/officeDocument/2006/relationships" xmlns:p="http://schemas.openxmlformats.org/presentationml/2006/main">
   <p:cSld>
     <p:spTree>
@@ -6665,14 +6462,6 @@
 <file path=ppt/slides/slide5.xml><?xml version="1.0" encoding="utf-8"?>
 <p:sld xmlns:a="http://schemas.openxmlformats.org/drawingml/2006/main" xmlns:r="http://schemas.openxmlformats.org/officeDocument/2006/relationships" xmlns:p="http://schemas.openxmlformats.org/presentationml/2006/main">
   <p:cSld>
-    <p:bg>
-      <p:bgPr>
-        <a:solidFill>
-          <a:schemeClr val="bg1"/>
-        </a:solidFill>
-        <a:effectLst/>
-      </p:bgPr>
-    </p:bg>
     <p:spTree>
       <p:nvGrpSpPr>
         <p:cNvPr id="1" name=""/>
@@ -6692,7 +6481,7 @@
           <p:cNvPr id="2" name="Título 1">
             <a:extLst>
               <a:ext uri="{FF2B5EF4-FFF2-40B4-BE49-F238E27FC236}">
-                <a16:creationId xmlns:a16="http://schemas.microsoft.com/office/drawing/2014/main" id="{BF48173F-1374-E4DA-2402-B19034C391F7}"/>
+                <a16:creationId xmlns:a16="http://schemas.microsoft.com/office/drawing/2014/main" id="{2F8398E3-8414-86F8-1AD1-A9E990B3D996}"/>
               </a:ext>
             </a:extLst>
           </p:cNvPr>
@@ -6703,14 +6492,9 @@
             <p:ph type="title"/>
           </p:nvPr>
         </p:nvSpPr>
-        <p:spPr>
-          <a:xfrm>
-            <a:off x="838199" y="291090"/>
-            <a:ext cx="10515599" cy="932688"/>
-          </a:xfrm>
-        </p:spPr>
-        <p:txBody>
-          <a:bodyPr vert="horz" lIns="91440" tIns="45720" rIns="91440" bIns="45720" rtlCol="0" anchor="b">
+        <p:spPr/>
+        <p:txBody>
+          <a:bodyPr>
             <a:normAutofit/>
           </a:bodyPr>
           <a:lstStyle/>
@@ -6727,15 +6511,60 @@
               </a:rPr>
               <a:t>JIRA</a:t>
             </a:r>
+            <a:endParaRPr lang="es-ES" sz="5400" dirty="0"/>
+          </a:p>
+        </p:txBody>
+      </p:sp>
+      <p:sp>
+        <p:nvSpPr>
+          <p:cNvPr id="3" name="Marcador de contenido 2">
+            <a:extLst>
+              <a:ext uri="{FF2B5EF4-FFF2-40B4-BE49-F238E27FC236}">
+                <a16:creationId xmlns:a16="http://schemas.microsoft.com/office/drawing/2014/main" id="{3C14217F-EBD3-9476-2195-2D18E5A32028}"/>
+              </a:ext>
+            </a:extLst>
+          </p:cNvPr>
+          <p:cNvSpPr>
+            <a:spLocks noGrp="1"/>
+          </p:cNvSpPr>
+          <p:nvPr>
+            <p:ph idx="1"/>
+          </p:nvPr>
+        </p:nvSpPr>
+        <p:spPr>
+          <a:xfrm>
+            <a:off x="838199" y="1965893"/>
+            <a:ext cx="4541322" cy="483524"/>
+          </a:xfrm>
+        </p:spPr>
+        <p:txBody>
+          <a:bodyPr>
+            <a:normAutofit/>
+          </a:bodyPr>
+          <a:lstStyle/>
+          <a:p>
+            <a:pPr marL="0" indent="0">
+              <a:buNone/>
+            </a:pPr>
+            <a:r>
+              <a:rPr lang="es-ES" sz="2200" dirty="0"/>
+              <a:t>Sprint de gestión del alcance</a:t>
+            </a:r>
+          </a:p>
+          <a:p>
+            <a:pPr marL="0" indent="0">
+              <a:buNone/>
+            </a:pPr>
+            <a:endParaRPr lang="es-ES" sz="2200" dirty="0"/>
           </a:p>
         </p:txBody>
       </p:sp>
       <p:pic>
         <p:nvPicPr>
-          <p:cNvPr id="7" name="Imagen 6" descr="Una captura de pantalla de una computadora&#10;&#10;Descripción generada automáticamente">
-            <a:extLst>
-              <a:ext uri="{FF2B5EF4-FFF2-40B4-BE49-F238E27FC236}">
-                <a16:creationId xmlns:a16="http://schemas.microsoft.com/office/drawing/2014/main" id="{CEA0C996-0DDC-4971-0FF1-E29CF4D92305}"/>
+          <p:cNvPr id="5" name="Imagen 4" descr="Interfaz de usuario gráfica, Texto, Correo electrónico&#10;&#10;Descripción generada automáticamente">
+            <a:extLst>
+              <a:ext uri="{FF2B5EF4-FFF2-40B4-BE49-F238E27FC236}">
+                <a16:creationId xmlns:a16="http://schemas.microsoft.com/office/drawing/2014/main" id="{55EFC45B-4DF6-5782-F7E9-2353496BC382}"/>
               </a:ext>
             </a:extLst>
           </p:cNvPr>
@@ -6745,7 +6574,7 @@
           <p:nvPr/>
         </p:nvPicPr>
         <p:blipFill>
-          <a:blip r:embed="rId3">
+          <a:blip r:embed="rId2">
             <a:extLst>
               <a:ext uri="{28A0092B-C50C-407E-A947-70E740481C1C}">
                 <a14:useLocalDpi xmlns:a14="http://schemas.microsoft.com/office/drawing/2010/main" val="0"/>
@@ -6758,185 +6587,7 @@
         </p:blipFill>
         <p:spPr>
           <a:xfrm>
-            <a:off x="2266007" y="2185156"/>
-            <a:ext cx="7659986" cy="4071237"/>
-          </a:xfrm>
-          <a:prstGeom prst="rect">
-            <a:avLst/>
-          </a:prstGeom>
-        </p:spPr>
-      </p:pic>
-      <p:sp>
-        <p:nvSpPr>
-          <p:cNvPr id="9" name="CuadroTexto 8">
-            <a:extLst>
-              <a:ext uri="{FF2B5EF4-FFF2-40B4-BE49-F238E27FC236}">
-                <a16:creationId xmlns:a16="http://schemas.microsoft.com/office/drawing/2014/main" id="{AA005C23-7EF0-CE87-C2AB-E1F5BF1642FF}"/>
-              </a:ext>
-            </a:extLst>
-          </p:cNvPr>
-          <p:cNvSpPr txBox="1"/>
-          <p:nvPr/>
-        </p:nvSpPr>
-        <p:spPr>
-          <a:xfrm>
-            <a:off x="3647851" y="1537163"/>
-            <a:ext cx="4896294" cy="430887"/>
-          </a:xfrm>
-          <a:prstGeom prst="rect">
-            <a:avLst/>
-          </a:prstGeom>
-          <a:noFill/>
-        </p:spPr>
-        <p:txBody>
-          <a:bodyPr wrap="square" rtlCol="0">
-            <a:spAutoFit/>
-          </a:bodyPr>
-          <a:lstStyle/>
-          <a:p>
-            <a:r>
-              <a:rPr lang="es-ES" sz="2200" dirty="0"/>
-              <a:t>Jira con todos los Sprint del proyecto</a:t>
-            </a:r>
-          </a:p>
-        </p:txBody>
-      </p:sp>
-    </p:spTree>
-    <p:extLst>
-      <p:ext uri="{BB962C8B-B14F-4D97-AF65-F5344CB8AC3E}">
-        <p14:creationId xmlns:p14="http://schemas.microsoft.com/office/powerpoint/2010/main" val="4155606223"/>
-      </p:ext>
-    </p:extLst>
-  </p:cSld>
-  <p:clrMapOvr>
-    <a:masterClrMapping/>
-  </p:clrMapOvr>
-</p:sld>
-</file>
-
-<file path=ppt/slides/slide6.xml><?xml version="1.0" encoding="utf-8"?>
-<p:sld xmlns:a="http://schemas.openxmlformats.org/drawingml/2006/main" xmlns:r="http://schemas.openxmlformats.org/officeDocument/2006/relationships" xmlns:p="http://schemas.openxmlformats.org/presentationml/2006/main">
-  <p:cSld>
-    <p:spTree>
-      <p:nvGrpSpPr>
-        <p:cNvPr id="1" name=""/>
-        <p:cNvGrpSpPr/>
-        <p:nvPr/>
-      </p:nvGrpSpPr>
-      <p:grpSpPr>
-        <a:xfrm>
-          <a:off x="0" y="0"/>
-          <a:ext cx="0" cy="0"/>
-          <a:chOff x="0" y="0"/>
-          <a:chExt cx="0" cy="0"/>
-        </a:xfrm>
-      </p:grpSpPr>
-      <p:sp>
-        <p:nvSpPr>
-          <p:cNvPr id="2" name="Título 1">
-            <a:extLst>
-              <a:ext uri="{FF2B5EF4-FFF2-40B4-BE49-F238E27FC236}">
-                <a16:creationId xmlns:a16="http://schemas.microsoft.com/office/drawing/2014/main" id="{2F8398E3-8414-86F8-1AD1-A9E990B3D996}"/>
-              </a:ext>
-            </a:extLst>
-          </p:cNvPr>
-          <p:cNvSpPr>
-            <a:spLocks noGrp="1"/>
-          </p:cNvSpPr>
-          <p:nvPr>
-            <p:ph type="title"/>
-          </p:nvPr>
-        </p:nvSpPr>
-        <p:spPr/>
-        <p:txBody>
-          <a:bodyPr>
-            <a:normAutofit/>
-          </a:bodyPr>
-          <a:lstStyle/>
-          <a:p>
-            <a:pPr algn="ctr"/>
-            <a:r>
-              <a:rPr lang="en-US" sz="5400" b="1" kern="1200" dirty="0">
-                <a:solidFill>
-                  <a:schemeClr val="tx1"/>
-                </a:solidFill>
-                <a:latin typeface="+mj-lt"/>
-                <a:ea typeface="+mj-ea"/>
-                <a:cs typeface="+mj-cs"/>
-              </a:rPr>
-              <a:t>JIRA</a:t>
-            </a:r>
-            <a:endParaRPr lang="es-ES" sz="5400" dirty="0"/>
-          </a:p>
-        </p:txBody>
-      </p:sp>
-      <p:sp>
-        <p:nvSpPr>
-          <p:cNvPr id="3" name="Marcador de contenido 2">
-            <a:extLst>
-              <a:ext uri="{FF2B5EF4-FFF2-40B4-BE49-F238E27FC236}">
-                <a16:creationId xmlns:a16="http://schemas.microsoft.com/office/drawing/2014/main" id="{3C14217F-EBD3-9476-2195-2D18E5A32028}"/>
-              </a:ext>
-            </a:extLst>
-          </p:cNvPr>
-          <p:cNvSpPr>
-            <a:spLocks noGrp="1"/>
-          </p:cNvSpPr>
-          <p:nvPr>
-            <p:ph idx="1"/>
-          </p:nvPr>
-        </p:nvSpPr>
-        <p:spPr>
-          <a:xfrm>
-            <a:off x="838199" y="1965893"/>
-            <a:ext cx="4541322" cy="483524"/>
-          </a:xfrm>
-        </p:spPr>
-        <p:txBody>
-          <a:bodyPr>
-            <a:normAutofit/>
-          </a:bodyPr>
-          <a:lstStyle/>
-          <a:p>
-            <a:pPr marL="0" indent="0">
-              <a:buNone/>
-            </a:pPr>
-            <a:r>
-              <a:rPr lang="es-ES" sz="2200" dirty="0"/>
-              <a:t>Tarea del Sprint de gestión del alcance</a:t>
-            </a:r>
-          </a:p>
-        </p:txBody>
-      </p:sp>
-      <p:pic>
-        <p:nvPicPr>
-          <p:cNvPr id="5" name="Imagen 4" descr="Interfaz de usuario gráfica, Texto, Correo electrónico&#10;&#10;Descripción generada automáticamente">
-            <a:extLst>
-              <a:ext uri="{FF2B5EF4-FFF2-40B4-BE49-F238E27FC236}">
-                <a16:creationId xmlns:a16="http://schemas.microsoft.com/office/drawing/2014/main" id="{55EFC45B-4DF6-5782-F7E9-2353496BC382}"/>
-              </a:ext>
-            </a:extLst>
-          </p:cNvPr>
-          <p:cNvPicPr>
-            <a:picLocks noChangeAspect="1"/>
-          </p:cNvPicPr>
-          <p:nvPr/>
-        </p:nvPicPr>
-        <p:blipFill>
-          <a:blip r:embed="rId2">
-            <a:extLst>
-              <a:ext uri="{28A0092B-C50C-407E-A947-70E740481C1C}">
-                <a14:useLocalDpi xmlns:a14="http://schemas.microsoft.com/office/drawing/2010/main" val="0"/>
-              </a:ext>
-            </a:extLst>
-          </a:blip>
-          <a:stretch>
-            <a:fillRect/>
-          </a:stretch>
-        </p:blipFill>
-        <p:spPr>
-          <a:xfrm>
-            <a:off x="283488" y="2724623"/>
+            <a:off x="6257770" y="2596245"/>
             <a:ext cx="5650745" cy="2968429"/>
           </a:xfrm>
           <a:prstGeom prst="rect">
@@ -6974,7 +6625,7 @@
           <a:p>
             <a:r>
               <a:rPr lang="es-ES" sz="2200" dirty="0"/>
-              <a:t>Sprint de gestión del alcance</a:t>
+              <a:t>Historia de usuario</a:t>
             </a:r>
           </a:p>
         </p:txBody>
@@ -7007,7 +6658,7 @@
         </p:blipFill>
         <p:spPr>
           <a:xfrm>
-            <a:off x="6257769" y="2724623"/>
+            <a:off x="283487" y="2561337"/>
             <a:ext cx="5650745" cy="3003337"/>
           </a:xfrm>
           <a:prstGeom prst="rect">
@@ -7028,7 +6679,7 @@
 </p:sld>
 </file>
 
-<file path=ppt/slides/slide7.xml><?xml version="1.0" encoding="utf-8"?>
+<file path=ppt/slides/slide6.xml><?xml version="1.0" encoding="utf-8"?>
 <p:sld xmlns:a="http://schemas.openxmlformats.org/drawingml/2006/main" xmlns:r="http://schemas.openxmlformats.org/officeDocument/2006/relationships" xmlns:p="http://schemas.openxmlformats.org/presentationml/2006/main">
   <p:cSld>
     <p:spTree>
@@ -7145,7 +6796,7 @@
 </p:sld>
 </file>
 
-<file path=ppt/slides/slide8.xml><?xml version="1.0" encoding="utf-8"?>
+<file path=ppt/slides/slide7.xml><?xml version="1.0" encoding="utf-8"?>
 <p:sld xmlns:a="http://schemas.openxmlformats.org/drawingml/2006/main" xmlns:r="http://schemas.openxmlformats.org/officeDocument/2006/relationships" xmlns:p="http://schemas.openxmlformats.org/presentationml/2006/main">
   <p:cSld>
     <p:spTree>
@@ -7261,6 +6912,100 @@
 </p:sld>
 </file>
 
+<file path=ppt/slides/slide8.xml><?xml version="1.0" encoding="utf-8"?>
+<p:sld xmlns:a="http://schemas.openxmlformats.org/drawingml/2006/main" xmlns:r="http://schemas.openxmlformats.org/officeDocument/2006/relationships" xmlns:p="http://schemas.openxmlformats.org/presentationml/2006/main">
+  <p:cSld>
+    <p:spTree>
+      <p:nvGrpSpPr>
+        <p:cNvPr id="1" name=""/>
+        <p:cNvGrpSpPr/>
+        <p:nvPr/>
+      </p:nvGrpSpPr>
+      <p:grpSpPr>
+        <a:xfrm>
+          <a:off x="0" y="0"/>
+          <a:ext cx="0" cy="0"/>
+          <a:chOff x="0" y="0"/>
+          <a:chExt cx="0" cy="0"/>
+        </a:xfrm>
+      </p:grpSpPr>
+      <p:sp>
+        <p:nvSpPr>
+          <p:cNvPr id="8" name="Título 7">
+            <a:extLst>
+              <a:ext uri="{FF2B5EF4-FFF2-40B4-BE49-F238E27FC236}">
+                <a16:creationId xmlns:a16="http://schemas.microsoft.com/office/drawing/2014/main" id="{C8312206-5D26-4D4D-3756-17365D583599}"/>
+              </a:ext>
+            </a:extLst>
+          </p:cNvPr>
+          <p:cNvSpPr>
+            <a:spLocks noGrp="1"/>
+          </p:cNvSpPr>
+          <p:nvPr>
+            <p:ph type="title"/>
+          </p:nvPr>
+        </p:nvSpPr>
+        <p:spPr/>
+        <p:txBody>
+          <a:bodyPr/>
+          <a:lstStyle/>
+          <a:p>
+            <a:pPr algn="ctr"/>
+            <a:r>
+              <a:rPr lang="es-ES" dirty="0"/>
+              <a:t>EDT</a:t>
+            </a:r>
+          </a:p>
+        </p:txBody>
+      </p:sp>
+      <p:pic>
+        <p:nvPicPr>
+          <p:cNvPr id="11" name="Marcador de contenido 10" descr="Diagrama&#10;&#10;Descripción generada automáticamente">
+            <a:extLst>
+              <a:ext uri="{FF2B5EF4-FFF2-40B4-BE49-F238E27FC236}">
+                <a16:creationId xmlns:a16="http://schemas.microsoft.com/office/drawing/2014/main" id="{7AC88EA7-BD1C-4166-D578-D12F7C9E4E11}"/>
+              </a:ext>
+            </a:extLst>
+          </p:cNvPr>
+          <p:cNvPicPr>
+            <a:picLocks noGrp="1" noChangeAspect="1"/>
+          </p:cNvPicPr>
+          <p:nvPr>
+            <p:ph idx="1"/>
+          </p:nvPr>
+        </p:nvPicPr>
+        <p:blipFill>
+          <a:blip r:embed="rId2">
+            <a:extLst>
+              <a:ext uri="{28A0092B-C50C-407E-A947-70E740481C1C}">
+                <a14:useLocalDpi xmlns:a14="http://schemas.microsoft.com/office/drawing/2010/main" val="0"/>
+              </a:ext>
+            </a:extLst>
+          </a:blip>
+          <a:stretch>
+            <a:fillRect/>
+          </a:stretch>
+        </p:blipFill>
+        <p:spPr>
+          <a:xfrm>
+            <a:off x="2763624" y="1690688"/>
+            <a:ext cx="6664751" cy="4667250"/>
+          </a:xfrm>
+        </p:spPr>
+      </p:pic>
+    </p:spTree>
+    <p:extLst>
+      <p:ext uri="{BB962C8B-B14F-4D97-AF65-F5344CB8AC3E}">
+        <p14:creationId xmlns:p14="http://schemas.microsoft.com/office/powerpoint/2010/main" val="3998050004"/>
+      </p:ext>
+    </p:extLst>
+  </p:cSld>
+  <p:clrMapOvr>
+    <a:masterClrMapping/>
+  </p:clrMapOvr>
+</p:sld>
+</file>
+
 <file path=ppt/slides/slide9.xml><?xml version="1.0" encoding="utf-8"?>
 <p:sld xmlns:a="http://schemas.openxmlformats.org/drawingml/2006/main" xmlns:r="http://schemas.openxmlformats.org/officeDocument/2006/relationships" xmlns:p="http://schemas.openxmlformats.org/presentationml/2006/main">
   <p:cSld>
@@ -7280,10 +7025,10 @@
       </p:grpSpPr>
       <p:sp>
         <p:nvSpPr>
-          <p:cNvPr id="8" name="Título 7">
-            <a:extLst>
-              <a:ext uri="{FF2B5EF4-FFF2-40B4-BE49-F238E27FC236}">
-                <a16:creationId xmlns:a16="http://schemas.microsoft.com/office/drawing/2014/main" id="{C8312206-5D26-4D4D-3756-17365D583599}"/>
+          <p:cNvPr id="2" name="Título 1">
+            <a:extLst>
+              <a:ext uri="{FF2B5EF4-FFF2-40B4-BE49-F238E27FC236}">
+                <a16:creationId xmlns:a16="http://schemas.microsoft.com/office/drawing/2014/main" id="{BB22BAAC-FD8A-40FA-EDD9-83C7D5DED642}"/>
               </a:ext>
             </a:extLst>
           </p:cNvPr>
@@ -7301,51 +7046,75 @@
           <a:p>
             <a:pPr algn="ctr"/>
             <a:r>
-              <a:rPr lang="es-ES" dirty="0"/>
-              <a:t>EDT</a:t>
-            </a:r>
+              <a:rPr lang="es-ES" b="1"/>
+              <a:t>INTERESADOS Y COMUNICACIONES</a:t>
+            </a:r>
+            <a:endParaRPr lang="es-ES" b="1" dirty="0"/>
           </a:p>
         </p:txBody>
       </p:sp>
       <p:pic>
         <p:nvPicPr>
-          <p:cNvPr id="11" name="Marcador de contenido 10" descr="Diagrama&#10;&#10;Descripción generada automáticamente">
-            <a:extLst>
-              <a:ext uri="{FF2B5EF4-FFF2-40B4-BE49-F238E27FC236}">
-                <a16:creationId xmlns:a16="http://schemas.microsoft.com/office/drawing/2014/main" id="{7AC88EA7-BD1C-4166-D578-D12F7C9E4E11}"/>
+          <p:cNvPr id="7" name="Imagen 6">
+            <a:extLst>
+              <a:ext uri="{FF2B5EF4-FFF2-40B4-BE49-F238E27FC236}">
+                <a16:creationId xmlns:a16="http://schemas.microsoft.com/office/drawing/2014/main" id="{9A13AFE2-7E49-39F0-A586-DE15C5A9F987}"/>
               </a:ext>
             </a:extLst>
           </p:cNvPr>
           <p:cNvPicPr>
-            <a:picLocks noGrp="1" noChangeAspect="1"/>
+            <a:picLocks noChangeAspect="1"/>
           </p:cNvPicPr>
-          <p:nvPr>
-            <p:ph idx="1"/>
-          </p:nvPr>
+          <p:nvPr/>
         </p:nvPicPr>
-        <p:blipFill>
-          <a:blip r:embed="rId2">
-            <a:extLst>
-              <a:ext uri="{28A0092B-C50C-407E-A947-70E740481C1C}">
-                <a14:useLocalDpi xmlns:a14="http://schemas.microsoft.com/office/drawing/2010/main" val="0"/>
-              </a:ext>
-            </a:extLst>
-          </a:blip>
-          <a:stretch>
-            <a:fillRect/>
-          </a:stretch>
+        <p:blipFill rotWithShape="1">
+          <a:blip r:embed="rId2"/>
+          <a:srcRect r="48166"/>
+          <a:stretch/>
         </p:blipFill>
         <p:spPr>
           <a:xfrm>
-            <a:off x="2763624" y="1690688"/>
-            <a:ext cx="6664751" cy="4667250"/>
+            <a:off x="2143489" y="1596468"/>
+            <a:ext cx="7732031" cy="2254275"/>
           </a:xfrm>
+          <a:prstGeom prst="rect">
+            <a:avLst/>
+          </a:prstGeom>
+        </p:spPr>
+      </p:pic>
+      <p:pic>
+        <p:nvPicPr>
+          <p:cNvPr id="11" name="Imagen 10">
+            <a:extLst>
+              <a:ext uri="{FF2B5EF4-FFF2-40B4-BE49-F238E27FC236}">
+                <a16:creationId xmlns:a16="http://schemas.microsoft.com/office/drawing/2014/main" id="{C5728889-2E01-1B73-1EA7-EC460701BB18}"/>
+              </a:ext>
+            </a:extLst>
+          </p:cNvPr>
+          <p:cNvPicPr>
+            <a:picLocks noChangeAspect="1"/>
+          </p:cNvPicPr>
+          <p:nvPr/>
+        </p:nvPicPr>
+        <p:blipFill rotWithShape="1">
+          <a:blip r:embed="rId2"/>
+          <a:srcRect l="51482"/>
+          <a:stretch/>
+        </p:blipFill>
+        <p:spPr>
+          <a:xfrm>
+            <a:off x="2143489" y="4090796"/>
+            <a:ext cx="7732031" cy="2408345"/>
+          </a:xfrm>
+          <a:prstGeom prst="rect">
+            <a:avLst/>
+          </a:prstGeom>
         </p:spPr>
       </p:pic>
     </p:spTree>
     <p:extLst>
       <p:ext uri="{BB962C8B-B14F-4D97-AF65-F5344CB8AC3E}">
-        <p14:creationId xmlns:p14="http://schemas.microsoft.com/office/powerpoint/2010/main" val="3998050004"/>
+        <p14:creationId xmlns:p14="http://schemas.microsoft.com/office/powerpoint/2010/main" val="2359861581"/>
       </p:ext>
     </p:extLst>
   </p:cSld>
